--- a/WUTDemo.pptx
+++ b/WUTDemo.pptx
@@ -9,8 +9,8 @@
     <p:sldId id="258" r:id="rId3"/>
     <p:sldId id="257" r:id="rId4"/>
     <p:sldId id="264" r:id="rId5"/>
-    <p:sldId id="259" r:id="rId6"/>
-    <p:sldId id="260" r:id="rId7"/>
+    <p:sldId id="265" r:id="rId6"/>
+    <p:sldId id="266" r:id="rId7"/>
     <p:sldId id="261" r:id="rId8"/>
     <p:sldId id="262" r:id="rId9"/>
     <p:sldId id="263" r:id="rId10"/>
@@ -3037,8 +3037,8 @@
         </p:blipFill>
         <p:spPr>
           <a:xfrm>
-            <a:off x="2667000" y="0"/>
-            <a:ext cx="6858000" cy="6858000"/>
+            <a:off x="655984" y="80963"/>
+            <a:ext cx="10843590" cy="6858000"/>
           </a:xfrm>
           <a:prstGeom prst="rect">
             <a:avLst/>
@@ -3343,35 +3343,107 @@
           <a:p>
             <a:r>
               <a:rPr lang="en-US" dirty="0" smtClean="0"/>
-              <a:t>WUT?  Database</a:t>
+              <a:t>WUT?</a:t>
+            </a:r>
+            <a:br>
+              <a:rPr lang="en-US" dirty="0" smtClean="0"/>
+            </a:br>
+            <a:r>
+              <a:rPr lang="en-US" dirty="0" smtClean="0"/>
+              <a:t>Database</a:t>
             </a:r>
             <a:endParaRPr lang="en-US" dirty="0"/>
           </a:p>
         </p:txBody>
       </p:sp>
-      <p:sp>
-        <p:nvSpPr>
-          <p:cNvPr id="3" name="Content Placeholder 2"/>
-          <p:cNvSpPr>
-            <a:spLocks noGrp="1"/>
-          </p:cNvSpPr>
+      <p:pic>
+        <p:nvPicPr>
+          <p:cNvPr id="5" name="Content Placeholder 4"/>
+          <p:cNvPicPr>
+            <a:picLocks noGrp="1" noChangeAspect="1"/>
+          </p:cNvPicPr>
           <p:nvPr>
             <p:ph idx="1"/>
           </p:nvPr>
-        </p:nvSpPr>
-        <p:spPr/>
-        <p:txBody>
-          <a:bodyPr/>
-          <a:lstStyle/>
-          <a:p>
-            <a:endParaRPr lang="en-US"/>
+        </p:nvPicPr>
+        <p:blipFill>
+          <a:blip r:embed="rId2"/>
+          <a:stretch>
+            <a:fillRect/>
+          </a:stretch>
+        </p:blipFill>
+        <p:spPr>
+          <a:xfrm>
+            <a:off x="5183188" y="1043608"/>
+            <a:ext cx="6172200" cy="4825379"/>
+          </a:xfrm>
+          <a:prstGeom prst="rect">
+            <a:avLst/>
+          </a:prstGeom>
+        </p:spPr>
+      </p:pic>
+      <p:sp>
+        <p:nvSpPr>
+          <p:cNvPr id="4" name="Text Placeholder 3"/>
+          <p:cNvSpPr>
+            <a:spLocks noGrp="1"/>
+          </p:cNvSpPr>
+          <p:nvPr>
+            <p:ph type="body" sz="half" idx="2"/>
+          </p:nvPr>
+        </p:nvSpPr>
+        <p:spPr/>
+        <p:txBody>
+          <a:bodyPr/>
+          <a:lstStyle/>
+          <a:p>
+            <a:endParaRPr lang="en-US" dirty="0" smtClean="0"/>
+          </a:p>
+          <a:p>
+            <a:r>
+              <a:rPr lang="en-US" dirty="0" smtClean="0"/>
+              <a:t>Microsoft SQL Server</a:t>
+            </a:r>
+          </a:p>
+          <a:p>
+            <a:r>
+              <a:rPr lang="en-US" dirty="0" smtClean="0"/>
+              <a:t>Database: Trivia</a:t>
+            </a:r>
+          </a:p>
+          <a:p>
+            <a:r>
+              <a:rPr lang="en-US" dirty="0" smtClean="0"/>
+              <a:t>Table:  question</a:t>
+            </a:r>
+          </a:p>
+          <a:p>
+            <a:r>
+              <a:rPr lang="en-US" dirty="0" smtClean="0"/>
+              <a:t>Field:  </a:t>
+            </a:r>
+            <a:r>
+              <a:rPr lang="en-US" dirty="0" err="1" smtClean="0"/>
+              <a:t>question_text</a:t>
+            </a:r>
+            <a:endParaRPr lang="en-US" dirty="0" smtClean="0"/>
+          </a:p>
+          <a:p>
+            <a:r>
+              <a:rPr lang="en-US" dirty="0" err="1" smtClean="0"/>
+              <a:t>question_text</a:t>
+            </a:r>
+            <a:r>
+              <a:rPr lang="en-US" dirty="0" smtClean="0"/>
+              <a:t> contains all the opinion questions for the game.</a:t>
+            </a:r>
           </a:p>
         </p:txBody>
       </p:sp>
     </p:spTree>
     <p:extLst>
       <p:ext uri="{BB962C8B-B14F-4D97-AF65-F5344CB8AC3E}">
-        <p14:creationId xmlns:p14="http://schemas.microsoft.com/office/powerpoint/2010/main" val="3994993265"/>
+        <p14:creationId xmlns:p14="http://schemas.microsoft.com/office/powerpoint/2010/main" val="750060558"/>
       </p:ext>
     </p:extLst>
   </p:cSld>
@@ -3414,36 +3486,139 @@
           <a:lstStyle/>
           <a:p>
             <a:r>
+              <a:rPr lang="en-US" dirty="0"/>
+              <a:t>WUT?  Seamless GUI Transitions</a:t>
+            </a:r>
+          </a:p>
+        </p:txBody>
+      </p:sp>
+      <p:sp>
+        <p:nvSpPr>
+          <p:cNvPr id="3" name="Content Placeholder 2"/>
+          <p:cNvSpPr>
+            <a:spLocks noGrp="1"/>
+          </p:cNvSpPr>
+          <p:nvPr>
+            <p:ph sz="half" idx="1"/>
+          </p:nvPr>
+        </p:nvSpPr>
+        <p:spPr/>
+        <p:txBody>
+          <a:bodyPr/>
+          <a:lstStyle/>
+          <a:p>
+            <a:pPr marL="0" indent="0">
+              <a:buNone/>
+            </a:pPr>
+            <a:r>
+              <a:rPr lang="en-US" dirty="0"/>
+              <a:t>The Window and </a:t>
+            </a:r>
+            <a:r>
+              <a:rPr lang="en-US" dirty="0" err="1"/>
+              <a:t>JFrame</a:t>
+            </a:r>
+            <a:r>
+              <a:rPr lang="en-US" dirty="0"/>
+              <a:t> remains constant </a:t>
+            </a:r>
+            <a:r>
               <a:rPr lang="en-US" dirty="0" smtClean="0"/>
-              <a:t>WUT?  Seamless GUI Transitions</a:t>
+              <a:t>throughout </a:t>
+            </a:r>
+            <a:r>
+              <a:rPr lang="en-US" dirty="0"/>
+              <a:t>the game</a:t>
+            </a:r>
+            <a:r>
+              <a:rPr lang="en-US" dirty="0" smtClean="0"/>
+              <a:t>.</a:t>
+            </a:r>
+          </a:p>
+          <a:p>
+            <a:pPr marL="0" indent="0">
+              <a:buNone/>
+            </a:pPr>
+            <a:r>
+              <a:rPr lang="en-US" dirty="0" smtClean="0"/>
+              <a:t>The </a:t>
+            </a:r>
+            <a:r>
+              <a:rPr lang="en-US" dirty="0" err="1" smtClean="0"/>
+              <a:t>JPanels</a:t>
+            </a:r>
+            <a:r>
+              <a:rPr lang="en-US" dirty="0" smtClean="0"/>
+              <a:t> changes for each GUI screen.</a:t>
             </a:r>
             <a:endParaRPr lang="en-US" dirty="0"/>
           </a:p>
-        </p:txBody>
-      </p:sp>
-      <p:sp>
-        <p:nvSpPr>
-          <p:cNvPr id="3" name="Content Placeholder 2"/>
-          <p:cNvSpPr>
-            <a:spLocks noGrp="1"/>
-          </p:cNvSpPr>
-          <p:nvPr>
-            <p:ph idx="1"/>
-          </p:nvPr>
-        </p:nvSpPr>
-        <p:spPr/>
-        <p:txBody>
-          <a:bodyPr/>
-          <a:lstStyle/>
-          <a:p>
+          <a:p>
+            <a:pPr marL="0" indent="0">
+              <a:buNone/>
+            </a:pPr>
+            <a:r>
+              <a:rPr lang="en-US" dirty="0" smtClean="0"/>
+              <a:t>Each </a:t>
+            </a:r>
+            <a:r>
+              <a:rPr lang="en-US" dirty="0"/>
+              <a:t>GUI </a:t>
+            </a:r>
+            <a:r>
+              <a:rPr lang="en-US" dirty="0" smtClean="0"/>
+              <a:t>screen is a subclass of </a:t>
+            </a:r>
+            <a:r>
+              <a:rPr lang="en-US" dirty="0" err="1" smtClean="0"/>
+              <a:t>GamePanel</a:t>
+            </a:r>
+            <a:r>
+              <a:rPr lang="en-US" dirty="0" smtClean="0"/>
+              <a:t>, a subclass of </a:t>
+            </a:r>
+            <a:r>
+              <a:rPr lang="en-US" dirty="0" err="1" smtClean="0"/>
+              <a:t>JPanel</a:t>
+            </a:r>
+            <a:r>
+              <a:rPr lang="en-US" dirty="0" smtClean="0"/>
+              <a:t>.</a:t>
+            </a:r>
             <a:endParaRPr lang="en-US" dirty="0"/>
           </a:p>
         </p:txBody>
       </p:sp>
+      <p:pic>
+        <p:nvPicPr>
+          <p:cNvPr id="5" name="Content Placeholder 4"/>
+          <p:cNvPicPr>
+            <a:picLocks noGrp="1" noChangeAspect="1"/>
+          </p:cNvPicPr>
+          <p:nvPr>
+            <p:ph sz="half" idx="2"/>
+          </p:nvPr>
+        </p:nvPicPr>
+        <p:blipFill>
+          <a:blip r:embed="rId2"/>
+          <a:stretch>
+            <a:fillRect/>
+          </a:stretch>
+        </p:blipFill>
+        <p:spPr>
+          <a:xfrm>
+            <a:off x="6591300" y="1825625"/>
+            <a:ext cx="4343400" cy="3823494"/>
+          </a:xfrm>
+          <a:prstGeom prst="rect">
+            <a:avLst/>
+          </a:prstGeom>
+        </p:spPr>
+      </p:pic>
     </p:spTree>
     <p:extLst>
       <p:ext uri="{BB962C8B-B14F-4D97-AF65-F5344CB8AC3E}">
-        <p14:creationId xmlns:p14="http://schemas.microsoft.com/office/powerpoint/2010/main" val="1250865250"/>
+        <p14:creationId xmlns:p14="http://schemas.microsoft.com/office/powerpoint/2010/main" val="2554521532"/>
       </p:ext>
     </p:extLst>
   </p:cSld>
@@ -3487,7 +3662,11 @@
           <a:p>
             <a:r>
               <a:rPr lang="en-US" dirty="0" smtClean="0"/>
-              <a:t>WUT?  Sound Effects</a:t>
+              <a:t>WUT?  Sound </a:t>
+            </a:r>
+            <a:r>
+              <a:rPr lang="en-US" dirty="0" smtClean="0"/>
+              <a:t>Effects and Graphics</a:t>
             </a:r>
             <a:endParaRPr lang="en-US" dirty="0"/>
           </a:p>
@@ -3508,7 +3687,7 @@
           <a:bodyPr/>
           <a:lstStyle/>
           <a:p>
-            <a:endParaRPr lang="en-US"/>
+            <a:endParaRPr lang="en-US" dirty="0"/>
           </a:p>
         </p:txBody>
       </p:sp>

--- a/WUTDemo.pptx
+++ b/WUTDemo.pptx
@@ -2,13 +2,13 @@
 <file path=ppt/presentation.xml><?xml version="1.0" encoding="utf-8"?>
 <p:presentation xmlns:a="http://schemas.openxmlformats.org/drawingml/2006/main" xmlns:r="http://schemas.openxmlformats.org/officeDocument/2006/relationships" xmlns:p="http://schemas.openxmlformats.org/presentationml/2006/main" saveSubsetFonts="1">
   <p:sldMasterIdLst>
-    <p:sldMasterId id="2147483648" r:id="rId1"/>
+    <p:sldMasterId id="2147483660" r:id="rId1"/>
   </p:sldMasterIdLst>
   <p:sldIdLst>
     <p:sldId id="256" r:id="rId2"/>
     <p:sldId id="258" r:id="rId3"/>
     <p:sldId id="257" r:id="rId4"/>
-    <p:sldId id="264" r:id="rId5"/>
+    <p:sldId id="267" r:id="rId5"/>
     <p:sldId id="265" r:id="rId6"/>
     <p:sldId id="266" r:id="rId7"/>
     <p:sldId id="261" r:id="rId8"/>
@@ -114,7 +114,7 @@
   </p:defaultTextStyle>
   <p:extLst>
     <p:ext uri="{EFAFB233-063F-42B5-8137-9DF3F51BA10A}">
-      <p15:sldGuideLst xmlns:p15="http://schemas.microsoft.com/office/powerpoint/2012/main"/>
+      <p15:sldGuideLst xmlns="" xmlns:p15="http://schemas.microsoft.com/office/powerpoint/2012/main"/>
     </p:ext>
   </p:extLst>
 </p:presentation>
@@ -122,7 +122,12 @@
 
 <file path=ppt/slideLayouts/slideLayout1.xml><?xml version="1.0" encoding="utf-8"?>
 <p:sldLayout xmlns:a="http://schemas.openxmlformats.org/drawingml/2006/main" xmlns:r="http://schemas.openxmlformats.org/officeDocument/2006/relationships" xmlns:p="http://schemas.openxmlformats.org/presentationml/2006/main" type="title" preserve="1">
-  <p:cSld name="Title Slide">
+  <p:cSld name="Diapositiva de título">
+    <p:bg>
+      <p:bgRef idx="1002">
+        <a:schemeClr val="bg2"/>
+      </p:bgRef>
+    </p:bg>
     <p:spTree>
       <p:nvGrpSpPr>
         <p:cNvPr id="1" name=""/>
@@ -139,7 +144,7 @@
       </p:grpSpPr>
       <p:sp>
         <p:nvSpPr>
-          <p:cNvPr id="2" name="Title 1"/>
+          <p:cNvPr id="9" name="8 Título"/>
           <p:cNvSpPr>
             <a:spLocks noGrp="1"/>
           </p:cNvSpPr>
@@ -149,94 +154,131 @@
         </p:nvSpPr>
         <p:spPr>
           <a:xfrm>
-            <a:off x="1524000" y="1122363"/>
-            <a:ext cx="9144000" cy="2387600"/>
+            <a:off x="711200" y="1371600"/>
+            <a:ext cx="10468864" cy="1828800"/>
+          </a:xfrm>
+          <a:ln>
+            <a:noFill/>
+          </a:ln>
+        </p:spPr>
+        <p:txBody>
+          <a:bodyPr vert="horz" tIns="0" rIns="18288" bIns="0" anchor="b">
+            <a:normAutofit/>
+            <a:scene3d>
+              <a:camera prst="orthographicFront"/>
+              <a:lightRig rig="freezing" dir="t">
+                <a:rot lat="0" lon="0" rev="5640000"/>
+              </a:lightRig>
+            </a:scene3d>
+            <a:sp3d prstMaterial="flat">
+              <a:bevelT w="38100" h="38100"/>
+              <a:contourClr>
+                <a:schemeClr val="tx2"/>
+              </a:contourClr>
+            </a:sp3d>
+          </a:bodyPr>
+          <a:lstStyle>
+            <a:lvl1pPr algn="r" rtl="0">
+              <a:spcBef>
+                <a:spcPct val="0"/>
+              </a:spcBef>
+              <a:buNone/>
+              <a:defRPr sz="5600" b="1">
+                <a:ln>
+                  <a:noFill/>
+                </a:ln>
+                <a:solidFill>
+                  <a:schemeClr val="accent3">
+                    <a:tint val="90000"/>
+                    <a:satMod val="120000"/>
+                  </a:schemeClr>
+                </a:solidFill>
+                <a:effectLst>
+                  <a:outerShdw blurRad="38100" dist="25400" dir="5400000" algn="tl" rotWithShape="0">
+                    <a:srgbClr val="000000">
+                      <a:alpha val="43000"/>
+                    </a:srgbClr>
+                  </a:outerShdw>
+                </a:effectLst>
+                <a:latin typeface="+mj-lt"/>
+                <a:ea typeface="+mj-ea"/>
+                <a:cs typeface="+mj-cs"/>
+              </a:defRPr>
+            </a:lvl1pPr>
+          </a:lstStyle>
+          <a:p>
+            <a:r>
+              <a:rPr kumimoji="0" lang="es-ES" smtClean="0"/>
+              <a:t>Haga clic para modificar el estilo de título del patrón</a:t>
+            </a:r>
+            <a:endParaRPr kumimoji="0" lang="en-US"/>
+          </a:p>
+        </p:txBody>
+      </p:sp>
+      <p:sp>
+        <p:nvSpPr>
+          <p:cNvPr id="17" name="16 Subtítulo"/>
+          <p:cNvSpPr>
+            <a:spLocks noGrp="1"/>
+          </p:cNvSpPr>
+          <p:nvPr>
+            <p:ph type="subTitle" idx="1"/>
+          </p:nvPr>
+        </p:nvSpPr>
+        <p:spPr>
+          <a:xfrm>
+            <a:off x="711200" y="3228536"/>
+            <a:ext cx="10472928" cy="1752600"/>
           </a:xfrm>
         </p:spPr>
         <p:txBody>
-          <a:bodyPr anchor="b"/>
+          <a:bodyPr lIns="0" rIns="18288"/>
           <a:lstStyle>
-            <a:lvl1pPr algn="ctr">
-              <a:defRPr sz="6000"/>
-            </a:lvl1pPr>
-          </a:lstStyle>
-          <a:p>
-            <a:r>
-              <a:rPr lang="en-US" smtClean="0"/>
-              <a:t>Click to edit Master title style</a:t>
-            </a:r>
-            <a:endParaRPr lang="en-US"/>
-          </a:p>
-        </p:txBody>
-      </p:sp>
-      <p:sp>
-        <p:nvSpPr>
-          <p:cNvPr id="3" name="Subtitle 2"/>
-          <p:cNvSpPr>
-            <a:spLocks noGrp="1"/>
-          </p:cNvSpPr>
-          <p:nvPr>
-            <p:ph type="subTitle" idx="1"/>
-          </p:nvPr>
-        </p:nvSpPr>
-        <p:spPr>
-          <a:xfrm>
-            <a:off x="1524000" y="3602038"/>
-            <a:ext cx="9144000" cy="1655762"/>
-          </a:xfrm>
-        </p:spPr>
-        <p:txBody>
-          <a:bodyPr/>
-          <a:lstStyle>
-            <a:lvl1pPr marL="0" indent="0" algn="ctr">
+            <a:lvl1pPr marL="0" marR="45720" indent="0" algn="r">
               <a:buNone/>
-              <a:defRPr sz="2400"/>
+              <a:defRPr>
+                <a:solidFill>
+                  <a:schemeClr val="tx1"/>
+                </a:solidFill>
+              </a:defRPr>
             </a:lvl1pPr>
             <a:lvl2pPr marL="457200" indent="0" algn="ctr">
               <a:buNone/>
-              <a:defRPr sz="2000"/>
             </a:lvl2pPr>
             <a:lvl3pPr marL="914400" indent="0" algn="ctr">
               <a:buNone/>
-              <a:defRPr sz="1800"/>
             </a:lvl3pPr>
             <a:lvl4pPr marL="1371600" indent="0" algn="ctr">
               <a:buNone/>
-              <a:defRPr sz="1600"/>
             </a:lvl4pPr>
             <a:lvl5pPr marL="1828800" indent="0" algn="ctr">
               <a:buNone/>
-              <a:defRPr sz="1600"/>
             </a:lvl5pPr>
             <a:lvl6pPr marL="2286000" indent="0" algn="ctr">
               <a:buNone/>
-              <a:defRPr sz="1600"/>
             </a:lvl6pPr>
             <a:lvl7pPr marL="2743200" indent="0" algn="ctr">
               <a:buNone/>
-              <a:defRPr sz="1600"/>
             </a:lvl7pPr>
             <a:lvl8pPr marL="3200400" indent="0" algn="ctr">
               <a:buNone/>
-              <a:defRPr sz="1600"/>
             </a:lvl8pPr>
             <a:lvl9pPr marL="3657600" indent="0" algn="ctr">
               <a:buNone/>
-              <a:defRPr sz="1600"/>
             </a:lvl9pPr>
           </a:lstStyle>
           <a:p>
             <a:r>
-              <a:rPr lang="en-US" smtClean="0"/>
-              <a:t>Click to edit Master subtitle style</a:t>
-            </a:r>
-            <a:endParaRPr lang="en-US"/>
-          </a:p>
-        </p:txBody>
-      </p:sp>
-      <p:sp>
-        <p:nvSpPr>
-          <p:cNvPr id="4" name="Date Placeholder 3"/>
+              <a:rPr kumimoji="0" lang="es-ES" smtClean="0"/>
+              <a:t>Haga clic para modificar el estilo de subtítulo del patrón</a:t>
+            </a:r>
+            <a:endParaRPr kumimoji="0" lang="en-US"/>
+          </a:p>
+        </p:txBody>
+      </p:sp>
+      <p:sp>
+        <p:nvSpPr>
+          <p:cNvPr id="30" name="29 Marcador de fecha"/>
           <p:cNvSpPr>
             <a:spLocks noGrp="1"/>
           </p:cNvSpPr>
@@ -251,7 +293,8 @@
           <a:p>
             <a:fld id="{C7BBB510-F4E2-4A15-B4EB-B291385A939B}" type="datetimeFigureOut">
               <a:rPr lang="en-US" smtClean="0"/>
-              <a:t>11/18/2015</a:t>
+              <a:pPr/>
+              <a:t>11/20/2015</a:t>
             </a:fld>
             <a:endParaRPr lang="en-US"/>
           </a:p>
@@ -259,7 +302,7 @@
       </p:sp>
       <p:sp>
         <p:nvSpPr>
-          <p:cNvPr id="5" name="Footer Placeholder 4"/>
+          <p:cNvPr id="19" name="18 Marcador de pie de página"/>
           <p:cNvSpPr>
             <a:spLocks noGrp="1"/>
           </p:cNvSpPr>
@@ -278,7 +321,7 @@
       </p:sp>
       <p:sp>
         <p:nvSpPr>
-          <p:cNvPr id="6" name="Slide Number Placeholder 5"/>
+          <p:cNvPr id="27" name="26 Marcador de número de diapositiva"/>
           <p:cNvSpPr>
             <a:spLocks noGrp="1"/>
           </p:cNvSpPr>
@@ -293,28 +336,24 @@
           <a:p>
             <a:fld id="{95FE71BD-180D-477C-9BF4-93F9126C677C}" type="slidenum">
               <a:rPr lang="en-US" smtClean="0"/>
-              <a:t>‹#›</a:t>
+              <a:pPr/>
+              <a:t>‹Nº›</a:t>
             </a:fld>
             <a:endParaRPr lang="en-US"/>
           </a:p>
         </p:txBody>
       </p:sp>
     </p:spTree>
-    <p:extLst>
-      <p:ext uri="{BB962C8B-B14F-4D97-AF65-F5344CB8AC3E}">
-        <p14:creationId xmlns:p14="http://schemas.microsoft.com/office/powerpoint/2010/main" val="957797716"/>
-      </p:ext>
-    </p:extLst>
   </p:cSld>
   <p:clrMapOvr>
-    <a:masterClrMapping/>
+    <a:overrideClrMapping bg1="dk1" tx1="lt1" bg2="dk2" tx2="lt2" accent1="accent1" accent2="accent2" accent3="accent3" accent4="accent4" accent5="accent5" accent6="accent6" hlink="hlink" folHlink="folHlink"/>
   </p:clrMapOvr>
 </p:sldLayout>
 </file>
 
 <file path=ppt/slideLayouts/slideLayout10.xml><?xml version="1.0" encoding="utf-8"?>
 <p:sldLayout xmlns:a="http://schemas.openxmlformats.org/drawingml/2006/main" xmlns:r="http://schemas.openxmlformats.org/officeDocument/2006/relationships" xmlns:p="http://schemas.openxmlformats.org/presentationml/2006/main" type="vertTx" preserve="1">
-  <p:cSld name="Title and Vertical Text">
+  <p:cSld name="Título y texto vertical">
     <p:spTree>
       <p:nvGrpSpPr>
         <p:cNvPr id="1" name=""/>
@@ -331,7 +370,7 @@
       </p:grpSpPr>
       <p:sp>
         <p:nvSpPr>
-          <p:cNvPr id="2" name="Title 1"/>
+          <p:cNvPr id="2" name="1 Título"/>
           <p:cNvSpPr>
             <a:spLocks noGrp="1"/>
           </p:cNvSpPr>
@@ -345,16 +384,16 @@
           <a:lstStyle/>
           <a:p>
             <a:r>
-              <a:rPr lang="en-US" smtClean="0"/>
-              <a:t>Click to edit Master title style</a:t>
-            </a:r>
-            <a:endParaRPr lang="en-US"/>
-          </a:p>
-        </p:txBody>
-      </p:sp>
-      <p:sp>
-        <p:nvSpPr>
-          <p:cNvPr id="3" name="Vertical Text Placeholder 2"/>
+              <a:rPr kumimoji="0" lang="es-ES" smtClean="0"/>
+              <a:t>Haga clic para modificar el estilo de título del patrón</a:t>
+            </a:r>
+            <a:endParaRPr kumimoji="0" lang="en-US"/>
+          </a:p>
+        </p:txBody>
+      </p:sp>
+      <p:sp>
+        <p:nvSpPr>
+          <p:cNvPr id="3" name="2 Marcador de texto vertical"/>
           <p:cNvSpPr>
             <a:spLocks noGrp="1"/>
           </p:cNvSpPr>
@@ -367,46 +406,46 @@
           <a:bodyPr vert="eaVert"/>
           <a:lstStyle/>
           <a:p>
-            <a:pPr lvl="0"/>
-            <a:r>
-              <a:rPr lang="en-US" smtClean="0"/>
-              <a:t>Click to edit Master text styles</a:t>
-            </a:r>
-          </a:p>
-          <a:p>
-            <a:pPr lvl="1"/>
-            <a:r>
-              <a:rPr lang="en-US" smtClean="0"/>
-              <a:t>Second level</a:t>
-            </a:r>
-          </a:p>
-          <a:p>
-            <a:pPr lvl="2"/>
-            <a:r>
-              <a:rPr lang="en-US" smtClean="0"/>
-              <a:t>Third level</a:t>
-            </a:r>
-          </a:p>
-          <a:p>
-            <a:pPr lvl="3"/>
-            <a:r>
-              <a:rPr lang="en-US" smtClean="0"/>
-              <a:t>Fourth level</a:t>
-            </a:r>
-          </a:p>
-          <a:p>
-            <a:pPr lvl="4"/>
-            <a:r>
-              <a:rPr lang="en-US" smtClean="0"/>
-              <a:t>Fifth level</a:t>
-            </a:r>
-            <a:endParaRPr lang="en-US"/>
-          </a:p>
-        </p:txBody>
-      </p:sp>
-      <p:sp>
-        <p:nvSpPr>
-          <p:cNvPr id="4" name="Date Placeholder 3"/>
+            <a:pPr lvl="0" eaLnBrk="1" latinLnBrk="0" hangingPunct="1"/>
+            <a:r>
+              <a:rPr lang="es-ES" smtClean="0"/>
+              <a:t>Haga clic para modificar el estilo de texto del patrón</a:t>
+            </a:r>
+          </a:p>
+          <a:p>
+            <a:pPr lvl="1" eaLnBrk="1" latinLnBrk="0" hangingPunct="1"/>
+            <a:r>
+              <a:rPr lang="es-ES" smtClean="0"/>
+              <a:t>Segundo nivel</a:t>
+            </a:r>
+          </a:p>
+          <a:p>
+            <a:pPr lvl="2" eaLnBrk="1" latinLnBrk="0" hangingPunct="1"/>
+            <a:r>
+              <a:rPr lang="es-ES" smtClean="0"/>
+              <a:t>Tercer nivel</a:t>
+            </a:r>
+          </a:p>
+          <a:p>
+            <a:pPr lvl="3" eaLnBrk="1" latinLnBrk="0" hangingPunct="1"/>
+            <a:r>
+              <a:rPr lang="es-ES" smtClean="0"/>
+              <a:t>Cuarto nivel</a:t>
+            </a:r>
+          </a:p>
+          <a:p>
+            <a:pPr lvl="4" eaLnBrk="1" latinLnBrk="0" hangingPunct="1"/>
+            <a:r>
+              <a:rPr lang="es-ES" smtClean="0"/>
+              <a:t>Quinto nivel</a:t>
+            </a:r>
+            <a:endParaRPr kumimoji="0" lang="en-US"/>
+          </a:p>
+        </p:txBody>
+      </p:sp>
+      <p:sp>
+        <p:nvSpPr>
+          <p:cNvPr id="4" name="3 Marcador de fecha"/>
           <p:cNvSpPr>
             <a:spLocks noGrp="1"/>
           </p:cNvSpPr>
@@ -421,7 +460,8 @@
           <a:p>
             <a:fld id="{C7BBB510-F4E2-4A15-B4EB-B291385A939B}" type="datetimeFigureOut">
               <a:rPr lang="en-US" smtClean="0"/>
-              <a:t>11/18/2015</a:t>
+              <a:pPr/>
+              <a:t>11/20/2015</a:t>
             </a:fld>
             <a:endParaRPr lang="en-US"/>
           </a:p>
@@ -429,7 +469,7 @@
       </p:sp>
       <p:sp>
         <p:nvSpPr>
-          <p:cNvPr id="5" name="Footer Placeholder 4"/>
+          <p:cNvPr id="5" name="4 Marcador de pie de página"/>
           <p:cNvSpPr>
             <a:spLocks noGrp="1"/>
           </p:cNvSpPr>
@@ -448,7 +488,7 @@
       </p:sp>
       <p:sp>
         <p:nvSpPr>
-          <p:cNvPr id="6" name="Slide Number Placeholder 5"/>
+          <p:cNvPr id="6" name="5 Marcador de número de diapositiva"/>
           <p:cNvSpPr>
             <a:spLocks noGrp="1"/>
           </p:cNvSpPr>
@@ -463,18 +503,14 @@
           <a:p>
             <a:fld id="{95FE71BD-180D-477C-9BF4-93F9126C677C}" type="slidenum">
               <a:rPr lang="en-US" smtClean="0"/>
-              <a:t>‹#›</a:t>
+              <a:pPr/>
+              <a:t>‹Nº›</a:t>
             </a:fld>
             <a:endParaRPr lang="en-US"/>
           </a:p>
         </p:txBody>
       </p:sp>
     </p:spTree>
-    <p:extLst>
-      <p:ext uri="{BB962C8B-B14F-4D97-AF65-F5344CB8AC3E}">
-        <p14:creationId xmlns:p14="http://schemas.microsoft.com/office/powerpoint/2010/main" val="1474553182"/>
-      </p:ext>
-    </p:extLst>
   </p:cSld>
   <p:clrMapOvr>
     <a:masterClrMapping/>
@@ -484,7 +520,7 @@
 
 <file path=ppt/slideLayouts/slideLayout11.xml><?xml version="1.0" encoding="utf-8"?>
 <p:sldLayout xmlns:a="http://schemas.openxmlformats.org/drawingml/2006/main" xmlns:r="http://schemas.openxmlformats.org/officeDocument/2006/relationships" xmlns:p="http://schemas.openxmlformats.org/presentationml/2006/main" type="vertTitleAndTx" preserve="1">
-  <p:cSld name="Vertical Title and Text">
+  <p:cSld name="Título vertical y texto">
     <p:spTree>
       <p:nvGrpSpPr>
         <p:cNvPr id="1" name=""/>
@@ -501,7 +537,7 @@
       </p:grpSpPr>
       <p:sp>
         <p:nvSpPr>
-          <p:cNvPr id="2" name="Vertical Title 1"/>
+          <p:cNvPr id="2" name="1 Título vertical"/>
           <p:cNvSpPr>
             <a:spLocks noGrp="1"/>
           </p:cNvSpPr>
@@ -511,8 +547,8 @@
         </p:nvSpPr>
         <p:spPr>
           <a:xfrm>
-            <a:off x="8724900" y="365125"/>
-            <a:ext cx="2628900" cy="5811838"/>
+            <a:off x="8839200" y="914402"/>
+            <a:ext cx="2743200" cy="5211763"/>
           </a:xfrm>
         </p:spPr>
         <p:txBody>
@@ -520,16 +556,16 @@
           <a:lstStyle/>
           <a:p>
             <a:r>
-              <a:rPr lang="en-US" smtClean="0"/>
-              <a:t>Click to edit Master title style</a:t>
-            </a:r>
-            <a:endParaRPr lang="en-US"/>
-          </a:p>
-        </p:txBody>
-      </p:sp>
-      <p:sp>
-        <p:nvSpPr>
-          <p:cNvPr id="3" name="Vertical Text Placeholder 2"/>
+              <a:rPr kumimoji="0" lang="es-ES" smtClean="0"/>
+              <a:t>Haga clic para modificar el estilo de título del patrón</a:t>
+            </a:r>
+            <a:endParaRPr kumimoji="0" lang="en-US"/>
+          </a:p>
+        </p:txBody>
+      </p:sp>
+      <p:sp>
+        <p:nvSpPr>
+          <p:cNvPr id="3" name="2 Marcador de texto vertical"/>
           <p:cNvSpPr>
             <a:spLocks noGrp="1"/>
           </p:cNvSpPr>
@@ -539,54 +575,54 @@
         </p:nvSpPr>
         <p:spPr>
           <a:xfrm>
-            <a:off x="838200" y="365125"/>
-            <a:ext cx="7734300" cy="5811838"/>
+            <a:off x="609600" y="914402"/>
+            <a:ext cx="8026400" cy="5211763"/>
           </a:xfrm>
         </p:spPr>
         <p:txBody>
           <a:bodyPr vert="eaVert"/>
           <a:lstStyle/>
           <a:p>
-            <a:pPr lvl="0"/>
-            <a:r>
-              <a:rPr lang="en-US" smtClean="0"/>
-              <a:t>Click to edit Master text styles</a:t>
-            </a:r>
-          </a:p>
-          <a:p>
-            <a:pPr lvl="1"/>
-            <a:r>
-              <a:rPr lang="en-US" smtClean="0"/>
-              <a:t>Second level</a:t>
-            </a:r>
-          </a:p>
-          <a:p>
-            <a:pPr lvl="2"/>
-            <a:r>
-              <a:rPr lang="en-US" smtClean="0"/>
-              <a:t>Third level</a:t>
-            </a:r>
-          </a:p>
-          <a:p>
-            <a:pPr lvl="3"/>
-            <a:r>
-              <a:rPr lang="en-US" smtClean="0"/>
-              <a:t>Fourth level</a:t>
-            </a:r>
-          </a:p>
-          <a:p>
-            <a:pPr lvl="4"/>
-            <a:r>
-              <a:rPr lang="en-US" smtClean="0"/>
-              <a:t>Fifth level</a:t>
-            </a:r>
-            <a:endParaRPr lang="en-US"/>
-          </a:p>
-        </p:txBody>
-      </p:sp>
-      <p:sp>
-        <p:nvSpPr>
-          <p:cNvPr id="4" name="Date Placeholder 3"/>
+            <a:pPr lvl="0" eaLnBrk="1" latinLnBrk="0" hangingPunct="1"/>
+            <a:r>
+              <a:rPr lang="es-ES" smtClean="0"/>
+              <a:t>Haga clic para modificar el estilo de texto del patrón</a:t>
+            </a:r>
+          </a:p>
+          <a:p>
+            <a:pPr lvl="1" eaLnBrk="1" latinLnBrk="0" hangingPunct="1"/>
+            <a:r>
+              <a:rPr lang="es-ES" smtClean="0"/>
+              <a:t>Segundo nivel</a:t>
+            </a:r>
+          </a:p>
+          <a:p>
+            <a:pPr lvl="2" eaLnBrk="1" latinLnBrk="0" hangingPunct="1"/>
+            <a:r>
+              <a:rPr lang="es-ES" smtClean="0"/>
+              <a:t>Tercer nivel</a:t>
+            </a:r>
+          </a:p>
+          <a:p>
+            <a:pPr lvl="3" eaLnBrk="1" latinLnBrk="0" hangingPunct="1"/>
+            <a:r>
+              <a:rPr lang="es-ES" smtClean="0"/>
+              <a:t>Cuarto nivel</a:t>
+            </a:r>
+          </a:p>
+          <a:p>
+            <a:pPr lvl="4" eaLnBrk="1" latinLnBrk="0" hangingPunct="1"/>
+            <a:r>
+              <a:rPr lang="es-ES" smtClean="0"/>
+              <a:t>Quinto nivel</a:t>
+            </a:r>
+            <a:endParaRPr kumimoji="0" lang="en-US"/>
+          </a:p>
+        </p:txBody>
+      </p:sp>
+      <p:sp>
+        <p:nvSpPr>
+          <p:cNvPr id="4" name="3 Marcador de fecha"/>
           <p:cNvSpPr>
             <a:spLocks noGrp="1"/>
           </p:cNvSpPr>
@@ -601,7 +637,8 @@
           <a:p>
             <a:fld id="{C7BBB510-F4E2-4A15-B4EB-B291385A939B}" type="datetimeFigureOut">
               <a:rPr lang="en-US" smtClean="0"/>
-              <a:t>11/18/2015</a:t>
+              <a:pPr/>
+              <a:t>11/20/2015</a:t>
             </a:fld>
             <a:endParaRPr lang="en-US"/>
           </a:p>
@@ -609,7 +646,7 @@
       </p:sp>
       <p:sp>
         <p:nvSpPr>
-          <p:cNvPr id="5" name="Footer Placeholder 4"/>
+          <p:cNvPr id="5" name="4 Marcador de pie de página"/>
           <p:cNvSpPr>
             <a:spLocks noGrp="1"/>
           </p:cNvSpPr>
@@ -628,7 +665,7 @@
       </p:sp>
       <p:sp>
         <p:nvSpPr>
-          <p:cNvPr id="6" name="Slide Number Placeholder 5"/>
+          <p:cNvPr id="6" name="5 Marcador de número de diapositiva"/>
           <p:cNvSpPr>
             <a:spLocks noGrp="1"/>
           </p:cNvSpPr>
@@ -643,18 +680,14 @@
           <a:p>
             <a:fld id="{95FE71BD-180D-477C-9BF4-93F9126C677C}" type="slidenum">
               <a:rPr lang="en-US" smtClean="0"/>
-              <a:t>‹#›</a:t>
+              <a:pPr/>
+              <a:t>‹Nº›</a:t>
             </a:fld>
             <a:endParaRPr lang="en-US"/>
           </a:p>
         </p:txBody>
       </p:sp>
     </p:spTree>
-    <p:extLst>
-      <p:ext uri="{BB962C8B-B14F-4D97-AF65-F5344CB8AC3E}">
-        <p14:creationId xmlns:p14="http://schemas.microsoft.com/office/powerpoint/2010/main" val="249861022"/>
-      </p:ext>
-    </p:extLst>
   </p:cSld>
   <p:clrMapOvr>
     <a:masterClrMapping/>
@@ -664,7 +697,7 @@
 
 <file path=ppt/slideLayouts/slideLayout2.xml><?xml version="1.0" encoding="utf-8"?>
 <p:sldLayout xmlns:a="http://schemas.openxmlformats.org/drawingml/2006/main" xmlns:r="http://schemas.openxmlformats.org/officeDocument/2006/relationships" xmlns:p="http://schemas.openxmlformats.org/presentationml/2006/main" type="obj" preserve="1">
-  <p:cSld name="Title and Content">
+  <p:cSld name="Título y objetos">
     <p:spTree>
       <p:nvGrpSpPr>
         <p:cNvPr id="1" name=""/>
@@ -681,7 +714,7 @@
       </p:grpSpPr>
       <p:sp>
         <p:nvSpPr>
-          <p:cNvPr id="2" name="Title 1"/>
+          <p:cNvPr id="2" name="1 Título"/>
           <p:cNvSpPr>
             <a:spLocks noGrp="1"/>
           </p:cNvSpPr>
@@ -695,16 +728,16 @@
           <a:lstStyle/>
           <a:p>
             <a:r>
-              <a:rPr lang="en-US" smtClean="0"/>
-              <a:t>Click to edit Master title style</a:t>
-            </a:r>
-            <a:endParaRPr lang="en-US"/>
-          </a:p>
-        </p:txBody>
-      </p:sp>
-      <p:sp>
-        <p:nvSpPr>
-          <p:cNvPr id="3" name="Content Placeholder 2"/>
+              <a:rPr kumimoji="0" lang="es-ES" smtClean="0"/>
+              <a:t>Haga clic para modificar el estilo de título del patrón</a:t>
+            </a:r>
+            <a:endParaRPr kumimoji="0" lang="en-US"/>
+          </a:p>
+        </p:txBody>
+      </p:sp>
+      <p:sp>
+        <p:nvSpPr>
+          <p:cNvPr id="3" name="2 Marcador de contenido"/>
           <p:cNvSpPr>
             <a:spLocks noGrp="1"/>
           </p:cNvSpPr>
@@ -717,46 +750,46 @@
           <a:bodyPr/>
           <a:lstStyle/>
           <a:p>
-            <a:pPr lvl="0"/>
-            <a:r>
-              <a:rPr lang="en-US" smtClean="0"/>
-              <a:t>Click to edit Master text styles</a:t>
-            </a:r>
-          </a:p>
-          <a:p>
-            <a:pPr lvl="1"/>
-            <a:r>
-              <a:rPr lang="en-US" smtClean="0"/>
-              <a:t>Second level</a:t>
-            </a:r>
-          </a:p>
-          <a:p>
-            <a:pPr lvl="2"/>
-            <a:r>
-              <a:rPr lang="en-US" smtClean="0"/>
-              <a:t>Third level</a:t>
-            </a:r>
-          </a:p>
-          <a:p>
-            <a:pPr lvl="3"/>
-            <a:r>
-              <a:rPr lang="en-US" smtClean="0"/>
-              <a:t>Fourth level</a:t>
-            </a:r>
-          </a:p>
-          <a:p>
-            <a:pPr lvl="4"/>
-            <a:r>
-              <a:rPr lang="en-US" smtClean="0"/>
-              <a:t>Fifth level</a:t>
-            </a:r>
-            <a:endParaRPr lang="en-US"/>
-          </a:p>
-        </p:txBody>
-      </p:sp>
-      <p:sp>
-        <p:nvSpPr>
-          <p:cNvPr id="4" name="Date Placeholder 3"/>
+            <a:pPr lvl="0" eaLnBrk="1" latinLnBrk="0" hangingPunct="1"/>
+            <a:r>
+              <a:rPr lang="es-ES" smtClean="0"/>
+              <a:t>Haga clic para modificar el estilo de texto del patrón</a:t>
+            </a:r>
+          </a:p>
+          <a:p>
+            <a:pPr lvl="1" eaLnBrk="1" latinLnBrk="0" hangingPunct="1"/>
+            <a:r>
+              <a:rPr lang="es-ES" smtClean="0"/>
+              <a:t>Segundo nivel</a:t>
+            </a:r>
+          </a:p>
+          <a:p>
+            <a:pPr lvl="2" eaLnBrk="1" latinLnBrk="0" hangingPunct="1"/>
+            <a:r>
+              <a:rPr lang="es-ES" smtClean="0"/>
+              <a:t>Tercer nivel</a:t>
+            </a:r>
+          </a:p>
+          <a:p>
+            <a:pPr lvl="3" eaLnBrk="1" latinLnBrk="0" hangingPunct="1"/>
+            <a:r>
+              <a:rPr lang="es-ES" smtClean="0"/>
+              <a:t>Cuarto nivel</a:t>
+            </a:r>
+          </a:p>
+          <a:p>
+            <a:pPr lvl="4" eaLnBrk="1" latinLnBrk="0" hangingPunct="1"/>
+            <a:r>
+              <a:rPr lang="es-ES" smtClean="0"/>
+              <a:t>Quinto nivel</a:t>
+            </a:r>
+            <a:endParaRPr kumimoji="0" lang="en-US"/>
+          </a:p>
+        </p:txBody>
+      </p:sp>
+      <p:sp>
+        <p:nvSpPr>
+          <p:cNvPr id="4" name="3 Marcador de fecha"/>
           <p:cNvSpPr>
             <a:spLocks noGrp="1"/>
           </p:cNvSpPr>
@@ -771,7 +804,8 @@
           <a:p>
             <a:fld id="{C7BBB510-F4E2-4A15-B4EB-B291385A939B}" type="datetimeFigureOut">
               <a:rPr lang="en-US" smtClean="0"/>
-              <a:t>11/18/2015</a:t>
+              <a:pPr/>
+              <a:t>11/20/2015</a:t>
             </a:fld>
             <a:endParaRPr lang="en-US"/>
           </a:p>
@@ -779,7 +813,7 @@
       </p:sp>
       <p:sp>
         <p:nvSpPr>
-          <p:cNvPr id="5" name="Footer Placeholder 4"/>
+          <p:cNvPr id="5" name="4 Marcador de pie de página"/>
           <p:cNvSpPr>
             <a:spLocks noGrp="1"/>
           </p:cNvSpPr>
@@ -798,7 +832,7 @@
       </p:sp>
       <p:sp>
         <p:nvSpPr>
-          <p:cNvPr id="6" name="Slide Number Placeholder 5"/>
+          <p:cNvPr id="6" name="5 Marcador de número de diapositiva"/>
           <p:cNvSpPr>
             <a:spLocks noGrp="1"/>
           </p:cNvSpPr>
@@ -813,18 +847,14 @@
           <a:p>
             <a:fld id="{95FE71BD-180D-477C-9BF4-93F9126C677C}" type="slidenum">
               <a:rPr lang="en-US" smtClean="0"/>
-              <a:t>‹#›</a:t>
+              <a:pPr/>
+              <a:t>‹Nº›</a:t>
             </a:fld>
             <a:endParaRPr lang="en-US"/>
           </a:p>
         </p:txBody>
       </p:sp>
     </p:spTree>
-    <p:extLst>
-      <p:ext uri="{BB962C8B-B14F-4D97-AF65-F5344CB8AC3E}">
-        <p14:creationId xmlns:p14="http://schemas.microsoft.com/office/powerpoint/2010/main" val="1174555948"/>
-      </p:ext>
-    </p:extLst>
   </p:cSld>
   <p:clrMapOvr>
     <a:masterClrMapping/>
@@ -834,7 +864,12 @@
 
 <file path=ppt/slideLayouts/slideLayout3.xml><?xml version="1.0" encoding="utf-8"?>
 <p:sldLayout xmlns:a="http://schemas.openxmlformats.org/drawingml/2006/main" xmlns:r="http://schemas.openxmlformats.org/officeDocument/2006/relationships" xmlns:p="http://schemas.openxmlformats.org/presentationml/2006/main" type="secHead" preserve="1">
-  <p:cSld name="Section Header">
+  <p:cSld name="Encabezado de sección">
+    <p:bg>
+      <p:bgRef idx="1002">
+        <a:schemeClr val="bg2"/>
+      </p:bgRef>
+    </p:bg>
     <p:spTree>
       <p:nvGrpSpPr>
         <p:cNvPr id="1" name=""/>
@@ -851,7 +886,7 @@
       </p:grpSpPr>
       <p:sp>
         <p:nvSpPr>
-          <p:cNvPr id="2" name="Title 1"/>
+          <p:cNvPr id="2" name="1 Título"/>
           <p:cNvSpPr>
             <a:spLocks noGrp="1"/>
           </p:cNvSpPr>
@@ -861,66 +896,92 @@
         </p:nvSpPr>
         <p:spPr>
           <a:xfrm>
-            <a:off x="831850" y="1709738"/>
-            <a:ext cx="10515600" cy="2852737"/>
+            <a:off x="707136" y="1316736"/>
+            <a:ext cx="10363200" cy="1362456"/>
+          </a:xfrm>
+          <a:ln>
+            <a:noFill/>
+          </a:ln>
+        </p:spPr>
+        <p:txBody>
+          <a:bodyPr vert="horz" tIns="0" bIns="0" anchor="b">
+            <a:noAutofit/>
+            <a:scene3d>
+              <a:camera prst="orthographicFront"/>
+              <a:lightRig rig="freezing" dir="t">
+                <a:rot lat="0" lon="0" rev="5640000"/>
+              </a:lightRig>
+            </a:scene3d>
+            <a:sp3d prstMaterial="flat">
+              <a:bevelT w="38100" h="38100"/>
+            </a:sp3d>
+          </a:bodyPr>
+          <a:lstStyle>
+            <a:lvl1pPr algn="l" rtl="0">
+              <a:spcBef>
+                <a:spcPct val="0"/>
+              </a:spcBef>
+              <a:buNone/>
+              <a:defRPr lang="en-US" sz="5600" b="1" cap="none" baseline="0" dirty="0">
+                <a:ln w="635">
+                  <a:noFill/>
+                </a:ln>
+                <a:solidFill>
+                  <a:schemeClr val="accent4">
+                    <a:tint val="90000"/>
+                    <a:satMod val="125000"/>
+                  </a:schemeClr>
+                </a:solidFill>
+                <a:effectLst>
+                  <a:outerShdw blurRad="38100" dist="25400" dir="5400000" algn="tl" rotWithShape="0">
+                    <a:srgbClr val="000000">
+                      <a:alpha val="43000"/>
+                    </a:srgbClr>
+                  </a:outerShdw>
+                </a:effectLst>
+                <a:latin typeface="+mj-lt"/>
+                <a:ea typeface="+mj-ea"/>
+                <a:cs typeface="+mj-cs"/>
+              </a:defRPr>
+            </a:lvl1pPr>
+          </a:lstStyle>
+          <a:p>
+            <a:r>
+              <a:rPr kumimoji="0" lang="es-ES" smtClean="0"/>
+              <a:t>Haga clic para modificar el estilo de título del patrón</a:t>
+            </a:r>
+            <a:endParaRPr kumimoji="0" lang="en-US"/>
+          </a:p>
+        </p:txBody>
+      </p:sp>
+      <p:sp>
+        <p:nvSpPr>
+          <p:cNvPr id="3" name="2 Marcador de texto"/>
+          <p:cNvSpPr>
+            <a:spLocks noGrp="1"/>
+          </p:cNvSpPr>
+          <p:nvPr>
+            <p:ph type="body" idx="1"/>
+          </p:nvPr>
+        </p:nvSpPr>
+        <p:spPr>
+          <a:xfrm>
+            <a:off x="707136" y="2704664"/>
+            <a:ext cx="10363200" cy="1509712"/>
           </a:xfrm>
         </p:spPr>
         <p:txBody>
-          <a:bodyPr anchor="b"/>
-          <a:lstStyle>
-            <a:lvl1pPr>
-              <a:defRPr sz="6000"/>
-            </a:lvl1pPr>
-          </a:lstStyle>
-          <a:p>
-            <a:r>
-              <a:rPr lang="en-US" smtClean="0"/>
-              <a:t>Click to edit Master title style</a:t>
-            </a:r>
-            <a:endParaRPr lang="en-US"/>
-          </a:p>
-        </p:txBody>
-      </p:sp>
-      <p:sp>
-        <p:nvSpPr>
-          <p:cNvPr id="3" name="Text Placeholder 2"/>
-          <p:cNvSpPr>
-            <a:spLocks noGrp="1"/>
-          </p:cNvSpPr>
-          <p:nvPr>
-            <p:ph type="body" idx="1"/>
-          </p:nvPr>
-        </p:nvSpPr>
-        <p:spPr>
-          <a:xfrm>
-            <a:off x="831850" y="4589463"/>
-            <a:ext cx="10515600" cy="1500187"/>
-          </a:xfrm>
-        </p:spPr>
-        <p:txBody>
-          <a:bodyPr/>
+          <a:bodyPr lIns="45720" rIns="45720" anchor="t"/>
           <a:lstStyle>
             <a:lvl1pPr marL="0" indent="0">
               <a:buNone/>
-              <a:defRPr sz="2400">
+              <a:defRPr sz="2200">
                 <a:solidFill>
-                  <a:schemeClr val="tx1">
-                    <a:tint val="75000"/>
-                  </a:schemeClr>
+                  <a:schemeClr val="tx1"/>
                 </a:solidFill>
               </a:defRPr>
             </a:lvl1pPr>
-            <a:lvl2pPr marL="457200" indent="0">
-              <a:buNone/>
-              <a:defRPr sz="2000">
-                <a:solidFill>
-                  <a:schemeClr val="tx1">
-                    <a:tint val="75000"/>
-                  </a:schemeClr>
-                </a:solidFill>
-              </a:defRPr>
-            </a:lvl2pPr>
-            <a:lvl3pPr marL="914400" indent="0">
+            <a:lvl2pPr>
               <a:buNone/>
               <a:defRPr sz="1800">
                 <a:solidFill>
@@ -929,8 +990,8 @@
                   </a:schemeClr>
                 </a:solidFill>
               </a:defRPr>
-            </a:lvl3pPr>
-            <a:lvl4pPr marL="1371600" indent="0">
+            </a:lvl2pPr>
+            <a:lvl3pPr>
               <a:buNone/>
               <a:defRPr sz="1600">
                 <a:solidFill>
@@ -939,10 +1000,20 @@
                   </a:schemeClr>
                 </a:solidFill>
               </a:defRPr>
+            </a:lvl3pPr>
+            <a:lvl4pPr>
+              <a:buNone/>
+              <a:defRPr sz="1400">
+                <a:solidFill>
+                  <a:schemeClr val="tx1">
+                    <a:tint val="75000"/>
+                  </a:schemeClr>
+                </a:solidFill>
+              </a:defRPr>
             </a:lvl4pPr>
-            <a:lvl5pPr marL="1828800" indent="0">
+            <a:lvl5pPr>
               <a:buNone/>
-              <a:defRPr sz="1600">
+              <a:defRPr sz="1400">
                 <a:solidFill>
                   <a:schemeClr val="tx1">
                     <a:tint val="75000"/>
@@ -950,59 +1021,19 @@
                 </a:solidFill>
               </a:defRPr>
             </a:lvl5pPr>
-            <a:lvl6pPr marL="2286000" indent="0">
-              <a:buNone/>
-              <a:defRPr sz="1600">
-                <a:solidFill>
-                  <a:schemeClr val="tx1">
-                    <a:tint val="75000"/>
-                  </a:schemeClr>
-                </a:solidFill>
-              </a:defRPr>
-            </a:lvl6pPr>
-            <a:lvl7pPr marL="2743200" indent="0">
-              <a:buNone/>
-              <a:defRPr sz="1600">
-                <a:solidFill>
-                  <a:schemeClr val="tx1">
-                    <a:tint val="75000"/>
-                  </a:schemeClr>
-                </a:solidFill>
-              </a:defRPr>
-            </a:lvl7pPr>
-            <a:lvl8pPr marL="3200400" indent="0">
-              <a:buNone/>
-              <a:defRPr sz="1600">
-                <a:solidFill>
-                  <a:schemeClr val="tx1">
-                    <a:tint val="75000"/>
-                  </a:schemeClr>
-                </a:solidFill>
-              </a:defRPr>
-            </a:lvl8pPr>
-            <a:lvl9pPr marL="3657600" indent="0">
-              <a:buNone/>
-              <a:defRPr sz="1600">
-                <a:solidFill>
-                  <a:schemeClr val="tx1">
-                    <a:tint val="75000"/>
-                  </a:schemeClr>
-                </a:solidFill>
-              </a:defRPr>
-            </a:lvl9pPr>
           </a:lstStyle>
           <a:p>
-            <a:pPr lvl="0"/>
-            <a:r>
-              <a:rPr lang="en-US" smtClean="0"/>
-              <a:t>Click to edit Master text styles</a:t>
-            </a:r>
-          </a:p>
-        </p:txBody>
-      </p:sp>
-      <p:sp>
-        <p:nvSpPr>
-          <p:cNvPr id="4" name="Date Placeholder 3"/>
+            <a:pPr lvl="0" eaLnBrk="1" latinLnBrk="0" hangingPunct="1"/>
+            <a:r>
+              <a:rPr kumimoji="0" lang="es-ES" smtClean="0"/>
+              <a:t>Haga clic para modificar el estilo de texto del patrón</a:t>
+            </a:r>
+          </a:p>
+        </p:txBody>
+      </p:sp>
+      <p:sp>
+        <p:nvSpPr>
+          <p:cNvPr id="4" name="3 Marcador de fecha"/>
           <p:cNvSpPr>
             <a:spLocks noGrp="1"/>
           </p:cNvSpPr>
@@ -1017,7 +1048,8 @@
           <a:p>
             <a:fld id="{C7BBB510-F4E2-4A15-B4EB-B291385A939B}" type="datetimeFigureOut">
               <a:rPr lang="en-US" smtClean="0"/>
-              <a:t>11/18/2015</a:t>
+              <a:pPr/>
+              <a:t>11/20/2015</a:t>
             </a:fld>
             <a:endParaRPr lang="en-US"/>
           </a:p>
@@ -1025,7 +1057,7 @@
       </p:sp>
       <p:sp>
         <p:nvSpPr>
-          <p:cNvPr id="5" name="Footer Placeholder 4"/>
+          <p:cNvPr id="5" name="4 Marcador de pie de página"/>
           <p:cNvSpPr>
             <a:spLocks noGrp="1"/>
           </p:cNvSpPr>
@@ -1044,7 +1076,7 @@
       </p:sp>
       <p:sp>
         <p:nvSpPr>
-          <p:cNvPr id="6" name="Slide Number Placeholder 5"/>
+          <p:cNvPr id="6" name="5 Marcador de número de diapositiva"/>
           <p:cNvSpPr>
             <a:spLocks noGrp="1"/>
           </p:cNvSpPr>
@@ -1059,28 +1091,24 @@
           <a:p>
             <a:fld id="{95FE71BD-180D-477C-9BF4-93F9126C677C}" type="slidenum">
               <a:rPr lang="en-US" smtClean="0"/>
-              <a:t>‹#›</a:t>
+              <a:pPr/>
+              <a:t>‹Nº›</a:t>
             </a:fld>
             <a:endParaRPr lang="en-US"/>
           </a:p>
         </p:txBody>
       </p:sp>
     </p:spTree>
-    <p:extLst>
-      <p:ext uri="{BB962C8B-B14F-4D97-AF65-F5344CB8AC3E}">
-        <p14:creationId xmlns:p14="http://schemas.microsoft.com/office/powerpoint/2010/main" val="279805838"/>
-      </p:ext>
-    </p:extLst>
   </p:cSld>
   <p:clrMapOvr>
-    <a:masterClrMapping/>
+    <a:overrideClrMapping bg1="dk1" tx1="lt1" bg2="dk2" tx2="lt2" accent1="accent1" accent2="accent2" accent3="accent3" accent4="accent4" accent5="accent5" accent6="accent6" hlink="hlink" folHlink="folHlink"/>
   </p:clrMapOvr>
 </p:sldLayout>
 </file>
 
 <file path=ppt/slideLayouts/slideLayout4.xml><?xml version="1.0" encoding="utf-8"?>
 <p:sldLayout xmlns:a="http://schemas.openxmlformats.org/drawingml/2006/main" xmlns:r="http://schemas.openxmlformats.org/officeDocument/2006/relationships" xmlns:p="http://schemas.openxmlformats.org/presentationml/2006/main" type="twoObj" preserve="1">
-  <p:cSld name="Two Content">
+  <p:cSld name="Dos objetos">
     <p:spTree>
       <p:nvGrpSpPr>
         <p:cNvPr id="1" name=""/>
@@ -1097,144 +1125,181 @@
       </p:grpSpPr>
       <p:sp>
         <p:nvSpPr>
-          <p:cNvPr id="2" name="Title 1"/>
+          <p:cNvPr id="2" name="1 Título"/>
           <p:cNvSpPr>
             <a:spLocks noGrp="1"/>
           </p:cNvSpPr>
           <p:nvPr>
             <p:ph type="title"/>
-          </p:nvPr>
-        </p:nvSpPr>
-        <p:spPr/>
-        <p:txBody>
-          <a:bodyPr/>
-          <a:lstStyle/>
-          <a:p>
-            <a:r>
-              <a:rPr lang="en-US" smtClean="0"/>
-              <a:t>Click to edit Master title style</a:t>
-            </a:r>
-            <a:endParaRPr lang="en-US"/>
-          </a:p>
-        </p:txBody>
-      </p:sp>
-      <p:sp>
-        <p:nvSpPr>
-          <p:cNvPr id="3" name="Content Placeholder 2"/>
-          <p:cNvSpPr>
-            <a:spLocks noGrp="1"/>
-          </p:cNvSpPr>
-          <p:nvPr>
-            <p:ph sz="half" idx="1"/>
           </p:nvPr>
         </p:nvSpPr>
         <p:spPr>
           <a:xfrm>
-            <a:off x="838200" y="1825625"/>
-            <a:ext cx="5181600" cy="4351338"/>
+            <a:off x="609600" y="704088"/>
+            <a:ext cx="10972800" cy="1143000"/>
           </a:xfrm>
         </p:spPr>
         <p:txBody>
           <a:bodyPr/>
           <a:lstStyle/>
           <a:p>
-            <a:pPr lvl="0"/>
-            <a:r>
-              <a:rPr lang="en-US" smtClean="0"/>
-              <a:t>Click to edit Master text styles</a:t>
-            </a:r>
-          </a:p>
-          <a:p>
-            <a:pPr lvl="1"/>
-            <a:r>
-              <a:rPr lang="en-US" smtClean="0"/>
-              <a:t>Second level</a:t>
-            </a:r>
-          </a:p>
-          <a:p>
-            <a:pPr lvl="2"/>
-            <a:r>
-              <a:rPr lang="en-US" smtClean="0"/>
-              <a:t>Third level</a:t>
-            </a:r>
-          </a:p>
-          <a:p>
-            <a:pPr lvl="3"/>
-            <a:r>
-              <a:rPr lang="en-US" smtClean="0"/>
-              <a:t>Fourth level</a:t>
-            </a:r>
-          </a:p>
-          <a:p>
-            <a:pPr lvl="4"/>
-            <a:r>
-              <a:rPr lang="en-US" smtClean="0"/>
-              <a:t>Fifth level</a:t>
-            </a:r>
-            <a:endParaRPr lang="en-US"/>
-          </a:p>
-        </p:txBody>
-      </p:sp>
-      <p:sp>
-        <p:nvSpPr>
-          <p:cNvPr id="4" name="Content Placeholder 3"/>
-          <p:cNvSpPr>
-            <a:spLocks noGrp="1"/>
-          </p:cNvSpPr>
-          <p:nvPr>
-            <p:ph sz="half" idx="2"/>
+            <a:r>
+              <a:rPr kumimoji="0" lang="es-ES" smtClean="0"/>
+              <a:t>Haga clic para modificar el estilo de título del patrón</a:t>
+            </a:r>
+            <a:endParaRPr kumimoji="0" lang="en-US"/>
+          </a:p>
+        </p:txBody>
+      </p:sp>
+      <p:sp>
+        <p:nvSpPr>
+          <p:cNvPr id="3" name="2 Marcador de contenido"/>
+          <p:cNvSpPr>
+            <a:spLocks noGrp="1"/>
+          </p:cNvSpPr>
+          <p:nvPr>
+            <p:ph sz="half" idx="1"/>
           </p:nvPr>
         </p:nvSpPr>
         <p:spPr>
           <a:xfrm>
-            <a:off x="6172200" y="1825625"/>
-            <a:ext cx="5181600" cy="4351338"/>
+            <a:off x="609600" y="1920085"/>
+            <a:ext cx="5384800" cy="4434840"/>
           </a:xfrm>
         </p:spPr>
         <p:txBody>
           <a:bodyPr/>
-          <a:lstStyle/>
-          <a:p>
-            <a:pPr lvl="0"/>
-            <a:r>
-              <a:rPr lang="en-US" smtClean="0"/>
-              <a:t>Click to edit Master text styles</a:t>
-            </a:r>
-          </a:p>
-          <a:p>
-            <a:pPr lvl="1"/>
-            <a:r>
-              <a:rPr lang="en-US" smtClean="0"/>
-              <a:t>Second level</a:t>
-            </a:r>
-          </a:p>
-          <a:p>
-            <a:pPr lvl="2"/>
-            <a:r>
-              <a:rPr lang="en-US" smtClean="0"/>
-              <a:t>Third level</a:t>
-            </a:r>
-          </a:p>
-          <a:p>
-            <a:pPr lvl="3"/>
-            <a:r>
-              <a:rPr lang="en-US" smtClean="0"/>
-              <a:t>Fourth level</a:t>
-            </a:r>
-          </a:p>
-          <a:p>
-            <a:pPr lvl="4"/>
-            <a:r>
-              <a:rPr lang="en-US" smtClean="0"/>
-              <a:t>Fifth level</a:t>
-            </a:r>
-            <a:endParaRPr lang="en-US"/>
-          </a:p>
-        </p:txBody>
-      </p:sp>
-      <p:sp>
-        <p:nvSpPr>
-          <p:cNvPr id="5" name="Date Placeholder 4"/>
+          <a:lstStyle>
+            <a:lvl1pPr>
+              <a:defRPr sz="2600"/>
+            </a:lvl1pPr>
+            <a:lvl2pPr>
+              <a:defRPr sz="2400"/>
+            </a:lvl2pPr>
+            <a:lvl3pPr>
+              <a:defRPr sz="2000"/>
+            </a:lvl3pPr>
+            <a:lvl4pPr>
+              <a:defRPr sz="1800"/>
+            </a:lvl4pPr>
+            <a:lvl5pPr>
+              <a:defRPr sz="1800"/>
+            </a:lvl5pPr>
+          </a:lstStyle>
+          <a:p>
+            <a:pPr lvl="0" eaLnBrk="1" latinLnBrk="0" hangingPunct="1"/>
+            <a:r>
+              <a:rPr lang="es-ES" smtClean="0"/>
+              <a:t>Haga clic para modificar el estilo de texto del patrón</a:t>
+            </a:r>
+          </a:p>
+          <a:p>
+            <a:pPr lvl="1" eaLnBrk="1" latinLnBrk="0" hangingPunct="1"/>
+            <a:r>
+              <a:rPr lang="es-ES" smtClean="0"/>
+              <a:t>Segundo nivel</a:t>
+            </a:r>
+          </a:p>
+          <a:p>
+            <a:pPr lvl="2" eaLnBrk="1" latinLnBrk="0" hangingPunct="1"/>
+            <a:r>
+              <a:rPr lang="es-ES" smtClean="0"/>
+              <a:t>Tercer nivel</a:t>
+            </a:r>
+          </a:p>
+          <a:p>
+            <a:pPr lvl="3" eaLnBrk="1" latinLnBrk="0" hangingPunct="1"/>
+            <a:r>
+              <a:rPr lang="es-ES" smtClean="0"/>
+              <a:t>Cuarto nivel</a:t>
+            </a:r>
+          </a:p>
+          <a:p>
+            <a:pPr lvl="4" eaLnBrk="1" latinLnBrk="0" hangingPunct="1"/>
+            <a:r>
+              <a:rPr lang="es-ES" smtClean="0"/>
+              <a:t>Quinto nivel</a:t>
+            </a:r>
+            <a:endParaRPr kumimoji="0" lang="en-US"/>
+          </a:p>
+        </p:txBody>
+      </p:sp>
+      <p:sp>
+        <p:nvSpPr>
+          <p:cNvPr id="4" name="3 Marcador de contenido"/>
+          <p:cNvSpPr>
+            <a:spLocks noGrp="1"/>
+          </p:cNvSpPr>
+          <p:nvPr>
+            <p:ph sz="half" idx="2"/>
+          </p:nvPr>
+        </p:nvSpPr>
+        <p:spPr>
+          <a:xfrm>
+            <a:off x="6197600" y="1920085"/>
+            <a:ext cx="5384800" cy="4434840"/>
+          </a:xfrm>
+        </p:spPr>
+        <p:txBody>
+          <a:bodyPr/>
+          <a:lstStyle>
+            <a:lvl1pPr>
+              <a:defRPr sz="2600"/>
+            </a:lvl1pPr>
+            <a:lvl2pPr>
+              <a:defRPr sz="2400"/>
+            </a:lvl2pPr>
+            <a:lvl3pPr>
+              <a:defRPr sz="2000"/>
+            </a:lvl3pPr>
+            <a:lvl4pPr>
+              <a:defRPr sz="1800"/>
+            </a:lvl4pPr>
+            <a:lvl5pPr>
+              <a:defRPr sz="1800"/>
+            </a:lvl5pPr>
+          </a:lstStyle>
+          <a:p>
+            <a:pPr lvl="0" eaLnBrk="1" latinLnBrk="0" hangingPunct="1"/>
+            <a:r>
+              <a:rPr lang="es-ES" smtClean="0"/>
+              <a:t>Haga clic para modificar el estilo de texto del patrón</a:t>
+            </a:r>
+          </a:p>
+          <a:p>
+            <a:pPr lvl="1" eaLnBrk="1" latinLnBrk="0" hangingPunct="1"/>
+            <a:r>
+              <a:rPr lang="es-ES" smtClean="0"/>
+              <a:t>Segundo nivel</a:t>
+            </a:r>
+          </a:p>
+          <a:p>
+            <a:pPr lvl="2" eaLnBrk="1" latinLnBrk="0" hangingPunct="1"/>
+            <a:r>
+              <a:rPr lang="es-ES" smtClean="0"/>
+              <a:t>Tercer nivel</a:t>
+            </a:r>
+          </a:p>
+          <a:p>
+            <a:pPr lvl="3" eaLnBrk="1" latinLnBrk="0" hangingPunct="1"/>
+            <a:r>
+              <a:rPr lang="es-ES" smtClean="0"/>
+              <a:t>Cuarto nivel</a:t>
+            </a:r>
+          </a:p>
+          <a:p>
+            <a:pPr lvl="4" eaLnBrk="1" latinLnBrk="0" hangingPunct="1"/>
+            <a:r>
+              <a:rPr lang="es-ES" smtClean="0"/>
+              <a:t>Quinto nivel</a:t>
+            </a:r>
+            <a:endParaRPr kumimoji="0" lang="en-US"/>
+          </a:p>
+        </p:txBody>
+      </p:sp>
+      <p:sp>
+        <p:nvSpPr>
+          <p:cNvPr id="5" name="4 Marcador de fecha"/>
           <p:cNvSpPr>
             <a:spLocks noGrp="1"/>
           </p:cNvSpPr>
@@ -1249,7 +1314,8 @@
           <a:p>
             <a:fld id="{C7BBB510-F4E2-4A15-B4EB-B291385A939B}" type="datetimeFigureOut">
               <a:rPr lang="en-US" smtClean="0"/>
-              <a:t>11/18/2015</a:t>
+              <a:pPr/>
+              <a:t>11/20/2015</a:t>
             </a:fld>
             <a:endParaRPr lang="en-US"/>
           </a:p>
@@ -1257,7 +1323,7 @@
       </p:sp>
       <p:sp>
         <p:nvSpPr>
-          <p:cNvPr id="6" name="Footer Placeholder 5"/>
+          <p:cNvPr id="6" name="5 Marcador de pie de página"/>
           <p:cNvSpPr>
             <a:spLocks noGrp="1"/>
           </p:cNvSpPr>
@@ -1276,7 +1342,7 @@
       </p:sp>
       <p:sp>
         <p:nvSpPr>
-          <p:cNvPr id="7" name="Slide Number Placeholder 6"/>
+          <p:cNvPr id="7" name="6 Marcador de número de diapositiva"/>
           <p:cNvSpPr>
             <a:spLocks noGrp="1"/>
           </p:cNvSpPr>
@@ -1291,18 +1357,14 @@
           <a:p>
             <a:fld id="{95FE71BD-180D-477C-9BF4-93F9126C677C}" type="slidenum">
               <a:rPr lang="en-US" smtClean="0"/>
-              <a:t>‹#›</a:t>
+              <a:pPr/>
+              <a:t>‹Nº›</a:t>
             </a:fld>
             <a:endParaRPr lang="en-US"/>
           </a:p>
         </p:txBody>
       </p:sp>
     </p:spTree>
-    <p:extLst>
-      <p:ext uri="{BB962C8B-B14F-4D97-AF65-F5344CB8AC3E}">
-        <p14:creationId xmlns:p14="http://schemas.microsoft.com/office/powerpoint/2010/main" val="4169649845"/>
-      </p:ext>
-    </p:extLst>
   </p:cSld>
   <p:clrMapOvr>
     <a:masterClrMapping/>
@@ -1312,7 +1374,7 @@
 
 <file path=ppt/slideLayouts/slideLayout5.xml><?xml version="1.0" encoding="utf-8"?>
 <p:sldLayout xmlns:a="http://schemas.openxmlformats.org/drawingml/2006/main" xmlns:r="http://schemas.openxmlformats.org/officeDocument/2006/relationships" xmlns:p="http://schemas.openxmlformats.org/presentationml/2006/main" type="twoTxTwoObj" preserve="1">
-  <p:cSld name="Comparison">
+  <p:cSld name="Comparación">
     <p:spTree>
       <p:nvGrpSpPr>
         <p:cNvPr id="1" name=""/>
@@ -1329,7 +1391,7 @@
       </p:grpSpPr>
       <p:sp>
         <p:nvSpPr>
-          <p:cNvPr id="2" name="Title 1"/>
+          <p:cNvPr id="2" name="1 Título"/>
           <p:cNvSpPr>
             <a:spLocks noGrp="1"/>
           </p:cNvSpPr>
@@ -1339,25 +1401,29 @@
         </p:nvSpPr>
         <p:spPr>
           <a:xfrm>
-            <a:off x="839788" y="365125"/>
-            <a:ext cx="10515600" cy="1325563"/>
+            <a:off x="609600" y="704088"/>
+            <a:ext cx="10972800" cy="1143000"/>
           </a:xfrm>
         </p:spPr>
         <p:txBody>
-          <a:bodyPr/>
-          <a:lstStyle/>
-          <a:p>
-            <a:r>
-              <a:rPr lang="en-US" smtClean="0"/>
-              <a:t>Click to edit Master title style</a:t>
-            </a:r>
-            <a:endParaRPr lang="en-US"/>
-          </a:p>
-        </p:txBody>
-      </p:sp>
-      <p:sp>
-        <p:nvSpPr>
-          <p:cNvPr id="3" name="Text Placeholder 2"/>
+          <a:bodyPr tIns="45720" anchor="b"/>
+          <a:lstStyle>
+            <a:lvl1pPr>
+              <a:defRPr/>
+            </a:lvl1pPr>
+          </a:lstStyle>
+          <a:p>
+            <a:r>
+              <a:rPr kumimoji="0" lang="es-ES" smtClean="0"/>
+              <a:t>Haga clic para modificar el estilo de título del patrón</a:t>
+            </a:r>
+            <a:endParaRPr kumimoji="0" lang="en-US"/>
+          </a:p>
+        </p:txBody>
+      </p:sp>
+      <p:sp>
+        <p:nvSpPr>
+          <p:cNvPr id="3" name="2 Marcador de texto"/>
           <p:cNvSpPr>
             <a:spLocks noGrp="1"/>
           </p:cNvSpPr>
@@ -1367,241 +1433,253 @@
         </p:nvSpPr>
         <p:spPr>
           <a:xfrm>
-            <a:off x="839788" y="1681163"/>
-            <a:ext cx="5157787" cy="823912"/>
+            <a:off x="609600" y="1855248"/>
+            <a:ext cx="5386917" cy="659352"/>
           </a:xfrm>
         </p:spPr>
         <p:txBody>
-          <a:bodyPr anchor="b"/>
+          <a:bodyPr lIns="45720" tIns="0" rIns="45720" bIns="0" anchor="ctr">
+            <a:noAutofit/>
+          </a:bodyPr>
           <a:lstStyle>
             <a:lvl1pPr marL="0" indent="0">
               <a:buNone/>
-              <a:defRPr sz="2400" b="1"/>
+              <a:defRPr sz="2400" b="1" cap="none" baseline="0">
+                <a:solidFill>
+                  <a:schemeClr val="tx2"/>
+                </a:solidFill>
+                <a:effectLst/>
+              </a:defRPr>
             </a:lvl1pPr>
-            <a:lvl2pPr marL="457200" indent="0">
+            <a:lvl2pPr>
               <a:buNone/>
               <a:defRPr sz="2000" b="1"/>
             </a:lvl2pPr>
-            <a:lvl3pPr marL="914400" indent="0">
+            <a:lvl3pPr>
               <a:buNone/>
               <a:defRPr sz="1800" b="1"/>
             </a:lvl3pPr>
-            <a:lvl4pPr marL="1371600" indent="0">
+            <a:lvl4pPr>
               <a:buNone/>
               <a:defRPr sz="1600" b="1"/>
             </a:lvl4pPr>
-            <a:lvl5pPr marL="1828800" indent="0">
+            <a:lvl5pPr>
               <a:buNone/>
               <a:defRPr sz="1600" b="1"/>
             </a:lvl5pPr>
-            <a:lvl6pPr marL="2286000" indent="0">
-              <a:buNone/>
-              <a:defRPr sz="1600" b="1"/>
-            </a:lvl6pPr>
-            <a:lvl7pPr marL="2743200" indent="0">
-              <a:buNone/>
-              <a:defRPr sz="1600" b="1"/>
-            </a:lvl7pPr>
-            <a:lvl8pPr marL="3200400" indent="0">
-              <a:buNone/>
-              <a:defRPr sz="1600" b="1"/>
-            </a:lvl8pPr>
-            <a:lvl9pPr marL="3657600" indent="0">
-              <a:buNone/>
-              <a:defRPr sz="1600" b="1"/>
-            </a:lvl9pPr>
           </a:lstStyle>
           <a:p>
-            <a:pPr lvl="0"/>
-            <a:r>
-              <a:rPr lang="en-US" smtClean="0"/>
-              <a:t>Click to edit Master text styles</a:t>
-            </a:r>
-          </a:p>
-        </p:txBody>
-      </p:sp>
-      <p:sp>
-        <p:nvSpPr>
-          <p:cNvPr id="4" name="Content Placeholder 3"/>
-          <p:cNvSpPr>
-            <a:spLocks noGrp="1"/>
-          </p:cNvSpPr>
-          <p:nvPr>
-            <p:ph sz="half" idx="2"/>
+            <a:pPr lvl="0" eaLnBrk="1" latinLnBrk="0" hangingPunct="1"/>
+            <a:r>
+              <a:rPr kumimoji="0" lang="es-ES" smtClean="0"/>
+              <a:t>Haga clic para modificar el estilo de texto del patrón</a:t>
+            </a:r>
+          </a:p>
+        </p:txBody>
+      </p:sp>
+      <p:sp>
+        <p:nvSpPr>
+          <p:cNvPr id="4" name="3 Marcador de texto"/>
+          <p:cNvSpPr>
+            <a:spLocks noGrp="1"/>
+          </p:cNvSpPr>
+          <p:nvPr>
+            <p:ph type="body" sz="half" idx="3"/>
           </p:nvPr>
         </p:nvSpPr>
         <p:spPr>
           <a:xfrm>
-            <a:off x="839788" y="2505075"/>
-            <a:ext cx="5157787" cy="3684588"/>
+            <a:off x="6193368" y="1859758"/>
+            <a:ext cx="5389033" cy="654843"/>
           </a:xfrm>
         </p:spPr>
         <p:txBody>
-          <a:bodyPr/>
-          <a:lstStyle/>
-          <a:p>
-            <a:pPr lvl="0"/>
-            <a:r>
-              <a:rPr lang="en-US" smtClean="0"/>
-              <a:t>Click to edit Master text styles</a:t>
-            </a:r>
-          </a:p>
-          <a:p>
-            <a:pPr lvl="1"/>
-            <a:r>
-              <a:rPr lang="en-US" smtClean="0"/>
-              <a:t>Second level</a:t>
-            </a:r>
-          </a:p>
-          <a:p>
-            <a:pPr lvl="2"/>
-            <a:r>
-              <a:rPr lang="en-US" smtClean="0"/>
-              <a:t>Third level</a:t>
-            </a:r>
-          </a:p>
-          <a:p>
-            <a:pPr lvl="3"/>
-            <a:r>
-              <a:rPr lang="en-US" smtClean="0"/>
-              <a:t>Fourth level</a:t>
-            </a:r>
-          </a:p>
-          <a:p>
-            <a:pPr lvl="4"/>
-            <a:r>
-              <a:rPr lang="en-US" smtClean="0"/>
-              <a:t>Fifth level</a:t>
-            </a:r>
-            <a:endParaRPr lang="en-US"/>
-          </a:p>
-        </p:txBody>
-      </p:sp>
-      <p:sp>
-        <p:nvSpPr>
-          <p:cNvPr id="5" name="Text Placeholder 4"/>
-          <p:cNvSpPr>
-            <a:spLocks noGrp="1"/>
-          </p:cNvSpPr>
-          <p:nvPr>
-            <p:ph type="body" sz="quarter" idx="3"/>
-          </p:nvPr>
-        </p:nvSpPr>
-        <p:spPr>
-          <a:xfrm>
-            <a:off x="6172200" y="1681163"/>
-            <a:ext cx="5183188" cy="823912"/>
-          </a:xfrm>
-        </p:spPr>
-        <p:txBody>
-          <a:bodyPr anchor="b"/>
+          <a:bodyPr lIns="45720" tIns="0" rIns="45720" bIns="0" anchor="ctr"/>
           <a:lstStyle>
             <a:lvl1pPr marL="0" indent="0">
               <a:buNone/>
-              <a:defRPr sz="2400" b="1"/>
+              <a:defRPr sz="2400" b="1" cap="none" baseline="0">
+                <a:solidFill>
+                  <a:schemeClr val="tx2"/>
+                </a:solidFill>
+                <a:effectLst/>
+              </a:defRPr>
             </a:lvl1pPr>
-            <a:lvl2pPr marL="457200" indent="0">
+            <a:lvl2pPr>
               <a:buNone/>
               <a:defRPr sz="2000" b="1"/>
             </a:lvl2pPr>
-            <a:lvl3pPr marL="914400" indent="0">
+            <a:lvl3pPr>
               <a:buNone/>
               <a:defRPr sz="1800" b="1"/>
             </a:lvl3pPr>
-            <a:lvl4pPr marL="1371600" indent="0">
+            <a:lvl4pPr>
               <a:buNone/>
               <a:defRPr sz="1600" b="1"/>
             </a:lvl4pPr>
-            <a:lvl5pPr marL="1828800" indent="0">
+            <a:lvl5pPr>
               <a:buNone/>
               <a:defRPr sz="1600" b="1"/>
             </a:lvl5pPr>
-            <a:lvl6pPr marL="2286000" indent="0">
-              <a:buNone/>
-              <a:defRPr sz="1600" b="1"/>
-            </a:lvl6pPr>
-            <a:lvl7pPr marL="2743200" indent="0">
-              <a:buNone/>
-              <a:defRPr sz="1600" b="1"/>
-            </a:lvl7pPr>
-            <a:lvl8pPr marL="3200400" indent="0">
-              <a:buNone/>
-              <a:defRPr sz="1600" b="1"/>
-            </a:lvl8pPr>
-            <a:lvl9pPr marL="3657600" indent="0">
-              <a:buNone/>
-              <a:defRPr sz="1600" b="1"/>
-            </a:lvl9pPr>
           </a:lstStyle>
           <a:p>
-            <a:pPr lvl="0"/>
-            <a:r>
-              <a:rPr lang="en-US" smtClean="0"/>
-              <a:t>Click to edit Master text styles</a:t>
-            </a:r>
-          </a:p>
-        </p:txBody>
-      </p:sp>
-      <p:sp>
-        <p:nvSpPr>
-          <p:cNvPr id="6" name="Content Placeholder 5"/>
-          <p:cNvSpPr>
-            <a:spLocks noGrp="1"/>
-          </p:cNvSpPr>
-          <p:nvPr>
-            <p:ph sz="quarter" idx="4"/>
+            <a:pPr lvl="0" eaLnBrk="1" latinLnBrk="0" hangingPunct="1"/>
+            <a:r>
+              <a:rPr kumimoji="0" lang="es-ES" smtClean="0"/>
+              <a:t>Haga clic para modificar el estilo de texto del patrón</a:t>
+            </a:r>
+          </a:p>
+        </p:txBody>
+      </p:sp>
+      <p:sp>
+        <p:nvSpPr>
+          <p:cNvPr id="5" name="4 Marcador de contenido"/>
+          <p:cNvSpPr>
+            <a:spLocks noGrp="1"/>
+          </p:cNvSpPr>
+          <p:nvPr>
+            <p:ph sz="quarter" idx="2"/>
           </p:nvPr>
         </p:nvSpPr>
         <p:spPr>
           <a:xfrm>
-            <a:off x="6172200" y="2505075"/>
-            <a:ext cx="5183188" cy="3684588"/>
+            <a:off x="609600" y="2514600"/>
+            <a:ext cx="5386917" cy="3845720"/>
           </a:xfrm>
         </p:spPr>
         <p:txBody>
-          <a:bodyPr/>
-          <a:lstStyle/>
-          <a:p>
-            <a:pPr lvl="0"/>
-            <a:r>
-              <a:rPr lang="en-US" smtClean="0"/>
-              <a:t>Click to edit Master text styles</a:t>
-            </a:r>
-          </a:p>
-          <a:p>
-            <a:pPr lvl="1"/>
-            <a:r>
-              <a:rPr lang="en-US" smtClean="0"/>
-              <a:t>Second level</a:t>
-            </a:r>
-          </a:p>
-          <a:p>
-            <a:pPr lvl="2"/>
-            <a:r>
-              <a:rPr lang="en-US" smtClean="0"/>
-              <a:t>Third level</a:t>
-            </a:r>
-          </a:p>
-          <a:p>
-            <a:pPr lvl="3"/>
-            <a:r>
-              <a:rPr lang="en-US" smtClean="0"/>
-              <a:t>Fourth level</a:t>
-            </a:r>
-          </a:p>
-          <a:p>
-            <a:pPr lvl="4"/>
-            <a:r>
-              <a:rPr lang="en-US" smtClean="0"/>
-              <a:t>Fifth level</a:t>
-            </a:r>
-            <a:endParaRPr lang="en-US"/>
-          </a:p>
-        </p:txBody>
-      </p:sp>
-      <p:sp>
-        <p:nvSpPr>
-          <p:cNvPr id="7" name="Date Placeholder 6"/>
+          <a:bodyPr tIns="0"/>
+          <a:lstStyle>
+            <a:lvl1pPr>
+              <a:defRPr sz="2200"/>
+            </a:lvl1pPr>
+            <a:lvl2pPr>
+              <a:defRPr sz="2000"/>
+            </a:lvl2pPr>
+            <a:lvl3pPr>
+              <a:defRPr sz="1800"/>
+            </a:lvl3pPr>
+            <a:lvl4pPr>
+              <a:defRPr sz="1600"/>
+            </a:lvl4pPr>
+            <a:lvl5pPr>
+              <a:defRPr sz="1600"/>
+            </a:lvl5pPr>
+          </a:lstStyle>
+          <a:p>
+            <a:pPr lvl="0" eaLnBrk="1" latinLnBrk="0" hangingPunct="1"/>
+            <a:r>
+              <a:rPr lang="es-ES" smtClean="0"/>
+              <a:t>Haga clic para modificar el estilo de texto del patrón</a:t>
+            </a:r>
+          </a:p>
+          <a:p>
+            <a:pPr lvl="1" eaLnBrk="1" latinLnBrk="0" hangingPunct="1"/>
+            <a:r>
+              <a:rPr lang="es-ES" smtClean="0"/>
+              <a:t>Segundo nivel</a:t>
+            </a:r>
+          </a:p>
+          <a:p>
+            <a:pPr lvl="2" eaLnBrk="1" latinLnBrk="0" hangingPunct="1"/>
+            <a:r>
+              <a:rPr lang="es-ES" smtClean="0"/>
+              <a:t>Tercer nivel</a:t>
+            </a:r>
+          </a:p>
+          <a:p>
+            <a:pPr lvl="3" eaLnBrk="1" latinLnBrk="0" hangingPunct="1"/>
+            <a:r>
+              <a:rPr lang="es-ES" smtClean="0"/>
+              <a:t>Cuarto nivel</a:t>
+            </a:r>
+          </a:p>
+          <a:p>
+            <a:pPr lvl="4" eaLnBrk="1" latinLnBrk="0" hangingPunct="1"/>
+            <a:r>
+              <a:rPr lang="es-ES" smtClean="0"/>
+              <a:t>Quinto nivel</a:t>
+            </a:r>
+            <a:endParaRPr kumimoji="0" lang="en-US"/>
+          </a:p>
+        </p:txBody>
+      </p:sp>
+      <p:sp>
+        <p:nvSpPr>
+          <p:cNvPr id="6" name="5 Marcador de contenido"/>
+          <p:cNvSpPr>
+            <a:spLocks noGrp="1"/>
+          </p:cNvSpPr>
+          <p:nvPr>
+            <p:ph sz="quarter" idx="4"/>
+          </p:nvPr>
+        </p:nvSpPr>
+        <p:spPr>
+          <a:xfrm>
+            <a:off x="6193368" y="2514600"/>
+            <a:ext cx="5389033" cy="3845720"/>
+          </a:xfrm>
+        </p:spPr>
+        <p:txBody>
+          <a:bodyPr tIns="0"/>
+          <a:lstStyle>
+            <a:lvl1pPr>
+              <a:defRPr sz="2200"/>
+            </a:lvl1pPr>
+            <a:lvl2pPr>
+              <a:defRPr sz="2000"/>
+            </a:lvl2pPr>
+            <a:lvl3pPr>
+              <a:defRPr sz="1800"/>
+            </a:lvl3pPr>
+            <a:lvl4pPr>
+              <a:defRPr sz="1600"/>
+            </a:lvl4pPr>
+            <a:lvl5pPr>
+              <a:defRPr sz="1600"/>
+            </a:lvl5pPr>
+          </a:lstStyle>
+          <a:p>
+            <a:pPr lvl="0" eaLnBrk="1" latinLnBrk="0" hangingPunct="1"/>
+            <a:r>
+              <a:rPr lang="es-ES" smtClean="0"/>
+              <a:t>Haga clic para modificar el estilo de texto del patrón</a:t>
+            </a:r>
+          </a:p>
+          <a:p>
+            <a:pPr lvl="1" eaLnBrk="1" latinLnBrk="0" hangingPunct="1"/>
+            <a:r>
+              <a:rPr lang="es-ES" smtClean="0"/>
+              <a:t>Segundo nivel</a:t>
+            </a:r>
+          </a:p>
+          <a:p>
+            <a:pPr lvl="2" eaLnBrk="1" latinLnBrk="0" hangingPunct="1"/>
+            <a:r>
+              <a:rPr lang="es-ES" smtClean="0"/>
+              <a:t>Tercer nivel</a:t>
+            </a:r>
+          </a:p>
+          <a:p>
+            <a:pPr lvl="3" eaLnBrk="1" latinLnBrk="0" hangingPunct="1"/>
+            <a:r>
+              <a:rPr lang="es-ES" smtClean="0"/>
+              <a:t>Cuarto nivel</a:t>
+            </a:r>
+          </a:p>
+          <a:p>
+            <a:pPr lvl="4" eaLnBrk="1" latinLnBrk="0" hangingPunct="1"/>
+            <a:r>
+              <a:rPr lang="es-ES" smtClean="0"/>
+              <a:t>Quinto nivel</a:t>
+            </a:r>
+            <a:endParaRPr kumimoji="0" lang="en-US"/>
+          </a:p>
+        </p:txBody>
+      </p:sp>
+      <p:sp>
+        <p:nvSpPr>
+          <p:cNvPr id="7" name="6 Marcador de fecha"/>
           <p:cNvSpPr>
             <a:spLocks noGrp="1"/>
           </p:cNvSpPr>
@@ -1616,7 +1694,8 @@
           <a:p>
             <a:fld id="{C7BBB510-F4E2-4A15-B4EB-B291385A939B}" type="datetimeFigureOut">
               <a:rPr lang="en-US" smtClean="0"/>
-              <a:t>11/18/2015</a:t>
+              <a:pPr/>
+              <a:t>11/20/2015</a:t>
             </a:fld>
             <a:endParaRPr lang="en-US"/>
           </a:p>
@@ -1624,7 +1703,7 @@
       </p:sp>
       <p:sp>
         <p:nvSpPr>
-          <p:cNvPr id="8" name="Footer Placeholder 7"/>
+          <p:cNvPr id="8" name="7 Marcador de pie de página"/>
           <p:cNvSpPr>
             <a:spLocks noGrp="1"/>
           </p:cNvSpPr>
@@ -1643,7 +1722,7 @@
       </p:sp>
       <p:sp>
         <p:nvSpPr>
-          <p:cNvPr id="9" name="Slide Number Placeholder 8"/>
+          <p:cNvPr id="9" name="8 Marcador de número de diapositiva"/>
           <p:cNvSpPr>
             <a:spLocks noGrp="1"/>
           </p:cNvSpPr>
@@ -1658,18 +1737,14 @@
           <a:p>
             <a:fld id="{95FE71BD-180D-477C-9BF4-93F9126C677C}" type="slidenum">
               <a:rPr lang="en-US" smtClean="0"/>
-              <a:t>‹#›</a:t>
+              <a:pPr/>
+              <a:t>‹Nº›</a:t>
             </a:fld>
             <a:endParaRPr lang="en-US"/>
           </a:p>
         </p:txBody>
       </p:sp>
     </p:spTree>
-    <p:extLst>
-      <p:ext uri="{BB962C8B-B14F-4D97-AF65-F5344CB8AC3E}">
-        <p14:creationId xmlns:p14="http://schemas.microsoft.com/office/powerpoint/2010/main" val="2685234486"/>
-      </p:ext>
-    </p:extLst>
   </p:cSld>
   <p:clrMapOvr>
     <a:masterClrMapping/>
@@ -1679,7 +1754,7 @@
 
 <file path=ppt/slideLayouts/slideLayout6.xml><?xml version="1.0" encoding="utf-8"?>
 <p:sldLayout xmlns:a="http://schemas.openxmlformats.org/drawingml/2006/main" xmlns:r="http://schemas.openxmlformats.org/officeDocument/2006/relationships" xmlns:p="http://schemas.openxmlformats.org/presentationml/2006/main" type="titleOnly" preserve="1">
-  <p:cSld name="Title Only">
+  <p:cSld name="Sólo el título">
     <p:spTree>
       <p:nvGrpSpPr>
         <p:cNvPr id="1" name=""/>
@@ -1696,7 +1771,7 @@
       </p:grpSpPr>
       <p:sp>
         <p:nvSpPr>
-          <p:cNvPr id="2" name="Title 1"/>
+          <p:cNvPr id="2" name="1 Título"/>
           <p:cNvSpPr>
             <a:spLocks noGrp="1"/>
           </p:cNvSpPr>
@@ -1704,22 +1779,59 @@
             <p:ph type="title"/>
           </p:nvPr>
         </p:nvSpPr>
-        <p:spPr/>
-        <p:txBody>
-          <a:bodyPr/>
-          <a:lstStyle/>
-          <a:p>
-            <a:r>
-              <a:rPr lang="en-US" smtClean="0"/>
-              <a:t>Click to edit Master title style</a:t>
-            </a:r>
-            <a:endParaRPr lang="en-US"/>
-          </a:p>
-        </p:txBody>
-      </p:sp>
-      <p:sp>
-        <p:nvSpPr>
-          <p:cNvPr id="3" name="Date Placeholder 2"/>
+        <p:spPr>
+          <a:xfrm>
+            <a:off x="609600" y="704088"/>
+            <a:ext cx="11074400" cy="1143000"/>
+          </a:xfrm>
+        </p:spPr>
+        <p:txBody>
+          <a:bodyPr vert="horz" tIns="45720" bIns="0" anchor="b">
+            <a:normAutofit/>
+            <a:scene3d>
+              <a:camera prst="orthographicFront"/>
+              <a:lightRig rig="freezing" dir="t">
+                <a:rot lat="0" lon="0" rev="5640000"/>
+              </a:lightRig>
+            </a:scene3d>
+            <a:sp3d prstMaterial="flat">
+              <a:contourClr>
+                <a:schemeClr val="tx2"/>
+              </a:contourClr>
+            </a:sp3d>
+          </a:bodyPr>
+          <a:lstStyle>
+            <a:lvl1pPr algn="l" rtl="0">
+              <a:spcBef>
+                <a:spcPct val="0"/>
+              </a:spcBef>
+              <a:buNone/>
+              <a:defRPr sz="5000" b="0">
+                <a:ln>
+                  <a:noFill/>
+                </a:ln>
+                <a:solidFill>
+                  <a:schemeClr val="tx2"/>
+                </a:solidFill>
+                <a:effectLst/>
+                <a:latin typeface="+mj-lt"/>
+                <a:ea typeface="+mj-ea"/>
+                <a:cs typeface="+mj-cs"/>
+              </a:defRPr>
+            </a:lvl1pPr>
+          </a:lstStyle>
+          <a:p>
+            <a:r>
+              <a:rPr kumimoji="0" lang="es-ES" smtClean="0"/>
+              <a:t>Haga clic para modificar el estilo de título del patrón</a:t>
+            </a:r>
+            <a:endParaRPr kumimoji="0" lang="en-US"/>
+          </a:p>
+        </p:txBody>
+      </p:sp>
+      <p:sp>
+        <p:nvSpPr>
+          <p:cNvPr id="3" name="2 Marcador de fecha"/>
           <p:cNvSpPr>
             <a:spLocks noGrp="1"/>
           </p:cNvSpPr>
@@ -1734,7 +1846,8 @@
           <a:p>
             <a:fld id="{C7BBB510-F4E2-4A15-B4EB-B291385A939B}" type="datetimeFigureOut">
               <a:rPr lang="en-US" smtClean="0"/>
-              <a:t>11/18/2015</a:t>
+              <a:pPr/>
+              <a:t>11/20/2015</a:t>
             </a:fld>
             <a:endParaRPr lang="en-US"/>
           </a:p>
@@ -1742,7 +1855,7 @@
       </p:sp>
       <p:sp>
         <p:nvSpPr>
-          <p:cNvPr id="4" name="Footer Placeholder 3"/>
+          <p:cNvPr id="4" name="3 Marcador de pie de página"/>
           <p:cNvSpPr>
             <a:spLocks noGrp="1"/>
           </p:cNvSpPr>
@@ -1761,7 +1874,7 @@
       </p:sp>
       <p:sp>
         <p:nvSpPr>
-          <p:cNvPr id="5" name="Slide Number Placeholder 4"/>
+          <p:cNvPr id="5" name="4 Marcador de número de diapositiva"/>
           <p:cNvSpPr>
             <a:spLocks noGrp="1"/>
           </p:cNvSpPr>
@@ -1776,18 +1889,14 @@
           <a:p>
             <a:fld id="{95FE71BD-180D-477C-9BF4-93F9126C677C}" type="slidenum">
               <a:rPr lang="en-US" smtClean="0"/>
-              <a:t>‹#›</a:t>
+              <a:pPr/>
+              <a:t>‹Nº›</a:t>
             </a:fld>
             <a:endParaRPr lang="en-US"/>
           </a:p>
         </p:txBody>
       </p:sp>
     </p:spTree>
-    <p:extLst>
-      <p:ext uri="{BB962C8B-B14F-4D97-AF65-F5344CB8AC3E}">
-        <p14:creationId xmlns:p14="http://schemas.microsoft.com/office/powerpoint/2010/main" val="1149691252"/>
-      </p:ext>
-    </p:extLst>
   </p:cSld>
   <p:clrMapOvr>
     <a:masterClrMapping/>
@@ -1797,7 +1906,7 @@
 
 <file path=ppt/slideLayouts/slideLayout7.xml><?xml version="1.0" encoding="utf-8"?>
 <p:sldLayout xmlns:a="http://schemas.openxmlformats.org/drawingml/2006/main" xmlns:r="http://schemas.openxmlformats.org/officeDocument/2006/relationships" xmlns:p="http://schemas.openxmlformats.org/presentationml/2006/main" type="blank" preserve="1">
-  <p:cSld name="Blank">
+  <p:cSld name="En blanco">
     <p:spTree>
       <p:nvGrpSpPr>
         <p:cNvPr id="1" name=""/>
@@ -1814,7 +1923,7 @@
       </p:grpSpPr>
       <p:sp>
         <p:nvSpPr>
-          <p:cNvPr id="2" name="Date Placeholder 1"/>
+          <p:cNvPr id="2" name="1 Marcador de fecha"/>
           <p:cNvSpPr>
             <a:spLocks noGrp="1"/>
           </p:cNvSpPr>
@@ -1829,7 +1938,8 @@
           <a:p>
             <a:fld id="{C7BBB510-F4E2-4A15-B4EB-B291385A939B}" type="datetimeFigureOut">
               <a:rPr lang="en-US" smtClean="0"/>
-              <a:t>11/18/2015</a:t>
+              <a:pPr/>
+              <a:t>11/20/2015</a:t>
             </a:fld>
             <a:endParaRPr lang="en-US"/>
           </a:p>
@@ -1837,7 +1947,7 @@
       </p:sp>
       <p:sp>
         <p:nvSpPr>
-          <p:cNvPr id="3" name="Footer Placeholder 2"/>
+          <p:cNvPr id="3" name="2 Marcador de pie de página"/>
           <p:cNvSpPr>
             <a:spLocks noGrp="1"/>
           </p:cNvSpPr>
@@ -1856,7 +1966,7 @@
       </p:sp>
       <p:sp>
         <p:nvSpPr>
-          <p:cNvPr id="4" name="Slide Number Placeholder 3"/>
+          <p:cNvPr id="4" name="3 Marcador de número de diapositiva"/>
           <p:cNvSpPr>
             <a:spLocks noGrp="1"/>
           </p:cNvSpPr>
@@ -1871,18 +1981,14 @@
           <a:p>
             <a:fld id="{95FE71BD-180D-477C-9BF4-93F9126C677C}" type="slidenum">
               <a:rPr lang="en-US" smtClean="0"/>
-              <a:t>‹#›</a:t>
+              <a:pPr/>
+              <a:t>‹Nº›</a:t>
             </a:fld>
             <a:endParaRPr lang="en-US"/>
           </a:p>
         </p:txBody>
       </p:sp>
     </p:spTree>
-    <p:extLst>
-      <p:ext uri="{BB962C8B-B14F-4D97-AF65-F5344CB8AC3E}">
-        <p14:creationId xmlns:p14="http://schemas.microsoft.com/office/powerpoint/2010/main" val="923200790"/>
-      </p:ext>
-    </p:extLst>
   </p:cSld>
   <p:clrMapOvr>
     <a:masterClrMapping/>
@@ -1892,7 +1998,7 @@
 
 <file path=ppt/slideLayouts/slideLayout8.xml><?xml version="1.0" encoding="utf-8"?>
 <p:sldLayout xmlns:a="http://schemas.openxmlformats.org/drawingml/2006/main" xmlns:r="http://schemas.openxmlformats.org/officeDocument/2006/relationships" xmlns:p="http://schemas.openxmlformats.org/presentationml/2006/main" type="objTx" preserve="1">
-  <p:cSld name="Content with Caption">
+  <p:cSld name="Contenido con título">
     <p:spTree>
       <p:nvGrpSpPr>
         <p:cNvPr id="1" name=""/>
@@ -1909,7 +2015,7 @@
       </p:grpSpPr>
       <p:sp>
         <p:nvSpPr>
-          <p:cNvPr id="2" name="Title 1"/>
+          <p:cNvPr id="2" name="1 Título"/>
           <p:cNvSpPr>
             <a:spLocks noGrp="1"/>
           </p:cNvSpPr>
@@ -1919,50 +2025,116 @@
         </p:nvSpPr>
         <p:spPr>
           <a:xfrm>
-            <a:off x="839788" y="457200"/>
-            <a:ext cx="3932237" cy="1600200"/>
+            <a:off x="914400" y="514352"/>
+            <a:ext cx="3657600" cy="1162050"/>
           </a:xfrm>
         </p:spPr>
         <p:txBody>
-          <a:bodyPr anchor="b"/>
+          <a:bodyPr lIns="0" anchor="b">
+            <a:noAutofit/>
+          </a:bodyPr>
+          <a:lstStyle>
+            <a:lvl1pPr algn="l" rtl="0">
+              <a:spcBef>
+                <a:spcPct val="0"/>
+              </a:spcBef>
+              <a:buNone/>
+              <a:defRPr sz="2600" b="0">
+                <a:ln>
+                  <a:noFill/>
+                </a:ln>
+                <a:solidFill>
+                  <a:schemeClr val="tx2"/>
+                </a:solidFill>
+                <a:effectLst/>
+                <a:latin typeface="+mj-lt"/>
+                <a:ea typeface="+mj-ea"/>
+                <a:cs typeface="+mj-cs"/>
+              </a:defRPr>
+            </a:lvl1pPr>
+          </a:lstStyle>
+          <a:p>
+            <a:r>
+              <a:rPr kumimoji="0" lang="es-ES" smtClean="0"/>
+              <a:t>Haga clic para modificar el estilo de título del patrón</a:t>
+            </a:r>
+            <a:endParaRPr kumimoji="0" lang="en-US"/>
+          </a:p>
+        </p:txBody>
+      </p:sp>
+      <p:sp>
+        <p:nvSpPr>
+          <p:cNvPr id="3" name="2 Marcador de texto"/>
+          <p:cNvSpPr>
+            <a:spLocks noGrp="1"/>
+          </p:cNvSpPr>
+          <p:nvPr>
+            <p:ph type="body" idx="2"/>
+          </p:nvPr>
+        </p:nvSpPr>
+        <p:spPr>
+          <a:xfrm>
+            <a:off x="914400" y="1676400"/>
+            <a:ext cx="3657600" cy="4572000"/>
+          </a:xfrm>
+        </p:spPr>
+        <p:txBody>
+          <a:bodyPr lIns="18288" rIns="18288"/>
+          <a:lstStyle>
+            <a:lvl1pPr marL="0" indent="0" algn="l">
+              <a:buNone/>
+              <a:defRPr sz="1400"/>
+            </a:lvl1pPr>
+            <a:lvl2pPr indent="0" algn="l">
+              <a:buNone/>
+              <a:defRPr sz="1200"/>
+            </a:lvl2pPr>
+            <a:lvl3pPr indent="0" algn="l">
+              <a:buNone/>
+              <a:defRPr sz="1000"/>
+            </a:lvl3pPr>
+            <a:lvl4pPr indent="0" algn="l">
+              <a:buNone/>
+              <a:defRPr sz="900"/>
+            </a:lvl4pPr>
+            <a:lvl5pPr indent="0" algn="l">
+              <a:buNone/>
+              <a:defRPr sz="900"/>
+            </a:lvl5pPr>
+          </a:lstStyle>
+          <a:p>
+            <a:pPr lvl="0" eaLnBrk="1" latinLnBrk="0" hangingPunct="1"/>
+            <a:r>
+              <a:rPr kumimoji="0" lang="es-ES" smtClean="0"/>
+              <a:t>Haga clic para modificar el estilo de texto del patrón</a:t>
+            </a:r>
+          </a:p>
+        </p:txBody>
+      </p:sp>
+      <p:sp>
+        <p:nvSpPr>
+          <p:cNvPr id="4" name="3 Marcador de contenido"/>
+          <p:cNvSpPr>
+            <a:spLocks noGrp="1"/>
+          </p:cNvSpPr>
+          <p:nvPr>
+            <p:ph sz="half" idx="1"/>
+          </p:nvPr>
+        </p:nvSpPr>
+        <p:spPr>
+          <a:xfrm>
+            <a:off x="4766733" y="1676400"/>
+            <a:ext cx="6815667" cy="4572000"/>
+          </a:xfrm>
+        </p:spPr>
+        <p:txBody>
+          <a:bodyPr tIns="0"/>
           <a:lstStyle>
             <a:lvl1pPr>
-              <a:defRPr sz="3200"/>
-            </a:lvl1pPr>
-          </a:lstStyle>
-          <a:p>
-            <a:r>
-              <a:rPr lang="en-US" smtClean="0"/>
-              <a:t>Click to edit Master title style</a:t>
-            </a:r>
-            <a:endParaRPr lang="en-US"/>
-          </a:p>
-        </p:txBody>
-      </p:sp>
-      <p:sp>
-        <p:nvSpPr>
-          <p:cNvPr id="3" name="Content Placeholder 2"/>
-          <p:cNvSpPr>
-            <a:spLocks noGrp="1"/>
-          </p:cNvSpPr>
-          <p:nvPr>
-            <p:ph idx="1"/>
-          </p:nvPr>
-        </p:nvSpPr>
-        <p:spPr>
-          <a:xfrm>
-            <a:off x="5183188" y="987425"/>
-            <a:ext cx="6172200" cy="4873625"/>
-          </a:xfrm>
-        </p:spPr>
-        <p:txBody>
-          <a:bodyPr/>
-          <a:lstStyle>
-            <a:lvl1pPr>
-              <a:defRPr sz="3200"/>
+              <a:defRPr sz="2800"/>
             </a:lvl1pPr>
             <a:lvl2pPr>
-              <a:defRPr sz="2800"/>
+              <a:defRPr sz="2600"/>
             </a:lvl2pPr>
             <a:lvl3pPr>
               <a:defRPr sz="2400"/>
@@ -1971,127 +2143,50 @@
               <a:defRPr sz="2000"/>
             </a:lvl4pPr>
             <a:lvl5pPr>
-              <a:defRPr sz="2000"/>
+              <a:defRPr sz="1800"/>
             </a:lvl5pPr>
-            <a:lvl6pPr>
-              <a:defRPr sz="2000"/>
-            </a:lvl6pPr>
-            <a:lvl7pPr>
-              <a:defRPr sz="2000"/>
-            </a:lvl7pPr>
-            <a:lvl8pPr>
-              <a:defRPr sz="2000"/>
-            </a:lvl8pPr>
-            <a:lvl9pPr>
-              <a:defRPr sz="2000"/>
-            </a:lvl9pPr>
           </a:lstStyle>
           <a:p>
-            <a:pPr lvl="0"/>
-            <a:r>
-              <a:rPr lang="en-US" smtClean="0"/>
-              <a:t>Click to edit Master text styles</a:t>
-            </a:r>
-          </a:p>
-          <a:p>
-            <a:pPr lvl="1"/>
-            <a:r>
-              <a:rPr lang="en-US" smtClean="0"/>
-              <a:t>Second level</a:t>
-            </a:r>
-          </a:p>
-          <a:p>
-            <a:pPr lvl="2"/>
-            <a:r>
-              <a:rPr lang="en-US" smtClean="0"/>
-              <a:t>Third level</a:t>
-            </a:r>
-          </a:p>
-          <a:p>
-            <a:pPr lvl="3"/>
-            <a:r>
-              <a:rPr lang="en-US" smtClean="0"/>
-              <a:t>Fourth level</a:t>
-            </a:r>
-          </a:p>
-          <a:p>
-            <a:pPr lvl="4"/>
-            <a:r>
-              <a:rPr lang="en-US" smtClean="0"/>
-              <a:t>Fifth level</a:t>
-            </a:r>
-            <a:endParaRPr lang="en-US"/>
-          </a:p>
-        </p:txBody>
-      </p:sp>
-      <p:sp>
-        <p:nvSpPr>
-          <p:cNvPr id="4" name="Text Placeholder 3"/>
-          <p:cNvSpPr>
-            <a:spLocks noGrp="1"/>
-          </p:cNvSpPr>
-          <p:nvPr>
-            <p:ph type="body" sz="half" idx="2"/>
-          </p:nvPr>
-        </p:nvSpPr>
-        <p:spPr>
-          <a:xfrm>
-            <a:off x="839788" y="2057400"/>
-            <a:ext cx="3932237" cy="3811588"/>
-          </a:xfrm>
-        </p:spPr>
-        <p:txBody>
-          <a:bodyPr/>
-          <a:lstStyle>
-            <a:lvl1pPr marL="0" indent="0">
-              <a:buNone/>
-              <a:defRPr sz="1600"/>
-            </a:lvl1pPr>
-            <a:lvl2pPr marL="457200" indent="0">
-              <a:buNone/>
-              <a:defRPr sz="1400"/>
-            </a:lvl2pPr>
-            <a:lvl3pPr marL="914400" indent="0">
-              <a:buNone/>
-              <a:defRPr sz="1200"/>
-            </a:lvl3pPr>
-            <a:lvl4pPr marL="1371600" indent="0">
-              <a:buNone/>
-              <a:defRPr sz="1000"/>
-            </a:lvl4pPr>
-            <a:lvl5pPr marL="1828800" indent="0">
-              <a:buNone/>
-              <a:defRPr sz="1000"/>
-            </a:lvl5pPr>
-            <a:lvl6pPr marL="2286000" indent="0">
-              <a:buNone/>
-              <a:defRPr sz="1000"/>
-            </a:lvl6pPr>
-            <a:lvl7pPr marL="2743200" indent="0">
-              <a:buNone/>
-              <a:defRPr sz="1000"/>
-            </a:lvl7pPr>
-            <a:lvl8pPr marL="3200400" indent="0">
-              <a:buNone/>
-              <a:defRPr sz="1000"/>
-            </a:lvl8pPr>
-            <a:lvl9pPr marL="3657600" indent="0">
-              <a:buNone/>
-              <a:defRPr sz="1000"/>
-            </a:lvl9pPr>
-          </a:lstStyle>
-          <a:p>
-            <a:pPr lvl="0"/>
-            <a:r>
-              <a:rPr lang="en-US" smtClean="0"/>
-              <a:t>Click to edit Master text styles</a:t>
-            </a:r>
-          </a:p>
-        </p:txBody>
-      </p:sp>
-      <p:sp>
-        <p:nvSpPr>
-          <p:cNvPr id="5" name="Date Placeholder 4"/>
+            <a:pPr lvl="0" eaLnBrk="1" latinLnBrk="0" hangingPunct="1"/>
+            <a:r>
+              <a:rPr lang="es-ES" smtClean="0"/>
+              <a:t>Haga clic para modificar el estilo de texto del patrón</a:t>
+            </a:r>
+          </a:p>
+          <a:p>
+            <a:pPr lvl="1" eaLnBrk="1" latinLnBrk="0" hangingPunct="1"/>
+            <a:r>
+              <a:rPr lang="es-ES" smtClean="0"/>
+              <a:t>Segundo nivel</a:t>
+            </a:r>
+          </a:p>
+          <a:p>
+            <a:pPr lvl="2" eaLnBrk="1" latinLnBrk="0" hangingPunct="1"/>
+            <a:r>
+              <a:rPr lang="es-ES" smtClean="0"/>
+              <a:t>Tercer nivel</a:t>
+            </a:r>
+          </a:p>
+          <a:p>
+            <a:pPr lvl="3" eaLnBrk="1" latinLnBrk="0" hangingPunct="1"/>
+            <a:r>
+              <a:rPr lang="es-ES" smtClean="0"/>
+              <a:t>Cuarto nivel</a:t>
+            </a:r>
+          </a:p>
+          <a:p>
+            <a:pPr lvl="4" eaLnBrk="1" latinLnBrk="0" hangingPunct="1"/>
+            <a:r>
+              <a:rPr lang="es-ES" smtClean="0"/>
+              <a:t>Quinto nivel</a:t>
+            </a:r>
+            <a:endParaRPr kumimoji="0" lang="en-US"/>
+          </a:p>
+        </p:txBody>
+      </p:sp>
+      <p:sp>
+        <p:nvSpPr>
+          <p:cNvPr id="5" name="4 Marcador de fecha"/>
           <p:cNvSpPr>
             <a:spLocks noGrp="1"/>
           </p:cNvSpPr>
@@ -2106,7 +2201,8 @@
           <a:p>
             <a:fld id="{C7BBB510-F4E2-4A15-B4EB-B291385A939B}" type="datetimeFigureOut">
               <a:rPr lang="en-US" smtClean="0"/>
-              <a:t>11/18/2015</a:t>
+              <a:pPr/>
+              <a:t>11/20/2015</a:t>
             </a:fld>
             <a:endParaRPr lang="en-US"/>
           </a:p>
@@ -2114,7 +2210,7 @@
       </p:sp>
       <p:sp>
         <p:nvSpPr>
-          <p:cNvPr id="6" name="Footer Placeholder 5"/>
+          <p:cNvPr id="6" name="5 Marcador de pie de página"/>
           <p:cNvSpPr>
             <a:spLocks noGrp="1"/>
           </p:cNvSpPr>
@@ -2133,7 +2229,7 @@
       </p:sp>
       <p:sp>
         <p:nvSpPr>
-          <p:cNvPr id="7" name="Slide Number Placeholder 6"/>
+          <p:cNvPr id="7" name="6 Marcador de número de diapositiva"/>
           <p:cNvSpPr>
             <a:spLocks noGrp="1"/>
           </p:cNvSpPr>
@@ -2148,18 +2244,14 @@
           <a:p>
             <a:fld id="{95FE71BD-180D-477C-9BF4-93F9126C677C}" type="slidenum">
               <a:rPr lang="en-US" smtClean="0"/>
-              <a:t>‹#›</a:t>
+              <a:pPr/>
+              <a:t>‹Nº›</a:t>
             </a:fld>
             <a:endParaRPr lang="en-US"/>
           </a:p>
         </p:txBody>
       </p:sp>
     </p:spTree>
-    <p:extLst>
-      <p:ext uri="{BB962C8B-B14F-4D97-AF65-F5344CB8AC3E}">
-        <p14:creationId xmlns:p14="http://schemas.microsoft.com/office/powerpoint/2010/main" val="670005587"/>
-      </p:ext>
-    </p:extLst>
   </p:cSld>
   <p:clrMapOvr>
     <a:masterClrMapping/>
@@ -2168,8 +2260,8 @@
 </file>
 
 <file path=ppt/slideLayouts/slideLayout9.xml><?xml version="1.0" encoding="utf-8"?>
-<p:sldLayout xmlns:a="http://schemas.openxmlformats.org/drawingml/2006/main" xmlns:r="http://schemas.openxmlformats.org/officeDocument/2006/relationships" xmlns:p="http://schemas.openxmlformats.org/presentationml/2006/main" type="picTx" preserve="1">
-  <p:cSld name="Picture with Caption">
+<p:sldLayout xmlns:a="http://schemas.openxmlformats.org/drawingml/2006/main" xmlns:r="http://schemas.openxmlformats.org/officeDocument/2006/relationships" xmlns:p="http://schemas.openxmlformats.org/presentationml/2006/main" showMasterSp="0" type="picTx" preserve="1">
+  <p:cSld name="Imagen con título">
     <p:spTree>
       <p:nvGrpSpPr>
         <p:cNvPr id="1" name=""/>
@@ -2186,7 +2278,119 @@
       </p:grpSpPr>
       <p:sp>
         <p:nvSpPr>
-          <p:cNvPr id="2" name="Title 1"/>
+          <p:cNvPr id="9" name="8 Recortar y redondear rectángulo de esquina sencilla"/>
+          <p:cNvSpPr/>
+          <p:nvPr/>
+        </p:nvSpPr>
+        <p:spPr>
+          <a:xfrm rot="420000" flipV="1">
+            <a:off x="4221004" y="1108077"/>
+            <a:ext cx="7010400" cy="4114800"/>
+          </a:xfrm>
+          <a:prstGeom prst="snipRoundRect">
+            <a:avLst>
+              <a:gd name="adj1" fmla="val 0"/>
+              <a:gd name="adj2" fmla="val 3646"/>
+            </a:avLst>
+          </a:prstGeom>
+          <a:solidFill>
+            <a:srgbClr val="FFFFFF"/>
+          </a:solidFill>
+          <a:ln w="3175" cap="rnd" cmpd="sng" algn="ctr">
+            <a:solidFill>
+              <a:srgbClr val="C0C0C0"/>
+            </a:solidFill>
+            <a:prstDash val="solid"/>
+          </a:ln>
+          <a:effectLst>
+            <a:outerShdw blurRad="63500" dist="38500" dir="7500000" sx="98500" sy="100080" kx="100000" algn="tl" rotWithShape="0">
+              <a:srgbClr val="000000">
+                <a:alpha val="25000"/>
+              </a:srgbClr>
+            </a:outerShdw>
+          </a:effectLst>
+        </p:spPr>
+        <p:style>
+          <a:lnRef idx="2">
+            <a:schemeClr val="accent1"/>
+          </a:lnRef>
+          <a:fillRef idx="1">
+            <a:schemeClr val="accent1"/>
+          </a:fillRef>
+          <a:effectRef idx="0">
+            <a:schemeClr val="accent1"/>
+          </a:effectRef>
+          <a:fontRef idx="minor">
+            <a:schemeClr val="lt1"/>
+          </a:fontRef>
+        </p:style>
+        <p:txBody>
+          <a:bodyPr rtlCol="0" anchor="ctr"/>
+          <a:lstStyle/>
+          <a:p>
+            <a:pPr algn="ctr" eaLnBrk="1" latinLnBrk="0" hangingPunct="1"/>
+            <a:endParaRPr kumimoji="0" lang="en-US"/>
+          </a:p>
+        </p:txBody>
+      </p:sp>
+      <p:sp>
+        <p:nvSpPr>
+          <p:cNvPr id="12" name="11 Triángulo rectángulo"/>
+          <p:cNvSpPr/>
+          <p:nvPr/>
+        </p:nvSpPr>
+        <p:spPr>
+          <a:xfrm rot="420000" flipV="1">
+            <a:off x="10672179" y="5359769"/>
+            <a:ext cx="207264" cy="155448"/>
+          </a:xfrm>
+          <a:prstGeom prst="rtTriangle">
+            <a:avLst/>
+          </a:prstGeom>
+          <a:solidFill>
+            <a:srgbClr val="FFFFFF"/>
+          </a:solidFill>
+          <a:ln w="12700" cap="flat" cmpd="sng" algn="ctr">
+            <a:solidFill>
+              <a:srgbClr val="FFFFFF"/>
+            </a:solidFill>
+            <a:prstDash val="solid"/>
+            <a:bevel/>
+          </a:ln>
+          <a:effectLst>
+            <a:outerShdw blurRad="19685" dist="6350" dir="12900000" algn="tl" rotWithShape="0">
+              <a:srgbClr val="000000">
+                <a:alpha val="47000"/>
+              </a:srgbClr>
+            </a:outerShdw>
+          </a:effectLst>
+        </p:spPr>
+        <p:style>
+          <a:lnRef idx="2">
+            <a:schemeClr val="accent1"/>
+          </a:lnRef>
+          <a:fillRef idx="1">
+            <a:schemeClr val="accent1"/>
+          </a:fillRef>
+          <a:effectRef idx="0">
+            <a:schemeClr val="accent1"/>
+          </a:effectRef>
+          <a:fontRef idx="minor">
+            <a:schemeClr val="lt1"/>
+          </a:fontRef>
+        </p:style>
+        <p:txBody>
+          <a:bodyPr rtlCol="0" anchor="ctr"/>
+          <a:lstStyle/>
+          <a:p>
+            <a:pPr algn="ctr" eaLnBrk="1" latinLnBrk="0" hangingPunct="1"/>
+            <a:endParaRPr kumimoji="0" lang="en-US"/>
+          </a:p>
+        </p:txBody>
+      </p:sp>
+      <p:sp>
+        <p:nvSpPr>
+          <p:cNvPr id="2" name="1 Título"/>
           <p:cNvSpPr>
             <a:spLocks noGrp="1"/>
           </p:cNvSpPr>
@@ -2196,41 +2400,180 @@
         </p:nvSpPr>
         <p:spPr>
           <a:xfrm>
-            <a:off x="839788" y="457200"/>
-            <a:ext cx="3932237" cy="1600200"/>
+            <a:off x="812800" y="1176997"/>
+            <a:ext cx="2950464" cy="1582621"/>
           </a:xfrm>
         </p:spPr>
         <p:txBody>
-          <a:bodyPr anchor="b"/>
+          <a:bodyPr vert="horz" lIns="45720" tIns="45720" rIns="45720" bIns="45720" anchor="b"/>
           <a:lstStyle>
-            <a:lvl1pPr>
-              <a:defRPr sz="3200"/>
+            <a:lvl1pPr algn="l">
+              <a:buNone/>
+              <a:defRPr sz="2000" b="1">
+                <a:solidFill>
+                  <a:schemeClr val="tx2"/>
+                </a:solidFill>
+              </a:defRPr>
             </a:lvl1pPr>
           </a:lstStyle>
           <a:p>
             <a:r>
-              <a:rPr lang="en-US" smtClean="0"/>
-              <a:t>Click to edit Master title style</a:t>
-            </a:r>
-            <a:endParaRPr lang="en-US"/>
-          </a:p>
-        </p:txBody>
-      </p:sp>
-      <p:sp>
-        <p:nvSpPr>
-          <p:cNvPr id="3" name="Picture Placeholder 2"/>
-          <p:cNvSpPr>
-            <a:spLocks noGrp="1"/>
-          </p:cNvSpPr>
-          <p:nvPr>
-            <p:ph type="pic" idx="1"/>
+              <a:rPr kumimoji="0" lang="es-ES" smtClean="0"/>
+              <a:t>Haga clic para modificar el estilo de título del patrón</a:t>
+            </a:r>
+            <a:endParaRPr kumimoji="0" lang="en-US"/>
+          </a:p>
+        </p:txBody>
+      </p:sp>
+      <p:sp>
+        <p:nvSpPr>
+          <p:cNvPr id="4" name="3 Marcador de texto"/>
+          <p:cNvSpPr>
+            <a:spLocks noGrp="1"/>
+          </p:cNvSpPr>
+          <p:nvPr>
+            <p:ph type="body" sz="half" idx="2"/>
           </p:nvPr>
         </p:nvSpPr>
         <p:spPr>
           <a:xfrm>
-            <a:off x="5183188" y="987425"/>
-            <a:ext cx="6172200" cy="4873625"/>
+            <a:off x="812800" y="2828785"/>
+            <a:ext cx="2946400" cy="2179320"/>
           </a:xfrm>
+        </p:spPr>
+        <p:txBody>
+          <a:bodyPr lIns="64008" rIns="45720" bIns="45720" anchor="t"/>
+          <a:lstStyle>
+            <a:lvl1pPr marL="0" indent="0" algn="l">
+              <a:spcBef>
+                <a:spcPts val="250"/>
+              </a:spcBef>
+              <a:buFontTx/>
+              <a:buNone/>
+              <a:defRPr sz="1300"/>
+            </a:lvl1pPr>
+            <a:lvl2pPr>
+              <a:defRPr sz="1200"/>
+            </a:lvl2pPr>
+            <a:lvl3pPr>
+              <a:defRPr sz="1000"/>
+            </a:lvl3pPr>
+            <a:lvl4pPr>
+              <a:defRPr sz="900"/>
+            </a:lvl4pPr>
+            <a:lvl5pPr>
+              <a:defRPr sz="900"/>
+            </a:lvl5pPr>
+          </a:lstStyle>
+          <a:p>
+            <a:pPr lvl="0" eaLnBrk="1" latinLnBrk="0" hangingPunct="1"/>
+            <a:r>
+              <a:rPr kumimoji="0" lang="es-ES" smtClean="0"/>
+              <a:t>Haga clic para modificar el estilo de texto del patrón</a:t>
+            </a:r>
+          </a:p>
+        </p:txBody>
+      </p:sp>
+      <p:sp>
+        <p:nvSpPr>
+          <p:cNvPr id="5" name="4 Marcador de fecha"/>
+          <p:cNvSpPr>
+            <a:spLocks noGrp="1"/>
+          </p:cNvSpPr>
+          <p:nvPr>
+            <p:ph type="dt" sz="half" idx="10"/>
+          </p:nvPr>
+        </p:nvSpPr>
+        <p:spPr/>
+        <p:txBody>
+          <a:bodyPr/>
+          <a:lstStyle/>
+          <a:p>
+            <a:fld id="{C7BBB510-F4E2-4A15-B4EB-B291385A939B}" type="datetimeFigureOut">
+              <a:rPr lang="en-US" smtClean="0"/>
+              <a:pPr/>
+              <a:t>11/20/2015</a:t>
+            </a:fld>
+            <a:endParaRPr lang="en-US"/>
+          </a:p>
+        </p:txBody>
+      </p:sp>
+      <p:sp>
+        <p:nvSpPr>
+          <p:cNvPr id="6" name="5 Marcador de pie de página"/>
+          <p:cNvSpPr>
+            <a:spLocks noGrp="1"/>
+          </p:cNvSpPr>
+          <p:nvPr>
+            <p:ph type="ftr" sz="quarter" idx="11"/>
+          </p:nvPr>
+        </p:nvSpPr>
+        <p:spPr/>
+        <p:txBody>
+          <a:bodyPr/>
+          <a:lstStyle/>
+          <a:p>
+            <a:endParaRPr lang="en-US"/>
+          </a:p>
+        </p:txBody>
+      </p:sp>
+      <p:sp>
+        <p:nvSpPr>
+          <p:cNvPr id="7" name="6 Marcador de número de diapositiva"/>
+          <p:cNvSpPr>
+            <a:spLocks noGrp="1"/>
+          </p:cNvSpPr>
+          <p:nvPr>
+            <p:ph type="sldNum" sz="quarter" idx="12"/>
+          </p:nvPr>
+        </p:nvSpPr>
+        <p:spPr>
+          <a:xfrm>
+            <a:off x="10769600" y="6356351"/>
+            <a:ext cx="812800" cy="365125"/>
+          </a:xfrm>
+        </p:spPr>
+        <p:txBody>
+          <a:bodyPr/>
+          <a:lstStyle/>
+          <a:p>
+            <a:fld id="{95FE71BD-180D-477C-9BF4-93F9126C677C}" type="slidenum">
+              <a:rPr lang="en-US" smtClean="0"/>
+              <a:pPr/>
+              <a:t>‹Nº›</a:t>
+            </a:fld>
+            <a:endParaRPr lang="en-US"/>
+          </a:p>
+        </p:txBody>
+      </p:sp>
+      <p:sp>
+        <p:nvSpPr>
+          <p:cNvPr id="3" name="2 Marcador de posición de imagen"/>
+          <p:cNvSpPr>
+            <a:spLocks noGrp="1"/>
+          </p:cNvSpPr>
+          <p:nvPr>
+            <p:ph type="pic" idx="1"/>
+          </p:nvPr>
+        </p:nvSpPr>
+        <p:spPr>
+          <a:xfrm rot="420000">
+            <a:off x="4647724" y="1199517"/>
+            <a:ext cx="6156960" cy="3931920"/>
+          </a:xfrm>
+          <a:prstGeom prst="rect">
+            <a:avLst/>
+          </a:prstGeom>
+          <a:solidFill>
+            <a:schemeClr val="bg2"/>
+          </a:solidFill>
+          <a:ln w="3000" cap="rnd">
+            <a:solidFill>
+              <a:srgbClr val="C0C0C0"/>
+            </a:solidFill>
+            <a:round/>
+          </a:ln>
+          <a:effectLst/>
         </p:spPr>
         <p:txBody>
           <a:bodyPr/>
@@ -2239,180 +2582,273 @@
               <a:buNone/>
               <a:defRPr sz="3200"/>
             </a:lvl1pPr>
-            <a:lvl2pPr marL="457200" indent="0">
-              <a:buNone/>
-              <a:defRPr sz="2800"/>
-            </a:lvl2pPr>
-            <a:lvl3pPr marL="914400" indent="0">
-              <a:buNone/>
-              <a:defRPr sz="2400"/>
-            </a:lvl3pPr>
-            <a:lvl4pPr marL="1371600" indent="0">
-              <a:buNone/>
-              <a:defRPr sz="2000"/>
-            </a:lvl4pPr>
-            <a:lvl5pPr marL="1828800" indent="0">
-              <a:buNone/>
-              <a:defRPr sz="2000"/>
-            </a:lvl5pPr>
-            <a:lvl6pPr marL="2286000" indent="0">
-              <a:buNone/>
-              <a:defRPr sz="2000"/>
-            </a:lvl6pPr>
-            <a:lvl7pPr marL="2743200" indent="0">
-              <a:buNone/>
-              <a:defRPr sz="2000"/>
-            </a:lvl7pPr>
-            <a:lvl8pPr marL="3200400" indent="0">
-              <a:buNone/>
-              <a:defRPr sz="2000"/>
-            </a:lvl8pPr>
-            <a:lvl9pPr marL="3657600" indent="0">
-              <a:buNone/>
-              <a:defRPr sz="2000"/>
-            </a:lvl9pPr>
           </a:lstStyle>
           <a:p>
-            <a:endParaRPr lang="en-US"/>
-          </a:p>
-        </p:txBody>
-      </p:sp>
-      <p:sp>
-        <p:nvSpPr>
-          <p:cNvPr id="4" name="Text Placeholder 3"/>
-          <p:cNvSpPr>
-            <a:spLocks noGrp="1"/>
-          </p:cNvSpPr>
-          <p:nvPr>
-            <p:ph type="body" sz="half" idx="2"/>
-          </p:nvPr>
-        </p:nvSpPr>
-        <p:spPr>
-          <a:xfrm>
-            <a:off x="839788" y="2057400"/>
-            <a:ext cx="3932237" cy="3811588"/>
+            <a:r>
+              <a:rPr kumimoji="0" lang="es-ES" smtClean="0"/>
+              <a:t>Haga clic en el icono para agregar una imagen</a:t>
+            </a:r>
+            <a:endParaRPr kumimoji="0" lang="en-US" dirty="0"/>
+          </a:p>
+        </p:txBody>
+      </p:sp>
+      <p:sp>
+        <p:nvSpPr>
+          <p:cNvPr id="10" name="9 Forma libre"/>
+          <p:cNvSpPr>
+            <a:spLocks/>
+          </p:cNvSpPr>
+          <p:nvPr/>
+        </p:nvSpPr>
+        <p:spPr bwMode="auto">
+          <a:xfrm flipV="1">
+            <a:off x="-12700" y="5816600"/>
+            <a:ext cx="12217400" cy="1041400"/>
           </a:xfrm>
+          <a:custGeom>
+            <a:avLst>
+              <a:gd name="A1" fmla="val 0"/>
+              <a:gd name="A2" fmla="val 0"/>
+              <a:gd name="A3" fmla="val 0"/>
+              <a:gd name="A4" fmla="val 0"/>
+              <a:gd name="A5" fmla="val 0"/>
+              <a:gd name="A6" fmla="val 0"/>
+              <a:gd name="A7" fmla="val 0"/>
+              <a:gd name="A8" fmla="val 0"/>
+            </a:avLst>
+            <a:gdLst/>
+            <a:ahLst/>
+            <a:cxnLst>
+              <a:cxn ang="0">
+                <a:pos x="6" y="2"/>
+              </a:cxn>
+              <a:cxn ang="0">
+                <a:pos x="2542" y="0"/>
+              </a:cxn>
+              <a:cxn ang="0">
+                <a:pos x="4374" y="367"/>
+              </a:cxn>
+              <a:cxn ang="0">
+                <a:pos x="5766" y="55"/>
+              </a:cxn>
+              <a:cxn ang="0">
+                <a:pos x="5772" y="213"/>
+              </a:cxn>
+              <a:cxn ang="0">
+                <a:pos x="4302" y="439"/>
+              </a:cxn>
+              <a:cxn ang="0">
+                <a:pos x="1488" y="201"/>
+              </a:cxn>
+              <a:cxn ang="0">
+                <a:pos x="0" y="656"/>
+              </a:cxn>
+              <a:cxn ang="0">
+                <a:pos x="6" y="2"/>
+              </a:cxn>
+            </a:cxnLst>
+            <a:rect l="0" t="0" r="0" b="0"/>
+            <a:pathLst>
+              <a:path w="5772" h="656">
+                <a:moveTo>
+                  <a:pt x="6" y="2"/>
+                </a:moveTo>
+                <a:lnTo>
+                  <a:pt x="2542" y="0"/>
+                </a:lnTo>
+                <a:cubicBezTo>
+                  <a:pt x="2746" y="101"/>
+                  <a:pt x="3828" y="367"/>
+                  <a:pt x="4374" y="367"/>
+                </a:cubicBezTo>
+                <a:cubicBezTo>
+                  <a:pt x="4920" y="367"/>
+                  <a:pt x="5526" y="152"/>
+                  <a:pt x="5766" y="55"/>
+                </a:cubicBezTo>
+                <a:lnTo>
+                  <a:pt x="5772" y="213"/>
+                </a:lnTo>
+                <a:cubicBezTo>
+                  <a:pt x="5670" y="257"/>
+                  <a:pt x="5016" y="441"/>
+                  <a:pt x="4302" y="439"/>
+                </a:cubicBezTo>
+                <a:cubicBezTo>
+                  <a:pt x="3588" y="437"/>
+                  <a:pt x="2205" y="165"/>
+                  <a:pt x="1488" y="201"/>
+                </a:cubicBezTo>
+                <a:cubicBezTo>
+                  <a:pt x="750" y="209"/>
+                  <a:pt x="270" y="482"/>
+                  <a:pt x="0" y="656"/>
+                </a:cubicBezTo>
+                <a:lnTo>
+                  <a:pt x="6" y="2"/>
+                </a:lnTo>
+                <a:close/>
+              </a:path>
+            </a:pathLst>
+          </a:custGeom>
+          <a:gradFill>
+            <a:gsLst>
+              <a:gs pos="0">
+                <a:schemeClr val="accent2">
+                  <a:shade val="50000"/>
+                  <a:alpha val="45000"/>
+                  <a:satMod val="120000"/>
+                </a:schemeClr>
+              </a:gs>
+              <a:gs pos="100000">
+                <a:schemeClr val="accent3">
+                  <a:shade val="80000"/>
+                  <a:alpha val="55000"/>
+                  <a:satMod val="155000"/>
+                </a:schemeClr>
+              </a:gs>
+            </a:gsLst>
+            <a:lin ang="5400000" scaled="1"/>
+          </a:gradFill>
+          <a:ln w="9525" cap="flat" cmpd="sng" algn="ctr">
+            <a:noFill/>
+            <a:prstDash val="solid"/>
+            <a:round/>
+            <a:headEnd type="none" w="med" len="med"/>
+            <a:tailEnd type="none" w="med" len="med"/>
+          </a:ln>
+          <a:effectLst/>
         </p:spPr>
         <p:txBody>
-          <a:bodyPr/>
-          <a:lstStyle>
-            <a:lvl1pPr marL="0" indent="0">
-              <a:buNone/>
-              <a:defRPr sz="1600"/>
-            </a:lvl1pPr>
-            <a:lvl2pPr marL="457200" indent="0">
-              <a:buNone/>
-              <a:defRPr sz="1400"/>
-            </a:lvl2pPr>
-            <a:lvl3pPr marL="914400" indent="0">
-              <a:buNone/>
-              <a:defRPr sz="1200"/>
-            </a:lvl3pPr>
-            <a:lvl4pPr marL="1371600" indent="0">
-              <a:buNone/>
-              <a:defRPr sz="1000"/>
-            </a:lvl4pPr>
-            <a:lvl5pPr marL="1828800" indent="0">
-              <a:buNone/>
-              <a:defRPr sz="1000"/>
-            </a:lvl5pPr>
-            <a:lvl6pPr marL="2286000" indent="0">
-              <a:buNone/>
-              <a:defRPr sz="1000"/>
-            </a:lvl6pPr>
-            <a:lvl7pPr marL="2743200" indent="0">
-              <a:buNone/>
-              <a:defRPr sz="1000"/>
-            </a:lvl7pPr>
-            <a:lvl8pPr marL="3200400" indent="0">
-              <a:buNone/>
-              <a:defRPr sz="1000"/>
-            </a:lvl8pPr>
-            <a:lvl9pPr marL="3657600" indent="0">
-              <a:buNone/>
-              <a:defRPr sz="1000"/>
-            </a:lvl9pPr>
-          </a:lstStyle>
-          <a:p>
-            <a:pPr lvl="0"/>
-            <a:r>
-              <a:rPr lang="en-US" smtClean="0"/>
-              <a:t>Click to edit Master text styles</a:t>
-            </a:r>
-          </a:p>
-        </p:txBody>
-      </p:sp>
-      <p:sp>
-        <p:nvSpPr>
-          <p:cNvPr id="5" name="Date Placeholder 4"/>
-          <p:cNvSpPr>
-            <a:spLocks noGrp="1"/>
-          </p:cNvSpPr>
-          <p:nvPr>
-            <p:ph type="dt" sz="half" idx="10"/>
-          </p:nvPr>
-        </p:nvSpPr>
-        <p:spPr/>
-        <p:txBody>
-          <a:bodyPr/>
-          <a:lstStyle/>
-          <a:p>
-            <a:fld id="{C7BBB510-F4E2-4A15-B4EB-B291385A939B}" type="datetimeFigureOut">
-              <a:rPr lang="en-US" smtClean="0"/>
-              <a:t>11/18/2015</a:t>
-            </a:fld>
-            <a:endParaRPr lang="en-US"/>
-          </a:p>
-        </p:txBody>
-      </p:sp>
-      <p:sp>
-        <p:nvSpPr>
-          <p:cNvPr id="6" name="Footer Placeholder 5"/>
-          <p:cNvSpPr>
-            <a:spLocks noGrp="1"/>
-          </p:cNvSpPr>
-          <p:nvPr>
-            <p:ph type="ftr" sz="quarter" idx="11"/>
-          </p:nvPr>
-        </p:nvSpPr>
-        <p:spPr/>
-        <p:txBody>
-          <a:bodyPr/>
-          <a:lstStyle/>
-          <a:p>
-            <a:endParaRPr lang="en-US"/>
-          </a:p>
-        </p:txBody>
-      </p:sp>
-      <p:sp>
-        <p:nvSpPr>
-          <p:cNvPr id="7" name="Slide Number Placeholder 6"/>
-          <p:cNvSpPr>
-            <a:spLocks noGrp="1"/>
-          </p:cNvSpPr>
-          <p:nvPr>
-            <p:ph type="sldNum" sz="quarter" idx="12"/>
-          </p:nvPr>
-        </p:nvSpPr>
-        <p:spPr/>
-        <p:txBody>
-          <a:bodyPr/>
-          <a:lstStyle/>
-          <a:p>
-            <a:fld id="{95FE71BD-180D-477C-9BF4-93F9126C677C}" type="slidenum">
-              <a:rPr lang="en-US" smtClean="0"/>
-              <a:t>‹#›</a:t>
-            </a:fld>
-            <a:endParaRPr lang="en-US"/>
+          <a:bodyPr vert="horz" wrap="square" lIns="91440" tIns="45720" rIns="91440" bIns="45720" anchor="t" compatLnSpc="1"/>
+          <a:lstStyle/>
+          <a:p>
+            <a:pPr marL="0" algn="l" rtl="0" eaLnBrk="1" latinLnBrk="0" hangingPunct="1"/>
+            <a:endParaRPr kumimoji="0" lang="en-US">
+              <a:solidFill>
+                <a:schemeClr val="tx1"/>
+              </a:solidFill>
+              <a:latin typeface="+mn-lt"/>
+              <a:ea typeface="+mn-ea"/>
+              <a:cs typeface="+mn-cs"/>
+            </a:endParaRPr>
+          </a:p>
+        </p:txBody>
+      </p:sp>
+      <p:sp>
+        <p:nvSpPr>
+          <p:cNvPr id="11" name="10 Forma libre"/>
+          <p:cNvSpPr>
+            <a:spLocks/>
+          </p:cNvSpPr>
+          <p:nvPr/>
+        </p:nvSpPr>
+        <p:spPr bwMode="auto">
+          <a:xfrm flipV="1">
+            <a:off x="5842000" y="6219826"/>
+            <a:ext cx="6350000" cy="638175"/>
+          </a:xfrm>
+          <a:custGeom>
+            <a:avLst>
+              <a:gd name="A1" fmla="val 0"/>
+              <a:gd name="A2" fmla="val 0"/>
+              <a:gd name="A3" fmla="val 0"/>
+              <a:gd name="A4" fmla="val 0"/>
+              <a:gd name="A5" fmla="val 0"/>
+              <a:gd name="A6" fmla="val 0"/>
+              <a:gd name="A7" fmla="val 0"/>
+              <a:gd name="A8" fmla="val 0"/>
+            </a:avLst>
+            <a:gdLst/>
+            <a:ahLst/>
+            <a:cxnLst>
+              <a:cxn ang="0">
+                <a:pos x="0" y="0"/>
+              </a:cxn>
+              <a:cxn ang="0">
+                <a:pos x="1668" y="564"/>
+              </a:cxn>
+              <a:cxn ang="0">
+                <a:pos x="3000" y="186"/>
+              </a:cxn>
+              <a:cxn ang="0">
+                <a:pos x="3000" y="6"/>
+              </a:cxn>
+              <a:cxn ang="0">
+                <a:pos x="0" y="0"/>
+              </a:cxn>
+            </a:cxnLst>
+            <a:rect l="0" t="0" r="0" b="0"/>
+            <a:pathLst>
+              <a:path w="3000" h="595">
+                <a:moveTo>
+                  <a:pt x="0" y="0"/>
+                </a:moveTo>
+                <a:cubicBezTo>
+                  <a:pt x="174" y="102"/>
+                  <a:pt x="1168" y="533"/>
+                  <a:pt x="1668" y="564"/>
+                </a:cubicBezTo>
+                <a:cubicBezTo>
+                  <a:pt x="2168" y="595"/>
+                  <a:pt x="2778" y="279"/>
+                  <a:pt x="3000" y="186"/>
+                </a:cubicBezTo>
+                <a:lnTo>
+                  <a:pt x="3000" y="6"/>
+                </a:lnTo>
+                <a:lnTo>
+                  <a:pt x="0" y="0"/>
+                </a:lnTo>
+                <a:close/>
+              </a:path>
+            </a:pathLst>
+          </a:custGeom>
+          <a:gradFill>
+            <a:gsLst>
+              <a:gs pos="0">
+                <a:schemeClr val="accent3">
+                  <a:shade val="50000"/>
+                  <a:alpha val="30000"/>
+                  <a:satMod val="130000"/>
+                </a:schemeClr>
+              </a:gs>
+              <a:gs pos="80000">
+                <a:schemeClr val="accent2">
+                  <a:shade val="75000"/>
+                  <a:alpha val="45000"/>
+                  <a:satMod val="140000"/>
+                </a:schemeClr>
+              </a:gs>
+            </a:gsLst>
+            <a:lin ang="5400000" scaled="1"/>
+          </a:gradFill>
+          <a:ln w="9525" cap="flat" cmpd="sng" algn="ctr">
+            <a:noFill/>
+            <a:prstDash val="solid"/>
+            <a:round/>
+            <a:headEnd type="none" w="med" len="med"/>
+            <a:tailEnd type="none" w="med" len="med"/>
+          </a:ln>
+          <a:effectLst/>
+        </p:spPr>
+        <p:txBody>
+          <a:bodyPr vert="horz" wrap="square" lIns="91440" tIns="45720" rIns="91440" bIns="45720" anchor="t" compatLnSpc="1"/>
+          <a:lstStyle/>
+          <a:p>
+            <a:pPr marL="0" algn="l" rtl="0" eaLnBrk="1" latinLnBrk="0" hangingPunct="1"/>
+            <a:endParaRPr kumimoji="0" lang="en-US">
+              <a:solidFill>
+                <a:schemeClr val="tx1"/>
+              </a:solidFill>
+              <a:latin typeface="+mn-lt"/>
+              <a:ea typeface="+mn-ea"/>
+              <a:cs typeface="+mn-cs"/>
+            </a:endParaRPr>
           </a:p>
         </p:txBody>
       </p:sp>
     </p:spTree>
-    <p:extLst>
-      <p:ext uri="{BB962C8B-B14F-4D97-AF65-F5344CB8AC3E}">
-        <p14:creationId xmlns:p14="http://schemas.microsoft.com/office/powerpoint/2010/main" val="516942207"/>
-      </p:ext>
-    </p:extLst>
   </p:cSld>
   <p:clrMapOvr>
     <a:masterClrMapping/>
@@ -2424,7 +2860,7 @@
 <p:sldMaster xmlns:a="http://schemas.openxmlformats.org/drawingml/2006/main" xmlns:r="http://schemas.openxmlformats.org/officeDocument/2006/relationships" xmlns:p="http://schemas.openxmlformats.org/presentationml/2006/main">
   <p:cSld>
     <p:bg>
-      <p:bgRef idx="1001">
+      <p:bgRef idx="1003">
         <a:schemeClr val="bg1"/>
       </p:bgRef>
     </p:bg>
@@ -2444,7 +2880,263 @@
       </p:grpSpPr>
       <p:sp>
         <p:nvSpPr>
-          <p:cNvPr id="2" name="Title Placeholder 1"/>
+          <p:cNvPr id="7" name="6 Forma libre"/>
+          <p:cNvSpPr>
+            <a:spLocks/>
+          </p:cNvSpPr>
+          <p:nvPr/>
+        </p:nvSpPr>
+        <p:spPr bwMode="auto">
+          <a:xfrm>
+            <a:off x="-12700" y="-7144"/>
+            <a:ext cx="12217400" cy="1041400"/>
+          </a:xfrm>
+          <a:custGeom>
+            <a:avLst>
+              <a:gd name="A1" fmla="val 0"/>
+              <a:gd name="A2" fmla="val 0"/>
+              <a:gd name="A3" fmla="val 0"/>
+              <a:gd name="A4" fmla="val 0"/>
+              <a:gd name="A5" fmla="val 0"/>
+              <a:gd name="A6" fmla="val 0"/>
+              <a:gd name="A7" fmla="val 0"/>
+              <a:gd name="A8" fmla="val 0"/>
+            </a:avLst>
+            <a:gdLst/>
+            <a:ahLst/>
+            <a:cxnLst>
+              <a:cxn ang="0">
+                <a:pos x="6" y="2"/>
+              </a:cxn>
+              <a:cxn ang="0">
+                <a:pos x="2542" y="0"/>
+              </a:cxn>
+              <a:cxn ang="0">
+                <a:pos x="4374" y="367"/>
+              </a:cxn>
+              <a:cxn ang="0">
+                <a:pos x="5766" y="55"/>
+              </a:cxn>
+              <a:cxn ang="0">
+                <a:pos x="5772" y="213"/>
+              </a:cxn>
+              <a:cxn ang="0">
+                <a:pos x="4302" y="439"/>
+              </a:cxn>
+              <a:cxn ang="0">
+                <a:pos x="1488" y="201"/>
+              </a:cxn>
+              <a:cxn ang="0">
+                <a:pos x="0" y="656"/>
+              </a:cxn>
+              <a:cxn ang="0">
+                <a:pos x="6" y="2"/>
+              </a:cxn>
+            </a:cxnLst>
+            <a:rect l="0" t="0" r="0" b="0"/>
+            <a:pathLst>
+              <a:path w="5772" h="656">
+                <a:moveTo>
+                  <a:pt x="6" y="2"/>
+                </a:moveTo>
+                <a:lnTo>
+                  <a:pt x="2542" y="0"/>
+                </a:lnTo>
+                <a:cubicBezTo>
+                  <a:pt x="2746" y="101"/>
+                  <a:pt x="3828" y="367"/>
+                  <a:pt x="4374" y="367"/>
+                </a:cubicBezTo>
+                <a:cubicBezTo>
+                  <a:pt x="4920" y="367"/>
+                  <a:pt x="5526" y="152"/>
+                  <a:pt x="5766" y="55"/>
+                </a:cubicBezTo>
+                <a:lnTo>
+                  <a:pt x="5772" y="213"/>
+                </a:lnTo>
+                <a:cubicBezTo>
+                  <a:pt x="5670" y="257"/>
+                  <a:pt x="5016" y="441"/>
+                  <a:pt x="4302" y="439"/>
+                </a:cubicBezTo>
+                <a:cubicBezTo>
+                  <a:pt x="3588" y="437"/>
+                  <a:pt x="2205" y="165"/>
+                  <a:pt x="1488" y="201"/>
+                </a:cubicBezTo>
+                <a:cubicBezTo>
+                  <a:pt x="750" y="209"/>
+                  <a:pt x="270" y="482"/>
+                  <a:pt x="0" y="656"/>
+                </a:cubicBezTo>
+                <a:lnTo>
+                  <a:pt x="6" y="2"/>
+                </a:lnTo>
+                <a:close/>
+              </a:path>
+            </a:pathLst>
+          </a:custGeom>
+          <a:gradFill>
+            <a:gsLst>
+              <a:gs pos="0">
+                <a:schemeClr val="accent2">
+                  <a:shade val="50000"/>
+                  <a:alpha val="45000"/>
+                  <a:satMod val="120000"/>
+                </a:schemeClr>
+              </a:gs>
+              <a:gs pos="100000">
+                <a:schemeClr val="accent3">
+                  <a:shade val="80000"/>
+                  <a:alpha val="55000"/>
+                  <a:satMod val="155000"/>
+                </a:schemeClr>
+              </a:gs>
+            </a:gsLst>
+            <a:lin ang="5400000" scaled="1"/>
+          </a:gradFill>
+          <a:ln w="9525" cap="flat" cmpd="sng" algn="ctr">
+            <a:noFill/>
+            <a:prstDash val="solid"/>
+            <a:round/>
+            <a:headEnd type="none" w="med" len="med"/>
+            <a:tailEnd type="none" w="med" len="med"/>
+          </a:ln>
+          <a:effectLst/>
+        </p:spPr>
+        <p:txBody>
+          <a:bodyPr vert="horz" wrap="square" lIns="91440" tIns="45720" rIns="91440" bIns="45720" anchor="t" compatLnSpc="1"/>
+          <a:lstStyle/>
+          <a:p>
+            <a:pPr marL="0" algn="l" rtl="0" eaLnBrk="1" latinLnBrk="0" hangingPunct="1"/>
+            <a:endParaRPr kumimoji="0" lang="en-US">
+              <a:solidFill>
+                <a:schemeClr val="tx1"/>
+              </a:solidFill>
+              <a:latin typeface="+mn-lt"/>
+              <a:ea typeface="+mn-ea"/>
+              <a:cs typeface="+mn-cs"/>
+            </a:endParaRPr>
+          </a:p>
+        </p:txBody>
+      </p:sp>
+      <p:sp>
+        <p:nvSpPr>
+          <p:cNvPr id="8" name="7 Forma libre"/>
+          <p:cNvSpPr>
+            <a:spLocks/>
+          </p:cNvSpPr>
+          <p:nvPr/>
+        </p:nvSpPr>
+        <p:spPr bwMode="auto">
+          <a:xfrm>
+            <a:off x="5842000" y="-7144"/>
+            <a:ext cx="6350000" cy="638175"/>
+          </a:xfrm>
+          <a:custGeom>
+            <a:avLst>
+              <a:gd name="A1" fmla="val 0"/>
+              <a:gd name="A2" fmla="val 0"/>
+              <a:gd name="A3" fmla="val 0"/>
+              <a:gd name="A4" fmla="val 0"/>
+              <a:gd name="A5" fmla="val 0"/>
+              <a:gd name="A6" fmla="val 0"/>
+              <a:gd name="A7" fmla="val 0"/>
+              <a:gd name="A8" fmla="val 0"/>
+            </a:avLst>
+            <a:gdLst/>
+            <a:ahLst/>
+            <a:cxnLst>
+              <a:cxn ang="0">
+                <a:pos x="0" y="0"/>
+              </a:cxn>
+              <a:cxn ang="0">
+                <a:pos x="1668" y="564"/>
+              </a:cxn>
+              <a:cxn ang="0">
+                <a:pos x="3000" y="186"/>
+              </a:cxn>
+              <a:cxn ang="0">
+                <a:pos x="3000" y="6"/>
+              </a:cxn>
+              <a:cxn ang="0">
+                <a:pos x="0" y="0"/>
+              </a:cxn>
+            </a:cxnLst>
+            <a:rect l="0" t="0" r="0" b="0"/>
+            <a:pathLst>
+              <a:path w="3000" h="595">
+                <a:moveTo>
+                  <a:pt x="0" y="0"/>
+                </a:moveTo>
+                <a:cubicBezTo>
+                  <a:pt x="174" y="102"/>
+                  <a:pt x="1168" y="533"/>
+                  <a:pt x="1668" y="564"/>
+                </a:cubicBezTo>
+                <a:cubicBezTo>
+                  <a:pt x="2168" y="595"/>
+                  <a:pt x="2778" y="279"/>
+                  <a:pt x="3000" y="186"/>
+                </a:cubicBezTo>
+                <a:lnTo>
+                  <a:pt x="3000" y="6"/>
+                </a:lnTo>
+                <a:lnTo>
+                  <a:pt x="0" y="0"/>
+                </a:lnTo>
+                <a:close/>
+              </a:path>
+            </a:pathLst>
+          </a:custGeom>
+          <a:gradFill>
+            <a:gsLst>
+              <a:gs pos="0">
+                <a:schemeClr val="accent3">
+                  <a:shade val="50000"/>
+                  <a:alpha val="30000"/>
+                  <a:satMod val="130000"/>
+                </a:schemeClr>
+              </a:gs>
+              <a:gs pos="80000">
+                <a:schemeClr val="accent2">
+                  <a:shade val="75000"/>
+                  <a:alpha val="45000"/>
+                  <a:satMod val="140000"/>
+                </a:schemeClr>
+              </a:gs>
+            </a:gsLst>
+            <a:lin ang="5400000" scaled="1"/>
+          </a:gradFill>
+          <a:ln w="9525" cap="flat" cmpd="sng" algn="ctr">
+            <a:noFill/>
+            <a:prstDash val="solid"/>
+            <a:round/>
+            <a:headEnd type="none" w="med" len="med"/>
+            <a:tailEnd type="none" w="med" len="med"/>
+          </a:ln>
+          <a:effectLst/>
+        </p:spPr>
+        <p:txBody>
+          <a:bodyPr vert="horz" wrap="square" lIns="91440" tIns="45720" rIns="91440" bIns="45720" anchor="t" compatLnSpc="1"/>
+          <a:lstStyle/>
+          <a:p>
+            <a:pPr marL="0" algn="l" rtl="0" eaLnBrk="1" latinLnBrk="0" hangingPunct="1"/>
+            <a:endParaRPr kumimoji="0" lang="en-US">
+              <a:solidFill>
+                <a:schemeClr val="tx1"/>
+              </a:solidFill>
+              <a:latin typeface="+mn-lt"/>
+              <a:ea typeface="+mn-ea"/>
+              <a:cs typeface="+mn-cs"/>
+            </a:endParaRPr>
+          </a:p>
+        </p:txBody>
+      </p:sp>
+      <p:sp>
+        <p:nvSpPr>
+          <p:cNvPr id="9" name="8 Marcador de título"/>
           <p:cNvSpPr>
             <a:spLocks noGrp="1"/>
           </p:cNvSpPr>
@@ -2454,30 +3146,30 @@
         </p:nvSpPr>
         <p:spPr>
           <a:xfrm>
-            <a:off x="838200" y="365125"/>
-            <a:ext cx="10515600" cy="1325563"/>
+            <a:off x="609600" y="704088"/>
+            <a:ext cx="10972800" cy="1143000"/>
           </a:xfrm>
           <a:prstGeom prst="rect">
             <a:avLst/>
           </a:prstGeom>
         </p:spPr>
         <p:txBody>
-          <a:bodyPr vert="horz" lIns="91440" tIns="45720" rIns="91440" bIns="45720" rtlCol="0" anchor="ctr">
+          <a:bodyPr vert="horz" lIns="0" rIns="0" bIns="0" anchor="b">
             <a:normAutofit/>
           </a:bodyPr>
           <a:lstStyle/>
           <a:p>
             <a:r>
-              <a:rPr lang="en-US" smtClean="0"/>
-              <a:t>Click to edit Master title style</a:t>
-            </a:r>
-            <a:endParaRPr lang="en-US"/>
-          </a:p>
-        </p:txBody>
-      </p:sp>
-      <p:sp>
-        <p:nvSpPr>
-          <p:cNvPr id="3" name="Text Placeholder 2"/>
+              <a:rPr kumimoji="0" lang="es-ES" smtClean="0"/>
+              <a:t>Haga clic para modificar el estilo de título del patrón</a:t>
+            </a:r>
+            <a:endParaRPr kumimoji="0" lang="en-US"/>
+          </a:p>
+        </p:txBody>
+      </p:sp>
+      <p:sp>
+        <p:nvSpPr>
+          <p:cNvPr id="30" name="29 Marcador de texto"/>
           <p:cNvSpPr>
             <a:spLocks noGrp="1"/>
           </p:cNvSpPr>
@@ -2487,59 +3179,59 @@
         </p:nvSpPr>
         <p:spPr>
           <a:xfrm>
-            <a:off x="838200" y="1825625"/>
-            <a:ext cx="10515600" cy="4351338"/>
+            <a:off x="609600" y="1935480"/>
+            <a:ext cx="10972800" cy="4389120"/>
           </a:xfrm>
           <a:prstGeom prst="rect">
             <a:avLst/>
           </a:prstGeom>
         </p:spPr>
         <p:txBody>
-          <a:bodyPr vert="horz" lIns="91440" tIns="45720" rIns="91440" bIns="45720" rtlCol="0">
+          <a:bodyPr vert="horz">
             <a:normAutofit/>
           </a:bodyPr>
           <a:lstStyle/>
           <a:p>
-            <a:pPr lvl="0"/>
-            <a:r>
-              <a:rPr lang="en-US" smtClean="0"/>
-              <a:t>Click to edit Master text styles</a:t>
-            </a:r>
-          </a:p>
-          <a:p>
-            <a:pPr lvl="1"/>
-            <a:r>
-              <a:rPr lang="en-US" smtClean="0"/>
-              <a:t>Second level</a:t>
-            </a:r>
-          </a:p>
-          <a:p>
-            <a:pPr lvl="2"/>
-            <a:r>
-              <a:rPr lang="en-US" smtClean="0"/>
-              <a:t>Third level</a:t>
-            </a:r>
-          </a:p>
-          <a:p>
-            <a:pPr lvl="3"/>
-            <a:r>
-              <a:rPr lang="en-US" smtClean="0"/>
-              <a:t>Fourth level</a:t>
-            </a:r>
-          </a:p>
-          <a:p>
-            <a:pPr lvl="4"/>
-            <a:r>
-              <a:rPr lang="en-US" smtClean="0"/>
-              <a:t>Fifth level</a:t>
-            </a:r>
-            <a:endParaRPr lang="en-US"/>
-          </a:p>
-        </p:txBody>
-      </p:sp>
-      <p:sp>
-        <p:nvSpPr>
-          <p:cNvPr id="4" name="Date Placeholder 3"/>
+            <a:pPr lvl="0" eaLnBrk="1" latinLnBrk="0" hangingPunct="1"/>
+            <a:r>
+              <a:rPr kumimoji="0" lang="es-ES" smtClean="0"/>
+              <a:t>Haga clic para modificar el estilo de texto del patrón</a:t>
+            </a:r>
+          </a:p>
+          <a:p>
+            <a:pPr lvl="1" eaLnBrk="1" latinLnBrk="0" hangingPunct="1"/>
+            <a:r>
+              <a:rPr kumimoji="0" lang="es-ES" smtClean="0"/>
+              <a:t>Segundo nivel</a:t>
+            </a:r>
+          </a:p>
+          <a:p>
+            <a:pPr lvl="2" eaLnBrk="1" latinLnBrk="0" hangingPunct="1"/>
+            <a:r>
+              <a:rPr kumimoji="0" lang="es-ES" smtClean="0"/>
+              <a:t>Tercer nivel</a:t>
+            </a:r>
+          </a:p>
+          <a:p>
+            <a:pPr lvl="3" eaLnBrk="1" latinLnBrk="0" hangingPunct="1"/>
+            <a:r>
+              <a:rPr kumimoji="0" lang="es-ES" smtClean="0"/>
+              <a:t>Cuarto nivel</a:t>
+            </a:r>
+          </a:p>
+          <a:p>
+            <a:pPr lvl="4" eaLnBrk="1" latinLnBrk="0" hangingPunct="1"/>
+            <a:r>
+              <a:rPr kumimoji="0" lang="es-ES" smtClean="0"/>
+              <a:t>Quinto nivel</a:t>
+            </a:r>
+            <a:endParaRPr kumimoji="0" lang="en-US"/>
+          </a:p>
+        </p:txBody>
+      </p:sp>
+      <p:sp>
+        <p:nvSpPr>
+          <p:cNvPr id="10" name="9 Marcador de fecha"/>
           <p:cNvSpPr>
             <a:spLocks noGrp="1"/>
           </p:cNvSpPr>
@@ -2549,21 +3241,21 @@
         </p:nvSpPr>
         <p:spPr>
           <a:xfrm>
-            <a:off x="838200" y="6356350"/>
-            <a:ext cx="2743200" cy="365125"/>
+            <a:off x="609600" y="6356351"/>
+            <a:ext cx="2844800" cy="365125"/>
           </a:xfrm>
           <a:prstGeom prst="rect">
             <a:avLst/>
           </a:prstGeom>
         </p:spPr>
         <p:txBody>
-          <a:bodyPr vert="horz" lIns="91440" tIns="45720" rIns="91440" bIns="45720" rtlCol="0" anchor="ctr"/>
+          <a:bodyPr vert="horz" lIns="0" tIns="0" rIns="0" bIns="0" anchor="b"/>
           <a:lstStyle>
-            <a:lvl1pPr algn="l">
-              <a:defRPr sz="1200">
+            <a:lvl1pPr algn="l" eaLnBrk="1" latinLnBrk="0" hangingPunct="1">
+              <a:defRPr kumimoji="0" sz="1200">
                 <a:solidFill>
-                  <a:schemeClr val="tx1">
-                    <a:tint val="75000"/>
+                  <a:schemeClr val="tx2">
+                    <a:shade val="90000"/>
                   </a:schemeClr>
                 </a:solidFill>
               </a:defRPr>
@@ -2572,7 +3264,8 @@
           <a:p>
             <a:fld id="{C7BBB510-F4E2-4A15-B4EB-B291385A939B}" type="datetimeFigureOut">
               <a:rPr lang="en-US" smtClean="0"/>
-              <a:t>11/18/2015</a:t>
+              <a:pPr/>
+              <a:t>11/20/2015</a:t>
             </a:fld>
             <a:endParaRPr lang="en-US"/>
           </a:p>
@@ -2580,7 +3273,7 @@
       </p:sp>
       <p:sp>
         <p:nvSpPr>
-          <p:cNvPr id="5" name="Footer Placeholder 4"/>
+          <p:cNvPr id="22" name="21 Marcador de pie de página"/>
           <p:cNvSpPr>
             <a:spLocks noGrp="1"/>
           </p:cNvSpPr>
@@ -2590,21 +3283,21 @@
         </p:nvSpPr>
         <p:spPr>
           <a:xfrm>
-            <a:off x="4038600" y="6356350"/>
-            <a:ext cx="4114800" cy="365125"/>
+            <a:off x="3556000" y="6356351"/>
+            <a:ext cx="4470400" cy="365125"/>
           </a:xfrm>
           <a:prstGeom prst="rect">
             <a:avLst/>
           </a:prstGeom>
         </p:spPr>
         <p:txBody>
-          <a:bodyPr vert="horz" lIns="91440" tIns="45720" rIns="91440" bIns="45720" rtlCol="0" anchor="ctr"/>
+          <a:bodyPr vert="horz" lIns="0" tIns="0" rIns="0" bIns="0" anchor="b"/>
           <a:lstStyle>
-            <a:lvl1pPr algn="ctr">
-              <a:defRPr sz="1200">
+            <a:lvl1pPr algn="l" eaLnBrk="1" latinLnBrk="0" hangingPunct="1">
+              <a:defRPr kumimoji="0" sz="1200">
                 <a:solidFill>
-                  <a:schemeClr val="tx1">
-                    <a:tint val="75000"/>
+                  <a:schemeClr val="tx2">
+                    <a:shade val="90000"/>
                   </a:schemeClr>
                 </a:solidFill>
               </a:defRPr>
@@ -2617,7 +3310,7 @@
       </p:sp>
       <p:sp>
         <p:nvSpPr>
-          <p:cNvPr id="6" name="Slide Number Placeholder 5"/>
+          <p:cNvPr id="18" name="17 Marcador de número de diapositiva"/>
           <p:cNvSpPr>
             <a:spLocks noGrp="1"/>
           </p:cNvSpPr>
@@ -2627,21 +3320,21 @@
         </p:nvSpPr>
         <p:spPr>
           <a:xfrm>
-            <a:off x="8610600" y="6356350"/>
-            <a:ext cx="2743200" cy="365125"/>
+            <a:off x="10566400" y="6356351"/>
+            <a:ext cx="1016000" cy="365125"/>
           </a:xfrm>
           <a:prstGeom prst="rect">
             <a:avLst/>
           </a:prstGeom>
         </p:spPr>
         <p:txBody>
-          <a:bodyPr vert="horz" lIns="91440" tIns="45720" rIns="91440" bIns="45720" rtlCol="0" anchor="ctr"/>
+          <a:bodyPr vert="horz" lIns="0" tIns="0" rIns="0" bIns="0" anchor="b"/>
           <a:lstStyle>
-            <a:lvl1pPr algn="r">
-              <a:defRPr sz="1200">
+            <a:lvl1pPr algn="r" eaLnBrk="1" latinLnBrk="0" hangingPunct="1">
+              <a:defRPr kumimoji="0" sz="1200">
                 <a:solidFill>
-                  <a:schemeClr val="tx1">
-                    <a:tint val="75000"/>
+                  <a:schemeClr val="tx2">
+                    <a:shade val="90000"/>
                   </a:schemeClr>
                 </a:solidFill>
               </a:defRPr>
@@ -2650,47 +3343,258 @@
           <a:p>
             <a:fld id="{95FE71BD-180D-477C-9BF4-93F9126C677C}" type="slidenum">
               <a:rPr lang="en-US" smtClean="0"/>
-              <a:t>‹#›</a:t>
+              <a:pPr/>
+              <a:t>‹Nº›</a:t>
             </a:fld>
             <a:endParaRPr lang="en-US"/>
           </a:p>
         </p:txBody>
       </p:sp>
+      <p:grpSp>
+        <p:nvGrpSpPr>
+          <p:cNvPr id="2" name="1 Grupo"/>
+          <p:cNvGrpSpPr/>
+          <p:nvPr/>
+        </p:nvGrpSpPr>
+        <p:grpSpPr>
+          <a:xfrm>
+            <a:off x="-25356" y="202408"/>
+            <a:ext cx="12240731" cy="649224"/>
+            <a:chOff x="-19045" y="216550"/>
+            <a:chExt cx="9180548" cy="649224"/>
+          </a:xfrm>
+        </p:grpSpPr>
+        <p:sp>
+          <p:nvSpPr>
+            <p:cNvPr id="12" name="11 Forma libre"/>
+            <p:cNvSpPr>
+              <a:spLocks/>
+            </p:cNvSpPr>
+            <p:nvPr/>
+          </p:nvSpPr>
+          <p:spPr bwMode="auto">
+            <a:xfrm rot="21435692">
+              <a:off x="-19045" y="216550"/>
+              <a:ext cx="9163050" cy="649224"/>
+            </a:xfrm>
+            <a:custGeom>
+              <a:avLst>
+                <a:gd name="A1" fmla="val 0"/>
+                <a:gd name="A2" fmla="val 0"/>
+                <a:gd name="A3" fmla="val 0"/>
+                <a:gd name="A4" fmla="val 0"/>
+                <a:gd name="A5" fmla="val 0"/>
+                <a:gd name="A6" fmla="val 0"/>
+                <a:gd name="A7" fmla="val 0"/>
+                <a:gd name="A8" fmla="val 0"/>
+              </a:avLst>
+              <a:gdLst/>
+              <a:ahLst/>
+              <a:cxnLst>
+                <a:cxn ang="0">
+                  <a:pos x="0" y="966"/>
+                </a:cxn>
+                <a:cxn ang="0">
+                  <a:pos x="1608" y="282"/>
+                </a:cxn>
+                <a:cxn ang="0">
+                  <a:pos x="4110" y="1008"/>
+                </a:cxn>
+                <a:cxn ang="0">
+                  <a:pos x="5772" y="0"/>
+                </a:cxn>
+              </a:cxnLst>
+              <a:rect l="0" t="0" r="0" b="0"/>
+              <a:pathLst>
+                <a:path w="5772" h="1055">
+                  <a:moveTo>
+                    <a:pt x="0" y="966"/>
+                  </a:moveTo>
+                  <a:cubicBezTo>
+                    <a:pt x="282" y="738"/>
+                    <a:pt x="923" y="275"/>
+                    <a:pt x="1608" y="282"/>
+                  </a:cubicBezTo>
+                  <a:cubicBezTo>
+                    <a:pt x="2293" y="289"/>
+                    <a:pt x="3416" y="1055"/>
+                    <a:pt x="4110" y="1008"/>
+                  </a:cubicBezTo>
+                  <a:cubicBezTo>
+                    <a:pt x="4804" y="961"/>
+                    <a:pt x="5426" y="210"/>
+                    <a:pt x="5772" y="0"/>
+                  </a:cubicBezTo>
+                </a:path>
+              </a:pathLst>
+            </a:custGeom>
+            <a:noFill/>
+            <a:ln w="10795" cap="flat" cmpd="sng" algn="ctr">
+              <a:gradFill>
+                <a:gsLst>
+                  <a:gs pos="74000">
+                    <a:schemeClr val="accent3">
+                      <a:shade val="75000"/>
+                    </a:schemeClr>
+                  </a:gs>
+                  <a:gs pos="86000">
+                    <a:schemeClr val="tx1">
+                      <a:alpha val="29000"/>
+                    </a:schemeClr>
+                  </a:gs>
+                  <a:gs pos="16000">
+                    <a:schemeClr val="accent2">
+                      <a:shade val="75000"/>
+                      <a:alpha val="56000"/>
+                    </a:schemeClr>
+                  </a:gs>
+                </a:gsLst>
+                <a:lin ang="5400000" scaled="1"/>
+              </a:gradFill>
+              <a:prstDash val="solid"/>
+              <a:round/>
+              <a:headEnd type="none" w="med" len="med"/>
+              <a:tailEnd type="none" w="med" len="med"/>
+            </a:ln>
+            <a:effectLst/>
+          </p:spPr>
+          <p:txBody>
+            <a:bodyPr vert="horz" wrap="square" lIns="91440" tIns="45720" rIns="91440" bIns="45720" anchor="t" compatLnSpc="1"/>
+            <a:lstStyle/>
+            <a:p>
+              <a:endParaRPr kumimoji="0" lang="en-US"/>
+            </a:p>
+          </p:txBody>
+        </p:sp>
+        <p:sp>
+          <p:nvSpPr>
+            <p:cNvPr id="13" name="12 Forma libre"/>
+            <p:cNvSpPr>
+              <a:spLocks/>
+            </p:cNvSpPr>
+            <p:nvPr/>
+          </p:nvSpPr>
+          <p:spPr bwMode="auto">
+            <a:xfrm rot="21435692">
+              <a:off x="-14309" y="290003"/>
+              <a:ext cx="9175812" cy="530352"/>
+            </a:xfrm>
+            <a:custGeom>
+              <a:avLst>
+                <a:gd name="A1" fmla="val 0"/>
+                <a:gd name="A2" fmla="val 0"/>
+                <a:gd name="A3" fmla="val 0"/>
+                <a:gd name="A4" fmla="val 0"/>
+                <a:gd name="A5" fmla="val 0"/>
+                <a:gd name="A6" fmla="val 0"/>
+                <a:gd name="A7" fmla="val 0"/>
+                <a:gd name="A8" fmla="val 0"/>
+              </a:avLst>
+              <a:gdLst/>
+              <a:ahLst/>
+              <a:cxnLst>
+                <a:cxn ang="0">
+                  <a:pos x="0" y="732"/>
+                </a:cxn>
+                <a:cxn ang="0">
+                  <a:pos x="1638" y="228"/>
+                </a:cxn>
+                <a:cxn ang="0">
+                  <a:pos x="4122" y="816"/>
+                </a:cxn>
+                <a:cxn ang="0">
+                  <a:pos x="5766" y="0"/>
+                </a:cxn>
+              </a:cxnLst>
+              <a:rect l="0" t="0" r="0" b="0"/>
+              <a:pathLst>
+                <a:path w="5766" h="854">
+                  <a:moveTo>
+                    <a:pt x="0" y="732"/>
+                  </a:moveTo>
+                  <a:cubicBezTo>
+                    <a:pt x="273" y="647"/>
+                    <a:pt x="951" y="214"/>
+                    <a:pt x="1638" y="228"/>
+                  </a:cubicBezTo>
+                  <a:cubicBezTo>
+                    <a:pt x="2325" y="242"/>
+                    <a:pt x="3434" y="854"/>
+                    <a:pt x="4122" y="816"/>
+                  </a:cubicBezTo>
+                  <a:cubicBezTo>
+                    <a:pt x="4810" y="778"/>
+                    <a:pt x="5424" y="170"/>
+                    <a:pt x="5766" y="0"/>
+                  </a:cubicBezTo>
+                </a:path>
+              </a:pathLst>
+            </a:custGeom>
+            <a:noFill/>
+            <a:ln w="9525" cap="flat" cmpd="sng" algn="ctr">
+              <a:gradFill>
+                <a:gsLst>
+                  <a:gs pos="74000">
+                    <a:schemeClr val="accent4"/>
+                  </a:gs>
+                  <a:gs pos="44000">
+                    <a:schemeClr val="accent1"/>
+                  </a:gs>
+                  <a:gs pos="33000">
+                    <a:schemeClr val="accent2">
+                      <a:alpha val="56000"/>
+                    </a:schemeClr>
+                  </a:gs>
+                </a:gsLst>
+                <a:lin ang="5400000" scaled="1"/>
+              </a:gradFill>
+              <a:prstDash val="solid"/>
+              <a:round/>
+              <a:headEnd type="none" w="med" len="med"/>
+              <a:tailEnd type="none" w="med" len="med"/>
+            </a:ln>
+            <a:effectLst/>
+          </p:spPr>
+          <p:txBody>
+            <a:bodyPr vert="horz" wrap="square" lIns="91440" tIns="45720" rIns="91440" bIns="45720" anchor="t" compatLnSpc="1"/>
+            <a:lstStyle/>
+            <a:p>
+              <a:endParaRPr kumimoji="0" lang="en-US"/>
+            </a:p>
+          </p:txBody>
+        </p:sp>
+      </p:grpSp>
     </p:spTree>
-    <p:extLst>
-      <p:ext uri="{BB962C8B-B14F-4D97-AF65-F5344CB8AC3E}">
-        <p14:creationId xmlns:p14="http://schemas.microsoft.com/office/powerpoint/2010/main" val="1481962069"/>
-      </p:ext>
-    </p:extLst>
   </p:cSld>
   <p:clrMap bg1="lt1" tx1="dk1" bg2="lt2" tx2="dk2" accent1="accent1" accent2="accent2" accent3="accent3" accent4="accent4" accent5="accent5" accent6="accent6" hlink="hlink" folHlink="folHlink"/>
   <p:sldLayoutIdLst>
-    <p:sldLayoutId id="2147483649" r:id="rId1"/>
-    <p:sldLayoutId id="2147483650" r:id="rId2"/>
-    <p:sldLayoutId id="2147483651" r:id="rId3"/>
-    <p:sldLayoutId id="2147483652" r:id="rId4"/>
-    <p:sldLayoutId id="2147483653" r:id="rId5"/>
-    <p:sldLayoutId id="2147483654" r:id="rId6"/>
-    <p:sldLayoutId id="2147483655" r:id="rId7"/>
-    <p:sldLayoutId id="2147483656" r:id="rId8"/>
-    <p:sldLayoutId id="2147483657" r:id="rId9"/>
-    <p:sldLayoutId id="2147483658" r:id="rId10"/>
-    <p:sldLayoutId id="2147483659" r:id="rId11"/>
+    <p:sldLayoutId id="2147483661" r:id="rId1"/>
+    <p:sldLayoutId id="2147483662" r:id="rId2"/>
+    <p:sldLayoutId id="2147483663" r:id="rId3"/>
+    <p:sldLayoutId id="2147483664" r:id="rId4"/>
+    <p:sldLayoutId id="2147483665" r:id="rId5"/>
+    <p:sldLayoutId id="2147483666" r:id="rId6"/>
+    <p:sldLayoutId id="2147483667" r:id="rId7"/>
+    <p:sldLayoutId id="2147483668" r:id="rId8"/>
+    <p:sldLayoutId id="2147483669" r:id="rId9"/>
+    <p:sldLayoutId id="2147483670" r:id="rId10"/>
+    <p:sldLayoutId id="2147483671" r:id="rId11"/>
   </p:sldLayoutIdLst>
   <p:txStyles>
     <p:titleStyle>
-      <a:lvl1pPr algn="l" defTabSz="914400" rtl="0" eaLnBrk="1" latinLnBrk="0" hangingPunct="1">
-        <a:lnSpc>
-          <a:spcPct val="90000"/>
-        </a:lnSpc>
+      <a:lvl1pPr algn="l" rtl="0" eaLnBrk="1" latinLnBrk="0" hangingPunct="1">
         <a:spcBef>
           <a:spcPct val="0"/>
         </a:spcBef>
         <a:buNone/>
-        <a:defRPr sz="4400" kern="1200">
+        <a:defRPr kumimoji="0" sz="5000" b="0" kern="1200">
+          <a:ln>
+            <a:noFill/>
+          </a:ln>
           <a:solidFill>
-            <a:schemeClr val="tx1"/>
+            <a:schemeClr val="tx2"/>
           </a:solidFill>
+          <a:effectLst/>
           <a:latin typeface="+mj-lt"/>
           <a:ea typeface="+mj-ea"/>
           <a:cs typeface="+mj-cs"/>
@@ -2698,16 +3602,17 @@
       </a:lvl1pPr>
     </p:titleStyle>
     <p:bodyStyle>
-      <a:lvl1pPr marL="228600" indent="-228600" algn="l" defTabSz="914400" rtl="0" eaLnBrk="1" latinLnBrk="0" hangingPunct="1">
-        <a:lnSpc>
-          <a:spcPct val="90000"/>
-        </a:lnSpc>
+      <a:lvl1pPr marL="274320" indent="-274320" algn="l" rtl="0" eaLnBrk="1" latinLnBrk="0" hangingPunct="1">
         <a:spcBef>
-          <a:spcPts val="1000"/>
+          <a:spcPct val="20000"/>
         </a:spcBef>
-        <a:buFont typeface="Arial" panose="020B0604020202020204" pitchFamily="34" charset="0"/>
-        <a:buChar char="•"/>
-        <a:defRPr sz="2800" kern="1200">
+        <a:buClr>
+          <a:schemeClr val="accent3"/>
+        </a:buClr>
+        <a:buSzPct val="95000"/>
+        <a:buFont typeface="Wingdings 2"/>
+        <a:buChar char=""/>
+        <a:defRPr kumimoji="0" sz="2600" kern="1200">
           <a:solidFill>
             <a:schemeClr val="tx1"/>
           </a:solidFill>
@@ -2716,16 +3621,17 @@
           <a:cs typeface="+mn-cs"/>
         </a:defRPr>
       </a:lvl1pPr>
-      <a:lvl2pPr marL="685800" indent="-228600" algn="l" defTabSz="914400" rtl="0" eaLnBrk="1" latinLnBrk="0" hangingPunct="1">
-        <a:lnSpc>
-          <a:spcPct val="90000"/>
-        </a:lnSpc>
+      <a:lvl2pPr marL="640080" indent="-246888" algn="l" rtl="0" eaLnBrk="1" latinLnBrk="0" hangingPunct="1">
         <a:spcBef>
-          <a:spcPts val="500"/>
+          <a:spcPct val="20000"/>
         </a:spcBef>
-        <a:buFont typeface="Arial" panose="020B0604020202020204" pitchFamily="34" charset="0"/>
-        <a:buChar char="•"/>
-        <a:defRPr sz="2400" kern="1200">
+        <a:buClr>
+          <a:schemeClr val="accent1"/>
+        </a:buClr>
+        <a:buSzPct val="85000"/>
+        <a:buFont typeface="Wingdings 2"/>
+        <a:buChar char=""/>
+        <a:defRPr kumimoji="0" sz="2400" kern="1200">
           <a:solidFill>
             <a:schemeClr val="tx1"/>
           </a:solidFill>
@@ -2734,16 +3640,17 @@
           <a:cs typeface="+mn-cs"/>
         </a:defRPr>
       </a:lvl2pPr>
-      <a:lvl3pPr marL="1143000" indent="-228600" algn="l" defTabSz="914400" rtl="0" eaLnBrk="1" latinLnBrk="0" hangingPunct="1">
-        <a:lnSpc>
-          <a:spcPct val="90000"/>
-        </a:lnSpc>
+      <a:lvl3pPr marL="914400" indent="-246888" algn="l" rtl="0" eaLnBrk="1" latinLnBrk="0" hangingPunct="1">
         <a:spcBef>
-          <a:spcPts val="500"/>
+          <a:spcPct val="20000"/>
         </a:spcBef>
-        <a:buFont typeface="Arial" panose="020B0604020202020204" pitchFamily="34" charset="0"/>
-        <a:buChar char="•"/>
-        <a:defRPr sz="2000" kern="1200">
+        <a:buClr>
+          <a:schemeClr val="accent2"/>
+        </a:buClr>
+        <a:buSzPct val="70000"/>
+        <a:buFont typeface="Wingdings 2"/>
+        <a:buChar char=""/>
+        <a:defRPr kumimoji="0" sz="2100" kern="1200">
           <a:solidFill>
             <a:schemeClr val="tx1"/>
           </a:solidFill>
@@ -2752,16 +3659,17 @@
           <a:cs typeface="+mn-cs"/>
         </a:defRPr>
       </a:lvl3pPr>
-      <a:lvl4pPr marL="1600200" indent="-228600" algn="l" defTabSz="914400" rtl="0" eaLnBrk="1" latinLnBrk="0" hangingPunct="1">
-        <a:lnSpc>
-          <a:spcPct val="90000"/>
-        </a:lnSpc>
+      <a:lvl4pPr marL="1188720" indent="-210312" algn="l" rtl="0" eaLnBrk="1" latinLnBrk="0" hangingPunct="1">
         <a:spcBef>
-          <a:spcPts val="500"/>
+          <a:spcPct val="20000"/>
         </a:spcBef>
-        <a:buFont typeface="Arial" panose="020B0604020202020204" pitchFamily="34" charset="0"/>
-        <a:buChar char="•"/>
-        <a:defRPr sz="1800" kern="1200">
+        <a:buClr>
+          <a:schemeClr val="accent3"/>
+        </a:buClr>
+        <a:buSzPct val="65000"/>
+        <a:buFont typeface="Wingdings 2"/>
+        <a:buChar char=""/>
+        <a:defRPr kumimoji="0" sz="2000" kern="1200">
           <a:solidFill>
             <a:schemeClr val="tx1"/>
           </a:solidFill>
@@ -2770,16 +3678,17 @@
           <a:cs typeface="+mn-cs"/>
         </a:defRPr>
       </a:lvl4pPr>
-      <a:lvl5pPr marL="2057400" indent="-228600" algn="l" defTabSz="914400" rtl="0" eaLnBrk="1" latinLnBrk="0" hangingPunct="1">
-        <a:lnSpc>
-          <a:spcPct val="90000"/>
-        </a:lnSpc>
+      <a:lvl5pPr marL="1463040" indent="-210312" algn="l" rtl="0" eaLnBrk="1" latinLnBrk="0" hangingPunct="1">
         <a:spcBef>
-          <a:spcPts val="500"/>
+          <a:spcPct val="20000"/>
         </a:spcBef>
-        <a:buFont typeface="Arial" panose="020B0604020202020204" pitchFamily="34" charset="0"/>
-        <a:buChar char="•"/>
-        <a:defRPr sz="1800" kern="1200">
+        <a:buClr>
+          <a:schemeClr val="accent4"/>
+        </a:buClr>
+        <a:buSzPct val="65000"/>
+        <a:buFont typeface="Wingdings 2"/>
+        <a:buChar char=""/>
+        <a:defRPr kumimoji="0" sz="2000" kern="1200">
           <a:solidFill>
             <a:schemeClr val="tx1"/>
           </a:solidFill>
@@ -2788,16 +3697,17 @@
           <a:cs typeface="+mn-cs"/>
         </a:defRPr>
       </a:lvl5pPr>
-      <a:lvl6pPr marL="2514600" indent="-228600" algn="l" defTabSz="914400" rtl="0" eaLnBrk="1" latinLnBrk="0" hangingPunct="1">
-        <a:lnSpc>
-          <a:spcPct val="90000"/>
-        </a:lnSpc>
+      <a:lvl6pPr marL="1737360" indent="-210312" algn="l" rtl="0" eaLnBrk="1" latinLnBrk="0" hangingPunct="1">
         <a:spcBef>
-          <a:spcPts val="500"/>
+          <a:spcPct val="20000"/>
         </a:spcBef>
-        <a:buFont typeface="Arial" panose="020B0604020202020204" pitchFamily="34" charset="0"/>
-        <a:buChar char="•"/>
-        <a:defRPr sz="1800" kern="1200">
+        <a:buClr>
+          <a:schemeClr val="accent5"/>
+        </a:buClr>
+        <a:buSzPct val="80000"/>
+        <a:buFont typeface="Wingdings 2"/>
+        <a:buChar char=""/>
+        <a:defRPr kumimoji="0" sz="1800" kern="1200">
           <a:solidFill>
             <a:schemeClr val="tx1"/>
           </a:solidFill>
@@ -2806,16 +3716,17 @@
           <a:cs typeface="+mn-cs"/>
         </a:defRPr>
       </a:lvl6pPr>
-      <a:lvl7pPr marL="2971800" indent="-228600" algn="l" defTabSz="914400" rtl="0" eaLnBrk="1" latinLnBrk="0" hangingPunct="1">
-        <a:lnSpc>
-          <a:spcPct val="90000"/>
-        </a:lnSpc>
+      <a:lvl7pPr marL="1920240" indent="-182880" algn="l" rtl="0" eaLnBrk="1" latinLnBrk="0" hangingPunct="1">
         <a:spcBef>
-          <a:spcPts val="500"/>
+          <a:spcPct val="20000"/>
         </a:spcBef>
-        <a:buFont typeface="Arial" panose="020B0604020202020204" pitchFamily="34" charset="0"/>
-        <a:buChar char="•"/>
-        <a:defRPr sz="1800" kern="1200">
+        <a:buClr>
+          <a:schemeClr val="accent6"/>
+        </a:buClr>
+        <a:buSzPct val="80000"/>
+        <a:buFont typeface="Wingdings 2"/>
+        <a:buChar char=""/>
+        <a:defRPr kumimoji="0" sz="1600" kern="1200" baseline="0">
           <a:solidFill>
             <a:schemeClr val="tx1"/>
           </a:solidFill>
@@ -2824,16 +3735,15 @@
           <a:cs typeface="+mn-cs"/>
         </a:defRPr>
       </a:lvl7pPr>
-      <a:lvl8pPr marL="3429000" indent="-228600" algn="l" defTabSz="914400" rtl="0" eaLnBrk="1" latinLnBrk="0" hangingPunct="1">
-        <a:lnSpc>
-          <a:spcPct val="90000"/>
-        </a:lnSpc>
+      <a:lvl8pPr marL="2194560" indent="-182880" algn="l" rtl="0" eaLnBrk="1" latinLnBrk="0" hangingPunct="1">
         <a:spcBef>
-          <a:spcPts val="500"/>
+          <a:spcPct val="20000"/>
         </a:spcBef>
-        <a:buFont typeface="Arial" panose="020B0604020202020204" pitchFamily="34" charset="0"/>
+        <a:buClr>
+          <a:schemeClr val="tx2"/>
+        </a:buClr>
         <a:buChar char="•"/>
-        <a:defRPr sz="1800" kern="1200">
+        <a:defRPr kumimoji="0" sz="1600" kern="1200">
           <a:solidFill>
             <a:schemeClr val="tx1"/>
           </a:solidFill>
@@ -2842,16 +3752,16 @@
           <a:cs typeface="+mn-cs"/>
         </a:defRPr>
       </a:lvl8pPr>
-      <a:lvl9pPr marL="3886200" indent="-228600" algn="l" defTabSz="914400" rtl="0" eaLnBrk="1" latinLnBrk="0" hangingPunct="1">
-        <a:lnSpc>
-          <a:spcPct val="90000"/>
-        </a:lnSpc>
+      <a:lvl9pPr marL="2468880" indent="-182880" algn="l" rtl="0" eaLnBrk="1" latinLnBrk="0" hangingPunct="1">
         <a:spcBef>
-          <a:spcPts val="500"/>
+          <a:spcPct val="20000"/>
         </a:spcBef>
-        <a:buFont typeface="Arial" panose="020B0604020202020204" pitchFamily="34" charset="0"/>
+        <a:buClr>
+          <a:schemeClr val="tx2"/>
+        </a:buClr>
+        <a:buFontTx/>
         <a:buChar char="•"/>
-        <a:defRPr sz="1800" kern="1200">
+        <a:defRPr kumimoji="0" sz="1400" kern="1200" baseline="0">
           <a:solidFill>
             <a:schemeClr val="tx1"/>
           </a:solidFill>
@@ -2862,11 +3772,8 @@
       </a:lvl9pPr>
     </p:bodyStyle>
     <p:otherStyle>
-      <a:defPPr>
-        <a:defRPr lang="en-US"/>
-      </a:defPPr>
-      <a:lvl1pPr marL="0" algn="l" defTabSz="914400" rtl="0" eaLnBrk="1" latinLnBrk="0" hangingPunct="1">
-        <a:defRPr sz="1800" kern="1200">
+      <a:lvl1pPr marL="0" algn="l" rtl="0" eaLnBrk="1" latinLnBrk="0" hangingPunct="1">
+        <a:defRPr kumimoji="0" kern="1200">
           <a:solidFill>
             <a:schemeClr val="tx1"/>
           </a:solidFill>
@@ -2875,8 +3782,8 @@
           <a:cs typeface="+mn-cs"/>
         </a:defRPr>
       </a:lvl1pPr>
-      <a:lvl2pPr marL="457200" algn="l" defTabSz="914400" rtl="0" eaLnBrk="1" latinLnBrk="0" hangingPunct="1">
-        <a:defRPr sz="1800" kern="1200">
+      <a:lvl2pPr marL="457200" algn="l" rtl="0" eaLnBrk="1" latinLnBrk="0" hangingPunct="1">
+        <a:defRPr kumimoji="0" kern="1200">
           <a:solidFill>
             <a:schemeClr val="tx1"/>
           </a:solidFill>
@@ -2885,8 +3792,8 @@
           <a:cs typeface="+mn-cs"/>
         </a:defRPr>
       </a:lvl2pPr>
-      <a:lvl3pPr marL="914400" algn="l" defTabSz="914400" rtl="0" eaLnBrk="1" latinLnBrk="0" hangingPunct="1">
-        <a:defRPr sz="1800" kern="1200">
+      <a:lvl3pPr marL="914400" algn="l" rtl="0" eaLnBrk="1" latinLnBrk="0" hangingPunct="1">
+        <a:defRPr kumimoji="0" kern="1200">
           <a:solidFill>
             <a:schemeClr val="tx1"/>
           </a:solidFill>
@@ -2895,8 +3802,8 @@
           <a:cs typeface="+mn-cs"/>
         </a:defRPr>
       </a:lvl3pPr>
-      <a:lvl4pPr marL="1371600" algn="l" defTabSz="914400" rtl="0" eaLnBrk="1" latinLnBrk="0" hangingPunct="1">
-        <a:defRPr sz="1800" kern="1200">
+      <a:lvl4pPr marL="1371600" algn="l" rtl="0" eaLnBrk="1" latinLnBrk="0" hangingPunct="1">
+        <a:defRPr kumimoji="0" kern="1200">
           <a:solidFill>
             <a:schemeClr val="tx1"/>
           </a:solidFill>
@@ -2905,8 +3812,8 @@
           <a:cs typeface="+mn-cs"/>
         </a:defRPr>
       </a:lvl4pPr>
-      <a:lvl5pPr marL="1828800" algn="l" defTabSz="914400" rtl="0" eaLnBrk="1" latinLnBrk="0" hangingPunct="1">
-        <a:defRPr sz="1800" kern="1200">
+      <a:lvl5pPr marL="1828800" algn="l" rtl="0" eaLnBrk="1" latinLnBrk="0" hangingPunct="1">
+        <a:defRPr kumimoji="0" kern="1200">
           <a:solidFill>
             <a:schemeClr val="tx1"/>
           </a:solidFill>
@@ -2915,8 +3822,8 @@
           <a:cs typeface="+mn-cs"/>
         </a:defRPr>
       </a:lvl5pPr>
-      <a:lvl6pPr marL="2286000" algn="l" defTabSz="914400" rtl="0" eaLnBrk="1" latinLnBrk="0" hangingPunct="1">
-        <a:defRPr sz="1800" kern="1200">
+      <a:lvl6pPr marL="2286000" algn="l" rtl="0" eaLnBrk="1" latinLnBrk="0" hangingPunct="1">
+        <a:defRPr kumimoji="0" kern="1200">
           <a:solidFill>
             <a:schemeClr val="tx1"/>
           </a:solidFill>
@@ -2925,8 +3832,8 @@
           <a:cs typeface="+mn-cs"/>
         </a:defRPr>
       </a:lvl6pPr>
-      <a:lvl7pPr marL="2743200" algn="l" defTabSz="914400" rtl="0" eaLnBrk="1" latinLnBrk="0" hangingPunct="1">
-        <a:defRPr sz="1800" kern="1200">
+      <a:lvl7pPr marL="2743200" algn="l" rtl="0" eaLnBrk="1" latinLnBrk="0" hangingPunct="1">
+        <a:defRPr kumimoji="0" kern="1200">
           <a:solidFill>
             <a:schemeClr val="tx1"/>
           </a:solidFill>
@@ -2935,8 +3842,8 @@
           <a:cs typeface="+mn-cs"/>
         </a:defRPr>
       </a:lvl7pPr>
-      <a:lvl8pPr marL="3200400" algn="l" defTabSz="914400" rtl="0" eaLnBrk="1" latinLnBrk="0" hangingPunct="1">
-        <a:defRPr sz="1800" kern="1200">
+      <a:lvl8pPr marL="3200400" algn="l" rtl="0" eaLnBrk="1" latinLnBrk="0" hangingPunct="1">
+        <a:defRPr kumimoji="0" kern="1200">
           <a:solidFill>
             <a:schemeClr val="tx1"/>
           </a:solidFill>
@@ -2945,8 +3852,8 @@
           <a:cs typeface="+mn-cs"/>
         </a:defRPr>
       </a:lvl8pPr>
-      <a:lvl9pPr marL="3657600" algn="l" defTabSz="914400" rtl="0" eaLnBrk="1" latinLnBrk="0" hangingPunct="1">
-        <a:defRPr sz="1800" kern="1200">
+      <a:lvl9pPr marL="3657600" algn="l" rtl="0" eaLnBrk="1" latinLnBrk="0" hangingPunct="1">
+        <a:defRPr kumimoji="0" kern="1200">
           <a:solidFill>
             <a:schemeClr val="tx1"/>
           </a:solidFill>
@@ -3024,10 +3931,10 @@
           <p:nvPr/>
         </p:nvPicPr>
         <p:blipFill>
-          <a:blip r:embed="rId2">
+          <a:blip r:embed="rId2" cstate="print">
             <a:extLst>
               <a:ext uri="{28A0092B-C50C-407E-A947-70E740481C1C}">
-                <a14:useLocalDpi xmlns:a14="http://schemas.microsoft.com/office/drawing/2010/main" val="0"/>
+                <a14:useLocalDpi xmlns="" xmlns:a14="http://schemas.microsoft.com/office/drawing/2010/main" val="0"/>
               </a:ext>
             </a:extLst>
           </a:blip>
@@ -3048,13 +3955,20 @@
     </p:spTree>
     <p:extLst>
       <p:ext uri="{BB962C8B-B14F-4D97-AF65-F5344CB8AC3E}">
-        <p14:creationId xmlns:p14="http://schemas.microsoft.com/office/powerpoint/2010/main" val="3127336890"/>
+        <p14:creationId xmlns="" xmlns:p14="http://schemas.microsoft.com/office/powerpoint/2010/main" val="3127336890"/>
       </p:ext>
     </p:extLst>
   </p:cSld>
   <p:clrMapOvr>
     <a:masterClrMapping/>
   </p:clrMapOvr>
+  <p:timing>
+    <p:tnLst>
+      <p:par>
+        <p:cTn id="1" dur="indefinite" restart="never" nodeType="tmRoot"/>
+      </p:par>
+    </p:tnLst>
+  </p:timing>
 </p:sld>
 </file>
 
@@ -3136,13 +4050,20 @@
     </p:spTree>
     <p:extLst>
       <p:ext uri="{BB962C8B-B14F-4D97-AF65-F5344CB8AC3E}">
-        <p14:creationId xmlns:p14="http://schemas.microsoft.com/office/powerpoint/2010/main" val="2631337924"/>
+        <p14:creationId xmlns="" xmlns:p14="http://schemas.microsoft.com/office/powerpoint/2010/main" val="2631337924"/>
       </p:ext>
     </p:extLst>
   </p:cSld>
   <p:clrMapOvr>
     <a:masterClrMapping/>
   </p:clrMapOvr>
+  <p:timing>
+    <p:tnLst>
+      <p:par>
+        <p:cTn id="1" dur="indefinite" restart="never" nodeType="tmRoot"/>
+      </p:par>
+    </p:tnLst>
+  </p:timing>
 </p:sld>
 </file>
 
@@ -3180,7 +4101,11 @@
           <a:p>
             <a:r>
               <a:rPr lang="en-US" dirty="0" smtClean="0"/>
-              <a:t>WUT?  Inspired From:</a:t>
+              <a:t>What is WUT?</a:t>
+            </a:r>
+            <a:r>
+              <a:rPr lang="en-US" dirty="0" smtClean="0"/>
+              <a:t>:</a:t>
             </a:r>
             <a:endParaRPr lang="en-US" sz="2400" dirty="0"/>
           </a:p>
@@ -3203,22 +4128,59 @@
           <a:p>
             <a:r>
               <a:rPr lang="en-US" dirty="0" smtClean="0"/>
-              <a:t>Apples to Apples and Cards Against Humanity</a:t>
+              <a:t>WUT is an opinion trivia game where there is no right or wrong answer</a:t>
             </a:r>
             <a:endParaRPr lang="en-US" dirty="0"/>
+          </a:p>
+          <a:p>
+            <a:r>
+              <a:rPr lang="en-US" dirty="0" smtClean="0"/>
+              <a:t>It is inspired by games like “Apples to Apples” and “Cards Against humanity”</a:t>
+            </a:r>
+          </a:p>
+          <a:p>
+            <a:r>
+              <a:rPr lang="en-US" dirty="0" smtClean="0"/>
+              <a:t>3 -5 players</a:t>
+            </a:r>
+          </a:p>
+          <a:p>
+            <a:r>
+              <a:rPr lang="en-US" dirty="0" smtClean="0"/>
+              <a:t>Make your own crazy questions!!</a:t>
+            </a:r>
+          </a:p>
+          <a:p>
+            <a:r>
+              <a:rPr lang="en-US" dirty="0" smtClean="0"/>
+              <a:t>Choose an even crazier answer!!</a:t>
+            </a:r>
+          </a:p>
+          <a:p>
+            <a:pPr>
+              <a:buNone/>
+            </a:pPr>
+            <a:endParaRPr lang="en-US" dirty="0" smtClean="0"/>
           </a:p>
         </p:txBody>
       </p:sp>
     </p:spTree>
     <p:extLst>
       <p:ext uri="{BB962C8B-B14F-4D97-AF65-F5344CB8AC3E}">
-        <p14:creationId xmlns:p14="http://schemas.microsoft.com/office/powerpoint/2010/main" val="3136779298"/>
+        <p14:creationId xmlns="" xmlns:p14="http://schemas.microsoft.com/office/powerpoint/2010/main" val="3136779298"/>
       </p:ext>
     </p:extLst>
   </p:cSld>
   <p:clrMapOvr>
     <a:masterClrMapping/>
   </p:clrMapOvr>
+  <p:timing>
+    <p:tnLst>
+      <p:par>
+        <p:cTn id="1" dur="indefinite" restart="never" nodeType="tmRoot"/>
+      </p:par>
+    </p:tnLst>
+  </p:timing>
 </p:sld>
 </file>
 
@@ -3241,7 +4203,7 @@
       </p:grpSpPr>
       <p:sp>
         <p:nvSpPr>
-          <p:cNvPr id="4" name="Title 3"/>
+          <p:cNvPr id="2" name="1 Título"/>
           <p:cNvSpPr>
             <a:spLocks noGrp="1"/>
           </p:cNvSpPr>
@@ -3254,13 +4216,37 @@
           <a:bodyPr/>
           <a:lstStyle/>
           <a:p>
-            <a:endParaRPr lang="en-US"/>
-          </a:p>
-        </p:txBody>
-      </p:sp>
-      <p:sp>
-        <p:nvSpPr>
-          <p:cNvPr id="5" name="Content Placeholder 4"/>
+            <a:r>
+              <a:rPr lang="es-ES" dirty="0" err="1" smtClean="0"/>
+              <a:t>How</a:t>
+            </a:r>
+            <a:r>
+              <a:rPr lang="es-ES" dirty="0" smtClean="0"/>
+              <a:t> </a:t>
+            </a:r>
+            <a:r>
+              <a:rPr lang="es-ES" dirty="0" err="1" smtClean="0"/>
+              <a:t>does</a:t>
+            </a:r>
+            <a:r>
+              <a:rPr lang="es-ES" dirty="0" smtClean="0"/>
+              <a:t> WUT </a:t>
+            </a:r>
+            <a:r>
+              <a:rPr lang="es-ES" dirty="0" err="1" smtClean="0"/>
+              <a:t>work</a:t>
+            </a:r>
+            <a:r>
+              <a:rPr lang="es-ES" dirty="0" smtClean="0"/>
+              <a:t>?</a:t>
+            </a:r>
+            <a:endParaRPr lang="es-ES" dirty="0"/>
+          </a:p>
+        </p:txBody>
+      </p:sp>
+      <p:sp>
+        <p:nvSpPr>
+          <p:cNvPr id="3" name="2 Marcador de contenido"/>
           <p:cNvSpPr>
             <a:spLocks noGrp="1"/>
           </p:cNvSpPr>
@@ -3273,35 +4259,11 @@
           <a:bodyPr/>
           <a:lstStyle/>
           <a:p>
-            <a:endParaRPr lang="en-US"/>
-          </a:p>
-        </p:txBody>
-      </p:sp>
-      <p:sp>
-        <p:nvSpPr>
-          <p:cNvPr id="6" name="Text Placeholder 5"/>
-          <p:cNvSpPr>
-            <a:spLocks noGrp="1"/>
-          </p:cNvSpPr>
-          <p:nvPr>
-            <p:ph type="body" sz="half" idx="2"/>
-          </p:nvPr>
-        </p:nvSpPr>
-        <p:spPr/>
-        <p:txBody>
-          <a:bodyPr/>
-          <a:lstStyle/>
-          <a:p>
-            <a:endParaRPr lang="en-US"/>
+            <a:endParaRPr lang="es-ES" dirty="0"/>
           </a:p>
         </p:txBody>
       </p:sp>
     </p:spTree>
-    <p:extLst>
-      <p:ext uri="{BB962C8B-B14F-4D97-AF65-F5344CB8AC3E}">
-        <p14:creationId xmlns:p14="http://schemas.microsoft.com/office/powerpoint/2010/main" val="2672708950"/>
-      </p:ext>
-    </p:extLst>
   </p:cSld>
   <p:clrMapOvr>
     <a:masterClrMapping/>
@@ -3356,6 +4318,64 @@
           </a:p>
         </p:txBody>
       </p:sp>
+      <p:sp>
+        <p:nvSpPr>
+          <p:cNvPr id="4" name="Text Placeholder 3"/>
+          <p:cNvSpPr>
+            <a:spLocks noGrp="1"/>
+          </p:cNvSpPr>
+          <p:nvPr>
+            <p:ph type="body" idx="2"/>
+          </p:nvPr>
+        </p:nvSpPr>
+        <p:spPr/>
+        <p:txBody>
+          <a:bodyPr/>
+          <a:lstStyle/>
+          <a:p>
+            <a:endParaRPr lang="en-US" dirty="0" smtClean="0"/>
+          </a:p>
+          <a:p>
+            <a:r>
+              <a:rPr lang="en-US" dirty="0" smtClean="0"/>
+              <a:t>Microsoft SQL Server</a:t>
+            </a:r>
+          </a:p>
+          <a:p>
+            <a:r>
+              <a:rPr lang="en-US" dirty="0" smtClean="0"/>
+              <a:t>Database: Trivia</a:t>
+            </a:r>
+          </a:p>
+          <a:p>
+            <a:r>
+              <a:rPr lang="en-US" dirty="0" smtClean="0"/>
+              <a:t>Table:  question</a:t>
+            </a:r>
+          </a:p>
+          <a:p>
+            <a:r>
+              <a:rPr lang="en-US" dirty="0" smtClean="0"/>
+              <a:t>Field:  </a:t>
+            </a:r>
+            <a:r>
+              <a:rPr lang="en-US" dirty="0" err="1" smtClean="0"/>
+              <a:t>question_text</a:t>
+            </a:r>
+            <a:endParaRPr lang="en-US" dirty="0" smtClean="0"/>
+          </a:p>
+          <a:p>
+            <a:r>
+              <a:rPr lang="en-US" dirty="0" err="1" smtClean="0"/>
+              <a:t>question_text</a:t>
+            </a:r>
+            <a:r>
+              <a:rPr lang="en-US" dirty="0" smtClean="0"/>
+              <a:t> contains all the opinion questions for the game.</a:t>
+            </a:r>
+          </a:p>
+        </p:txBody>
+      </p:sp>
       <p:pic>
         <p:nvPicPr>
           <p:cNvPr id="5" name="Content Placeholder 4"/>
@@ -3363,93 +4383,42 @@
             <a:picLocks noGrp="1" noChangeAspect="1"/>
           </p:cNvPicPr>
           <p:nvPr>
-            <p:ph idx="1"/>
+            <p:ph sz="half" idx="1"/>
           </p:nvPr>
         </p:nvPicPr>
         <p:blipFill>
-          <a:blip r:embed="rId2"/>
+          <a:blip r:embed="rId2" cstate="print"/>
           <a:stretch>
             <a:fillRect/>
           </a:stretch>
         </p:blipFill>
         <p:spPr>
           <a:xfrm>
-            <a:off x="5183188" y="1043608"/>
-            <a:ext cx="6172200" cy="4825379"/>
+            <a:off x="4767263" y="1683453"/>
+            <a:ext cx="6815137" cy="4557894"/>
           </a:xfrm>
           <a:prstGeom prst="rect">
             <a:avLst/>
           </a:prstGeom>
         </p:spPr>
       </p:pic>
-      <p:sp>
-        <p:nvSpPr>
-          <p:cNvPr id="4" name="Text Placeholder 3"/>
-          <p:cNvSpPr>
-            <a:spLocks noGrp="1"/>
-          </p:cNvSpPr>
-          <p:nvPr>
-            <p:ph type="body" sz="half" idx="2"/>
-          </p:nvPr>
-        </p:nvSpPr>
-        <p:spPr/>
-        <p:txBody>
-          <a:bodyPr/>
-          <a:lstStyle/>
-          <a:p>
-            <a:endParaRPr lang="en-US" dirty="0" smtClean="0"/>
-          </a:p>
-          <a:p>
-            <a:r>
-              <a:rPr lang="en-US" dirty="0" smtClean="0"/>
-              <a:t>Microsoft SQL Server</a:t>
-            </a:r>
-          </a:p>
-          <a:p>
-            <a:r>
-              <a:rPr lang="en-US" dirty="0" smtClean="0"/>
-              <a:t>Database: Trivia</a:t>
-            </a:r>
-          </a:p>
-          <a:p>
-            <a:r>
-              <a:rPr lang="en-US" dirty="0" smtClean="0"/>
-              <a:t>Table:  question</a:t>
-            </a:r>
-          </a:p>
-          <a:p>
-            <a:r>
-              <a:rPr lang="en-US" dirty="0" smtClean="0"/>
-              <a:t>Field:  </a:t>
-            </a:r>
-            <a:r>
-              <a:rPr lang="en-US" dirty="0" err="1" smtClean="0"/>
-              <a:t>question_text</a:t>
-            </a:r>
-            <a:endParaRPr lang="en-US" dirty="0" smtClean="0"/>
-          </a:p>
-          <a:p>
-            <a:r>
-              <a:rPr lang="en-US" dirty="0" err="1" smtClean="0"/>
-              <a:t>question_text</a:t>
-            </a:r>
-            <a:r>
-              <a:rPr lang="en-US" dirty="0" smtClean="0"/>
-              <a:t> contains all the opinion questions for the game.</a:t>
-            </a:r>
-          </a:p>
-        </p:txBody>
-      </p:sp>
     </p:spTree>
     <p:extLst>
       <p:ext uri="{BB962C8B-B14F-4D97-AF65-F5344CB8AC3E}">
-        <p14:creationId xmlns:p14="http://schemas.microsoft.com/office/powerpoint/2010/main" val="750060558"/>
+        <p14:creationId xmlns="" xmlns:p14="http://schemas.microsoft.com/office/powerpoint/2010/main" val="750060558"/>
       </p:ext>
     </p:extLst>
   </p:cSld>
   <p:clrMapOvr>
     <a:masterClrMapping/>
   </p:clrMapOvr>
+  <p:timing>
+    <p:tnLst>
+      <p:par>
+        <p:cTn id="1" dur="indefinite" restart="never" nodeType="tmRoot"/>
+      </p:par>
+    </p:tnLst>
+  </p:timing>
 </p:sld>
 </file>
 
@@ -3600,7 +4569,7 @@
           </p:nvPr>
         </p:nvPicPr>
         <p:blipFill>
-          <a:blip r:embed="rId2"/>
+          <a:blip r:embed="rId2" cstate="print"/>
           <a:stretch>
             <a:fillRect/>
           </a:stretch>
@@ -3618,13 +4587,20 @@
     </p:spTree>
     <p:extLst>
       <p:ext uri="{BB962C8B-B14F-4D97-AF65-F5344CB8AC3E}">
-        <p14:creationId xmlns:p14="http://schemas.microsoft.com/office/powerpoint/2010/main" val="2554521532"/>
+        <p14:creationId xmlns="" xmlns:p14="http://schemas.microsoft.com/office/powerpoint/2010/main" val="2554521532"/>
       </p:ext>
     </p:extLst>
   </p:cSld>
   <p:clrMapOvr>
     <a:masterClrMapping/>
   </p:clrMapOvr>
+  <p:timing>
+    <p:tnLst>
+      <p:par>
+        <p:cTn id="1" dur="indefinite" restart="never" nodeType="tmRoot"/>
+      </p:par>
+    </p:tnLst>
+  </p:timing>
 </p:sld>
 </file>
 
@@ -3662,11 +4638,7 @@
           <a:p>
             <a:r>
               <a:rPr lang="en-US" dirty="0" smtClean="0"/>
-              <a:t>WUT?  Sound </a:t>
-            </a:r>
-            <a:r>
-              <a:rPr lang="en-US" dirty="0" smtClean="0"/>
-              <a:t>Effects and Graphics</a:t>
+              <a:t>WUT?  Sound Effects and Graphics</a:t>
             </a:r>
             <a:endParaRPr lang="en-US" dirty="0"/>
           </a:p>
@@ -3674,33 +4646,59 @@
       </p:sp>
       <p:sp>
         <p:nvSpPr>
-          <p:cNvPr id="3" name="Content Placeholder 2"/>
-          <p:cNvSpPr>
-            <a:spLocks noGrp="1"/>
-          </p:cNvSpPr>
-          <p:nvPr>
-            <p:ph idx="1"/>
-          </p:nvPr>
-        </p:nvSpPr>
-        <p:spPr/>
-        <p:txBody>
-          <a:bodyPr/>
-          <a:lstStyle/>
-          <a:p>
-            <a:endParaRPr lang="en-US" dirty="0"/>
+          <p:cNvPr id="5" name="4 Marcador de texto"/>
+          <p:cNvSpPr>
+            <a:spLocks noGrp="1"/>
+          </p:cNvSpPr>
+          <p:nvPr>
+            <p:ph type="body" idx="2"/>
+          </p:nvPr>
+        </p:nvSpPr>
+        <p:spPr/>
+        <p:txBody>
+          <a:bodyPr/>
+          <a:lstStyle/>
+          <a:p>
+            <a:endParaRPr lang="es-ES"/>
+          </a:p>
+        </p:txBody>
+      </p:sp>
+      <p:sp>
+        <p:nvSpPr>
+          <p:cNvPr id="4" name="3 Marcador de contenido"/>
+          <p:cNvSpPr>
+            <a:spLocks noGrp="1"/>
+          </p:cNvSpPr>
+          <p:nvPr>
+            <p:ph sz="half" idx="1"/>
+          </p:nvPr>
+        </p:nvSpPr>
+        <p:spPr/>
+        <p:txBody>
+          <a:bodyPr/>
+          <a:lstStyle/>
+          <a:p>
+            <a:endParaRPr lang="es-ES"/>
           </a:p>
         </p:txBody>
       </p:sp>
     </p:spTree>
     <p:extLst>
       <p:ext uri="{BB962C8B-B14F-4D97-AF65-F5344CB8AC3E}">
-        <p14:creationId xmlns:p14="http://schemas.microsoft.com/office/powerpoint/2010/main" val="4247304824"/>
+        <p14:creationId xmlns="" xmlns:p14="http://schemas.microsoft.com/office/powerpoint/2010/main" val="4247304824"/>
       </p:ext>
     </p:extLst>
   </p:cSld>
   <p:clrMapOvr>
     <a:masterClrMapping/>
   </p:clrMapOvr>
+  <p:timing>
+    <p:tnLst>
+      <p:par>
+        <p:cTn id="1" dur="indefinite" restart="never" nodeType="tmRoot"/>
+      </p:par>
+    </p:tnLst>
+  </p:timing>
 </p:sld>
 </file>
 
@@ -3774,13 +4772,20 @@
     </p:spTree>
     <p:extLst>
       <p:ext uri="{BB962C8B-B14F-4D97-AF65-F5344CB8AC3E}">
-        <p14:creationId xmlns:p14="http://schemas.microsoft.com/office/powerpoint/2010/main" val="2301534406"/>
+        <p14:creationId xmlns="" xmlns:p14="http://schemas.microsoft.com/office/powerpoint/2010/main" val="2301534406"/>
       </p:ext>
     </p:extLst>
   </p:cSld>
   <p:clrMapOvr>
     <a:masterClrMapping/>
   </p:clrMapOvr>
+  <p:timing>
+    <p:tnLst>
+      <p:par>
+        <p:cTn id="1" dur="indefinite" restart="never" nodeType="tmRoot"/>
+      </p:par>
+    </p:tnLst>
+  </p:timing>
 </p:sld>
 </file>
 
@@ -3846,20 +4851,27 @@
     </p:spTree>
     <p:extLst>
       <p:ext uri="{BB962C8B-B14F-4D97-AF65-F5344CB8AC3E}">
-        <p14:creationId xmlns:p14="http://schemas.microsoft.com/office/powerpoint/2010/main" val="2009722222"/>
+        <p14:creationId xmlns="" xmlns:p14="http://schemas.microsoft.com/office/powerpoint/2010/main" val="2009722222"/>
       </p:ext>
     </p:extLst>
   </p:cSld>
   <p:clrMapOvr>
     <a:masterClrMapping/>
   </p:clrMapOvr>
+  <p:timing>
+    <p:tnLst>
+      <p:par>
+        <p:cTn id="1" dur="indefinite" restart="never" nodeType="tmRoot"/>
+      </p:par>
+    </p:tnLst>
+  </p:timing>
 </p:sld>
 </file>
 
 <file path=ppt/theme/theme1.xml><?xml version="1.0" encoding="utf-8"?>
-<a:theme xmlns:a="http://schemas.openxmlformats.org/drawingml/2006/main" name="Office Theme">
+<a:theme xmlns:a="http://schemas.openxmlformats.org/drawingml/2006/main" name="Flujo">
   <a:themeElements>
-    <a:clrScheme name="Office">
+    <a:clrScheme name="Flujo">
       <a:dk1>
         <a:sysClr val="windowText" lastClr="000000"/>
       </a:dk1>
@@ -3867,81 +4879,46 @@
         <a:sysClr val="window" lastClr="FFFFFF"/>
       </a:lt1>
       <a:dk2>
-        <a:srgbClr val="44546A"/>
+        <a:srgbClr val="04617B"/>
       </a:dk2>
       <a:lt2>
-        <a:srgbClr val="E7E6E6"/>
+        <a:srgbClr val="DBF5F9"/>
       </a:lt2>
       <a:accent1>
-        <a:srgbClr val="5B9BD5"/>
+        <a:srgbClr val="0F6FC6"/>
       </a:accent1>
       <a:accent2>
-        <a:srgbClr val="ED7D31"/>
+        <a:srgbClr val="009DD9"/>
       </a:accent2>
       <a:accent3>
-        <a:srgbClr val="A5A5A5"/>
+        <a:srgbClr val="0BD0D9"/>
       </a:accent3>
       <a:accent4>
-        <a:srgbClr val="FFC000"/>
+        <a:srgbClr val="10CF9B"/>
       </a:accent4>
       <a:accent5>
-        <a:srgbClr val="4472C4"/>
+        <a:srgbClr val="7CCA62"/>
       </a:accent5>
       <a:accent6>
-        <a:srgbClr val="70AD47"/>
+        <a:srgbClr val="A5C249"/>
       </a:accent6>
       <a:hlink>
-        <a:srgbClr val="0563C1"/>
+        <a:srgbClr val="E2D700"/>
       </a:hlink>
       <a:folHlink>
-        <a:srgbClr val="954F72"/>
+        <a:srgbClr val="85DFD0"/>
       </a:folHlink>
     </a:clrScheme>
-    <a:fontScheme name="Office">
+    <a:fontScheme name="Flujo">
       <a:majorFont>
-        <a:latin typeface="Calibri Light" panose="020F0302020204030204"/>
+        <a:latin typeface="Calibri"/>
         <a:ea typeface=""/>
         <a:cs typeface=""/>
         <a:font script="Jpan" typeface="ＭＳ Ｐゴシック"/>
-        <a:font script="Hang" typeface="맑은 고딕"/>
-        <a:font script="Hans" typeface="宋体"/>
-        <a:font script="Hant" typeface="新細明體"/>
-        <a:font script="Arab" typeface="Times New Roman"/>
-        <a:font script="Hebr" typeface="Times New Roman"/>
-        <a:font script="Thai" typeface="Angsana New"/>
-        <a:font script="Ethi" typeface="Nyala"/>
-        <a:font script="Beng" typeface="Vrinda"/>
-        <a:font script="Gujr" typeface="Shruti"/>
-        <a:font script="Khmr" typeface="MoolBoran"/>
-        <a:font script="Knda" typeface="Tunga"/>
-        <a:font script="Guru" typeface="Raavi"/>
-        <a:font script="Cans" typeface="Euphemia"/>
-        <a:font script="Cher" typeface="Plantagenet Cherokee"/>
-        <a:font script="Yiii" typeface="Microsoft Yi Baiti"/>
-        <a:font script="Tibt" typeface="Microsoft Himalaya"/>
-        <a:font script="Thaa" typeface="MV Boli"/>
-        <a:font script="Deva" typeface="Mangal"/>
-        <a:font script="Telu" typeface="Gautami"/>
-        <a:font script="Taml" typeface="Latha"/>
-        <a:font script="Syrc" typeface="Estrangelo Edessa"/>
-        <a:font script="Orya" typeface="Kalinga"/>
-        <a:font script="Mlym" typeface="Kartika"/>
-        <a:font script="Laoo" typeface="DokChampa"/>
-        <a:font script="Sinh" typeface="Iskoola Pota"/>
-        <a:font script="Mong" typeface="Mongolian Baiti"/>
-        <a:font script="Viet" typeface="Times New Roman"/>
-        <a:font script="Uigh" typeface="Microsoft Uighur"/>
-        <a:font script="Geor" typeface="Sylfaen"/>
-      </a:majorFont>
-      <a:minorFont>
-        <a:latin typeface="Calibri" panose="020F0502020204030204"/>
-        <a:ea typeface=""/>
-        <a:cs typeface=""/>
-        <a:font script="Jpan" typeface="ＭＳ Ｐゴシック"/>
-        <a:font script="Hang" typeface="맑은 고딕"/>
-        <a:font script="Hans" typeface="宋体"/>
-        <a:font script="Hant" typeface="新細明體"/>
-        <a:font script="Arab" typeface="Arial"/>
+        <a:font script="Hang" typeface="HY중고딕"/>
+        <a:font script="Hans" typeface="隶书"/>
+        <a:font script="Hant" typeface="微軟正黑體"/>
+        <a:font script="Arab" typeface="Traditional Arabic"/>
         <a:font script="Hebr" typeface="Arial"/>
         <a:font script="Thai" typeface="Cordia New"/>
         <a:font script="Ethi" typeface="Nyala"/>
@@ -3966,10 +4943,43 @@
         <a:font script="Mong" typeface="Mongolian Baiti"/>
         <a:font script="Viet" typeface="Arial"/>
         <a:font script="Uigh" typeface="Microsoft Uighur"/>
-        <a:font script="Geor" typeface="Sylfaen"/>
+      </a:majorFont>
+      <a:minorFont>
+        <a:latin typeface="Constantia"/>
+        <a:ea typeface=""/>
+        <a:cs typeface=""/>
+        <a:font script="Jpan" typeface="HGP明朝E"/>
+        <a:font script="Hang" typeface="HY신명조"/>
+        <a:font script="Hans" typeface="宋体"/>
+        <a:font script="Hant" typeface="新細明體"/>
+        <a:font script="Arab" typeface="Majalla UI"/>
+        <a:font script="Hebr" typeface="David"/>
+        <a:font script="Thai" typeface="Browallia New"/>
+        <a:font script="Ethi" typeface="Nyala"/>
+        <a:font script="Beng" typeface="Vrinda"/>
+        <a:font script="Gujr" typeface="Shruti"/>
+        <a:font script="Khmr" typeface="MoolBoran"/>
+        <a:font script="Knda" typeface="Tunga"/>
+        <a:font script="Guru" typeface="Raavi"/>
+        <a:font script="Cans" typeface="Euphemia"/>
+        <a:font script="Cher" typeface="Plantagenet Cherokee"/>
+        <a:font script="Yiii" typeface="Microsoft Yi Baiti"/>
+        <a:font script="Tibt" typeface="Microsoft Himalaya"/>
+        <a:font script="Thaa" typeface="MV Boli"/>
+        <a:font script="Deva" typeface="Mangal"/>
+        <a:font script="Telu" typeface="Gautami"/>
+        <a:font script="Taml" typeface="Latha"/>
+        <a:font script="Syrc" typeface="Estrangelo Edessa"/>
+        <a:font script="Orya" typeface="Kalinga"/>
+        <a:font script="Mlym" typeface="Kartika"/>
+        <a:font script="Laoo" typeface="DokChampa"/>
+        <a:font script="Sinh" typeface="Iskoola Pota"/>
+        <a:font script="Mong" typeface="Mongolian Baiti"/>
+        <a:font script="Viet" typeface="Times New Roman"/>
+        <a:font script="Uigh" typeface="Microsoft Uighur"/>
       </a:minorFont>
     </a:fontScheme>
-    <a:fmtScheme name="Office">
+    <a:fmtScheme name="Flujo">
       <a:fillStyleLst>
         <a:solidFill>
           <a:schemeClr val="phClr"/>
@@ -3978,141 +4988,177 @@
           <a:gsLst>
             <a:gs pos="0">
               <a:schemeClr val="phClr">
-                <a:lumMod val="110000"/>
-                <a:satMod val="105000"/>
-                <a:tint val="67000"/>
+                <a:tint val="70000"/>
+                <a:satMod val="130000"/>
               </a:schemeClr>
             </a:gs>
-            <a:gs pos="50000">
+            <a:gs pos="43000">
               <a:schemeClr val="phClr">
-                <a:lumMod val="105000"/>
-                <a:satMod val="103000"/>
-                <a:tint val="73000"/>
+                <a:tint val="44000"/>
+                <a:satMod val="165000"/>
+              </a:schemeClr>
+            </a:gs>
+            <a:gs pos="93000">
+              <a:schemeClr val="phClr">
+                <a:tint val="15000"/>
+                <a:satMod val="165000"/>
               </a:schemeClr>
             </a:gs>
             <a:gs pos="100000">
               <a:schemeClr val="phClr">
-                <a:lumMod val="105000"/>
-                <a:satMod val="109000"/>
-                <a:tint val="81000"/>
+                <a:tint val="5000"/>
+                <a:satMod val="250000"/>
               </a:schemeClr>
             </a:gs>
           </a:gsLst>
-          <a:lin ang="5400000" scaled="0"/>
+          <a:path path="circle">
+            <a:fillToRect l="50000" t="130000" r="50000" b="-30000"/>
+          </a:path>
         </a:gradFill>
         <a:gradFill rotWithShape="1">
           <a:gsLst>
             <a:gs pos="0">
               <a:schemeClr val="phClr">
-                <a:satMod val="103000"/>
-                <a:lumMod val="102000"/>
-                <a:tint val="94000"/>
+                <a:tint val="98000"/>
+                <a:shade val="25000"/>
+                <a:satMod val="250000"/>
               </a:schemeClr>
             </a:gs>
-            <a:gs pos="50000">
+            <a:gs pos="68000">
               <a:schemeClr val="phClr">
-                <a:satMod val="110000"/>
-                <a:lumMod val="100000"/>
-                <a:shade val="100000"/>
+                <a:tint val="86000"/>
+                <a:satMod val="115000"/>
               </a:schemeClr>
             </a:gs>
             <a:gs pos="100000">
               <a:schemeClr val="phClr">
-                <a:lumMod val="99000"/>
-                <a:satMod val="120000"/>
-                <a:shade val="78000"/>
+                <a:tint val="50000"/>
+                <a:satMod val="150000"/>
               </a:schemeClr>
             </a:gs>
           </a:gsLst>
-          <a:lin ang="5400000" scaled="0"/>
+          <a:path path="circle">
+            <a:fillToRect l="50000" t="130000" r="50000" b="-30000"/>
+          </a:path>
         </a:gradFill>
       </a:fillStyleLst>
       <a:lnStyleLst>
-        <a:ln w="6350" cap="flat" cmpd="sng" algn="ctr">
+        <a:ln w="9525" cap="flat" cmpd="sng" algn="ctr">
+          <a:solidFill>
+            <a:schemeClr val="phClr">
+              <a:shade val="50000"/>
+              <a:satMod val="103000"/>
+            </a:schemeClr>
+          </a:solidFill>
+          <a:prstDash val="solid"/>
+        </a:ln>
+        <a:ln w="25400" cap="flat" cmpd="sng" algn="ctr">
           <a:solidFill>
             <a:schemeClr val="phClr"/>
           </a:solidFill>
           <a:prstDash val="solid"/>
-          <a:miter lim="800000"/>
         </a:ln>
-        <a:ln w="12700" cap="flat" cmpd="sng" algn="ctr">
+        <a:ln w="38100" cap="flat" cmpd="sng" algn="ctr">
           <a:solidFill>
             <a:schemeClr val="phClr"/>
           </a:solidFill>
           <a:prstDash val="solid"/>
-          <a:miter lim="800000"/>
-        </a:ln>
-        <a:ln w="19050" cap="flat" cmpd="sng" algn="ctr">
-          <a:solidFill>
-            <a:schemeClr val="phClr"/>
-          </a:solidFill>
-          <a:prstDash val="solid"/>
-          <a:miter lim="800000"/>
         </a:ln>
       </a:lnStyleLst>
       <a:effectStyleLst>
         <a:effectStyle>
-          <a:effectLst/>
-        </a:effectStyle>
-        <a:effectStyle>
-          <a:effectLst/>
+          <a:effectLst>
+            <a:outerShdw blurRad="57150" dist="38100" dir="5400000" algn="ctr" rotWithShape="0">
+              <a:schemeClr val="phClr">
+                <a:shade val="9000"/>
+                <a:satMod val="105000"/>
+                <a:alpha val="48000"/>
+              </a:schemeClr>
+            </a:outerShdw>
+          </a:effectLst>
         </a:effectStyle>
         <a:effectStyle>
           <a:effectLst>
-            <a:outerShdw blurRad="57150" dist="19050" dir="5400000" algn="ctr" rotWithShape="0">
-              <a:srgbClr val="000000">
-                <a:alpha val="63000"/>
-              </a:srgbClr>
+            <a:outerShdw blurRad="57150" dist="38100" dir="5400000" algn="ctr" rotWithShape="0">
+              <a:schemeClr val="phClr">
+                <a:shade val="9000"/>
+                <a:satMod val="105000"/>
+                <a:alpha val="48000"/>
+              </a:schemeClr>
             </a:outerShdw>
           </a:effectLst>
+        </a:effectStyle>
+        <a:effectStyle>
+          <a:effectLst>
+            <a:outerShdw blurRad="57150" dist="38100" dir="5400000" algn="ctr" rotWithShape="0">
+              <a:schemeClr val="phClr">
+                <a:shade val="9000"/>
+                <a:satMod val="105000"/>
+                <a:alpha val="48000"/>
+              </a:schemeClr>
+            </a:outerShdw>
+          </a:effectLst>
+          <a:scene3d>
+            <a:camera prst="orthographicFront" fov="0">
+              <a:rot lat="0" lon="0" rev="0"/>
+            </a:camera>
+            <a:lightRig rig="glow" dir="tl">
+              <a:rot lat="0" lon="0" rev="900000"/>
+            </a:lightRig>
+          </a:scene3d>
+          <a:sp3d prstMaterial="powder">
+            <a:bevelT w="25400" h="38100"/>
+          </a:sp3d>
         </a:effectStyle>
       </a:effectStyleLst>
       <a:bgFillStyleLst>
         <a:solidFill>
           <a:schemeClr val="phClr"/>
         </a:solidFill>
-        <a:solidFill>
-          <a:schemeClr val="phClr">
-            <a:tint val="95000"/>
-            <a:satMod val="170000"/>
-          </a:schemeClr>
-        </a:solidFill>
         <a:gradFill rotWithShape="1">
           <a:gsLst>
             <a:gs pos="0">
               <a:schemeClr val="phClr">
-                <a:tint val="93000"/>
-                <a:satMod val="150000"/>
-                <a:shade val="98000"/>
-                <a:lumMod val="102000"/>
+                <a:tint val="80000"/>
+                <a:satMod val="400000"/>
               </a:schemeClr>
             </a:gs>
-            <a:gs pos="50000">
+            <a:gs pos="25000">
               <a:schemeClr val="phClr">
-                <a:tint val="98000"/>
-                <a:satMod val="130000"/>
-                <a:shade val="90000"/>
-                <a:lumMod val="103000"/>
+                <a:tint val="83000"/>
+                <a:satMod val="320000"/>
               </a:schemeClr>
             </a:gs>
             <a:gs pos="100000">
               <a:schemeClr val="phClr">
-                <a:shade val="63000"/>
-                <a:satMod val="120000"/>
+                <a:shade val="15000"/>
+                <a:satMod val="320000"/>
               </a:schemeClr>
             </a:gs>
           </a:gsLst>
-          <a:lin ang="5400000" scaled="0"/>
+          <a:path path="circle">
+            <a:fillToRect l="10000" t="110000" r="10000" b="100000"/>
+          </a:path>
         </a:gradFill>
+        <a:blipFill>
+          <a:blip xmlns:r="http://schemas.openxmlformats.org/officeDocument/2006/relationships" r:embed="rId1">
+            <a:duotone>
+              <a:schemeClr val="phClr">
+                <a:shade val="90000"/>
+                <a:satMod val="150000"/>
+              </a:schemeClr>
+              <a:schemeClr val="phClr">
+                <a:tint val="88000"/>
+                <a:satMod val="150000"/>
+              </a:schemeClr>
+            </a:duotone>
+          </a:blip>
+          <a:tile tx="0" ty="0" sx="65000" sy="65000" flip="none" algn="tl"/>
+        </a:blipFill>
       </a:bgFillStyleLst>
     </a:fmtScheme>
   </a:themeElements>
   <a:objectDefaults/>
   <a:extraClrSchemeLst/>
-  <a:extLst>
-    <a:ext uri="{05A4C25C-085E-4340-85A3-A5531E510DB2}">
-      <thm15:themeFamily xmlns:thm15="http://schemas.microsoft.com/office/thememl/2012/main" name="Office Theme" id="{62F939B6-93AF-4DB8-9C6B-D6C7DFDC589F}" vid="{4A3C46E8-61CC-4603-A589-7422A47A8E4A}"/>
-    </a:ext>
-  </a:extLst>
 </a:theme>
 </file>